--- a/문서/보행팀/산림청 미팅 20221229.pptx
+++ b/문서/보행팀/산림청 미팅 20221229.pptx
@@ -14,11 +14,11 @@
     <p:sldId id="344" r:id="rId2"/>
     <p:sldId id="345" r:id="rId3"/>
     <p:sldId id="346" r:id="rId4"/>
-    <p:sldId id="347" r:id="rId5"/>
-    <p:sldId id="348" r:id="rId6"/>
-    <p:sldId id="349" r:id="rId7"/>
-    <p:sldId id="350" r:id="rId8"/>
-    <p:sldId id="351" r:id="rId9"/>
+    <p:sldId id="352" r:id="rId5"/>
+    <p:sldId id="353" r:id="rId6"/>
+    <p:sldId id="355" r:id="rId7"/>
+    <p:sldId id="356" r:id="rId8"/>
+    <p:sldId id="357" r:id="rId9"/>
   </p:sldIdLst>
   <p:sldSz cx="12192000" cy="6858000"/>
   <p:notesSz cx="6797675" cy="9926638"/>
@@ -7208,6 +7208,583 @@
           </a:p>
         </p:txBody>
       </p:sp>
+      <p:pic>
+        <p:nvPicPr>
+          <p:cNvPr id="7" name="그림 6">
+            <a:extLst>
+              <a:ext uri="{FF2B5EF4-FFF2-40B4-BE49-F238E27FC236}">
+                <a16:creationId xmlns:a16="http://schemas.microsoft.com/office/drawing/2014/main" id="{8E0CBB1A-384D-3894-E55E-29B382A22C7D}"/>
+              </a:ext>
+            </a:extLst>
+          </p:cNvPr>
+          <p:cNvPicPr>
+            <a:picLocks noChangeAspect="1"/>
+          </p:cNvPicPr>
+          <p:nvPr/>
+        </p:nvPicPr>
+        <p:blipFill>
+          <a:blip r:embed="rId2"/>
+          <a:stretch>
+            <a:fillRect/>
+          </a:stretch>
+        </p:blipFill>
+        <p:spPr>
+          <a:xfrm>
+            <a:off x="916773" y="2325836"/>
+            <a:ext cx="3565982" cy="2744818"/>
+          </a:xfrm>
+          <a:prstGeom prst="rect">
+            <a:avLst/>
+          </a:prstGeom>
+        </p:spPr>
+      </p:pic>
+      <p:cxnSp>
+        <p:nvCxnSpPr>
+          <p:cNvPr id="23" name="직선 화살표 연결선 22">
+            <a:extLst>
+              <a:ext uri="{FF2B5EF4-FFF2-40B4-BE49-F238E27FC236}">
+                <a16:creationId xmlns:a16="http://schemas.microsoft.com/office/drawing/2014/main" id="{86A0497C-16AC-944A-F68F-DE6365F345EB}"/>
+              </a:ext>
+            </a:extLst>
+          </p:cNvPr>
+          <p:cNvCxnSpPr/>
+          <p:nvPr/>
+        </p:nvCxnSpPr>
+        <p:spPr>
+          <a:xfrm>
+            <a:off x="8080090" y="3020424"/>
+            <a:ext cx="0" cy="528506"/>
+          </a:xfrm>
+          <a:prstGeom prst="straightConnector1">
+            <a:avLst/>
+          </a:prstGeom>
+          <a:ln w="38100">
+            <a:solidFill>
+              <a:schemeClr val="tx1"/>
+            </a:solidFill>
+            <a:tailEnd type="triangle"/>
+          </a:ln>
+        </p:spPr>
+        <p:style>
+          <a:lnRef idx="1">
+            <a:schemeClr val="accent1"/>
+          </a:lnRef>
+          <a:fillRef idx="0">
+            <a:schemeClr val="accent1"/>
+          </a:fillRef>
+          <a:effectRef idx="0">
+            <a:schemeClr val="accent1"/>
+          </a:effectRef>
+          <a:fontRef idx="minor">
+            <a:schemeClr val="tx1"/>
+          </a:fontRef>
+        </p:style>
+      </p:cxnSp>
+      <p:grpSp>
+        <p:nvGrpSpPr>
+          <p:cNvPr id="29" name="그룹 28">
+            <a:extLst>
+              <a:ext uri="{FF2B5EF4-FFF2-40B4-BE49-F238E27FC236}">
+                <a16:creationId xmlns:a16="http://schemas.microsoft.com/office/drawing/2014/main" id="{42BC54E5-FFB9-1897-700A-2A9BBBF56289}"/>
+              </a:ext>
+            </a:extLst>
+          </p:cNvPr>
+          <p:cNvGrpSpPr/>
+          <p:nvPr/>
+        </p:nvGrpSpPr>
+        <p:grpSpPr>
+          <a:xfrm>
+            <a:off x="6631497" y="3664689"/>
+            <a:ext cx="3020037" cy="2416029"/>
+            <a:chOff x="6887361" y="3724712"/>
+            <a:chExt cx="3020037" cy="2416029"/>
+          </a:xfrm>
+        </p:grpSpPr>
+        <p:cxnSp>
+          <p:nvCxnSpPr>
+            <p:cNvPr id="25" name="직선 화살표 연결선 24">
+              <a:extLst>
+                <a:ext uri="{FF2B5EF4-FFF2-40B4-BE49-F238E27FC236}">
+                  <a16:creationId xmlns:a16="http://schemas.microsoft.com/office/drawing/2014/main" id="{DCBEF567-770B-D687-D9AA-46B5E43305C1}"/>
+                </a:ext>
+              </a:extLst>
+            </p:cNvPr>
+            <p:cNvCxnSpPr/>
+            <p:nvPr/>
+          </p:nvCxnSpPr>
+          <p:spPr>
+            <a:xfrm>
+              <a:off x="6887361" y="5008228"/>
+              <a:ext cx="3020037" cy="0"/>
+            </a:xfrm>
+            <a:prstGeom prst="straightConnector1">
+              <a:avLst/>
+            </a:prstGeom>
+            <a:ln>
+              <a:solidFill>
+                <a:schemeClr val="tx1"/>
+              </a:solidFill>
+              <a:tailEnd type="triangle"/>
+            </a:ln>
+          </p:spPr>
+          <p:style>
+            <a:lnRef idx="1">
+              <a:schemeClr val="accent1"/>
+            </a:lnRef>
+            <a:fillRef idx="0">
+              <a:schemeClr val="accent1"/>
+            </a:fillRef>
+            <a:effectRef idx="0">
+              <a:schemeClr val="accent1"/>
+            </a:effectRef>
+            <a:fontRef idx="minor">
+              <a:schemeClr val="tx1"/>
+            </a:fontRef>
+          </p:style>
+        </p:cxnSp>
+        <p:cxnSp>
+          <p:nvCxnSpPr>
+            <p:cNvPr id="27" name="직선 화살표 연결선 26">
+              <a:extLst>
+                <a:ext uri="{FF2B5EF4-FFF2-40B4-BE49-F238E27FC236}">
+                  <a16:creationId xmlns:a16="http://schemas.microsoft.com/office/drawing/2014/main" id="{21826DEF-11C9-325F-ABA9-B13000F307AF}"/>
+                </a:ext>
+              </a:extLst>
+            </p:cNvPr>
+            <p:cNvCxnSpPr/>
+            <p:nvPr/>
+          </p:nvCxnSpPr>
+          <p:spPr>
+            <a:xfrm flipV="1">
+              <a:off x="8338657" y="3724712"/>
+              <a:ext cx="0" cy="2416029"/>
+            </a:xfrm>
+            <a:prstGeom prst="straightConnector1">
+              <a:avLst/>
+            </a:prstGeom>
+            <a:ln>
+              <a:solidFill>
+                <a:schemeClr val="tx1"/>
+              </a:solidFill>
+              <a:tailEnd type="triangle"/>
+            </a:ln>
+          </p:spPr>
+          <p:style>
+            <a:lnRef idx="1">
+              <a:schemeClr val="accent1"/>
+            </a:lnRef>
+            <a:fillRef idx="0">
+              <a:schemeClr val="accent1"/>
+            </a:fillRef>
+            <a:effectRef idx="0">
+              <a:schemeClr val="accent1"/>
+            </a:effectRef>
+            <a:fontRef idx="minor">
+              <a:schemeClr val="tx1"/>
+            </a:fontRef>
+          </p:style>
+        </p:cxnSp>
+        <p:sp>
+          <p:nvSpPr>
+            <p:cNvPr id="28" name="타원 27">
+              <a:extLst>
+                <a:ext uri="{FF2B5EF4-FFF2-40B4-BE49-F238E27FC236}">
+                  <a16:creationId xmlns:a16="http://schemas.microsoft.com/office/drawing/2014/main" id="{555DEAEB-6CA3-2A9A-55F9-A3CAA97545C0}"/>
+                </a:ext>
+              </a:extLst>
+            </p:cNvPr>
+            <p:cNvSpPr/>
+            <p:nvPr/>
+          </p:nvSpPr>
+          <p:spPr>
+            <a:xfrm>
+              <a:off x="7638175" y="4366470"/>
+              <a:ext cx="1400961" cy="1283516"/>
+            </a:xfrm>
+            <a:prstGeom prst="ellipse">
+              <a:avLst/>
+            </a:prstGeom>
+            <a:noFill/>
+            <a:ln>
+              <a:solidFill>
+                <a:srgbClr val="C00000"/>
+              </a:solidFill>
+            </a:ln>
+          </p:spPr>
+          <p:style>
+            <a:lnRef idx="2">
+              <a:schemeClr val="accent1">
+                <a:shade val="50000"/>
+              </a:schemeClr>
+            </a:lnRef>
+            <a:fillRef idx="1">
+              <a:schemeClr val="accent1"/>
+            </a:fillRef>
+            <a:effectRef idx="0">
+              <a:schemeClr val="accent1"/>
+            </a:effectRef>
+            <a:fontRef idx="minor">
+              <a:schemeClr val="lt1"/>
+            </a:fontRef>
+          </p:style>
+          <p:txBody>
+            <a:bodyPr rtlCol="0" anchor="ctr"/>
+            <a:lstStyle/>
+            <a:p>
+              <a:pPr algn="ctr"/>
+              <a:endParaRPr lang="ko-KR" altLang="en-US"/>
+            </a:p>
+          </p:txBody>
+        </p:sp>
+      </p:grpSp>
+      <p:grpSp>
+        <p:nvGrpSpPr>
+          <p:cNvPr id="33" name="그룹 32">
+            <a:extLst>
+              <a:ext uri="{FF2B5EF4-FFF2-40B4-BE49-F238E27FC236}">
+                <a16:creationId xmlns:a16="http://schemas.microsoft.com/office/drawing/2014/main" id="{1C152A63-057B-6E8A-EF9E-7F3750878AB1}"/>
+              </a:ext>
+            </a:extLst>
+          </p:cNvPr>
+          <p:cNvGrpSpPr/>
+          <p:nvPr/>
+        </p:nvGrpSpPr>
+        <p:grpSpPr>
+          <a:xfrm>
+            <a:off x="5788404" y="1709047"/>
+            <a:ext cx="4821579" cy="1117832"/>
+            <a:chOff x="4991450" y="1742603"/>
+            <a:chExt cx="4821579" cy="1117832"/>
+          </a:xfrm>
+        </p:grpSpPr>
+        <p:grpSp>
+          <p:nvGrpSpPr>
+            <p:cNvPr id="21" name="그룹 20">
+              <a:extLst>
+                <a:ext uri="{FF2B5EF4-FFF2-40B4-BE49-F238E27FC236}">
+                  <a16:creationId xmlns:a16="http://schemas.microsoft.com/office/drawing/2014/main" id="{82725ACD-3229-215E-14C4-756293DCFD29}"/>
+                </a:ext>
+              </a:extLst>
+            </p:cNvPr>
+            <p:cNvGrpSpPr/>
+            <p:nvPr/>
+          </p:nvGrpSpPr>
+          <p:grpSpPr>
+            <a:xfrm>
+              <a:off x="4991450" y="1820200"/>
+              <a:ext cx="4756558" cy="1040235"/>
+              <a:chOff x="6096000" y="1490764"/>
+              <a:chExt cx="6604932" cy="1638330"/>
+            </a:xfrm>
+          </p:grpSpPr>
+          <p:cxnSp>
+            <p:nvCxnSpPr>
+              <p:cNvPr id="9" name="직선 화살표 연결선 8">
+                <a:extLst>
+                  <a:ext uri="{FF2B5EF4-FFF2-40B4-BE49-F238E27FC236}">
+                    <a16:creationId xmlns:a16="http://schemas.microsoft.com/office/drawing/2014/main" id="{04C73A1E-186A-DCE3-04A2-29935DAE4A15}"/>
+                  </a:ext>
+                </a:extLst>
+              </p:cNvPr>
+              <p:cNvCxnSpPr/>
+              <p:nvPr/>
+            </p:nvCxnSpPr>
+            <p:spPr>
+              <a:xfrm flipV="1">
+                <a:off x="6096000" y="1490764"/>
+                <a:ext cx="0" cy="1638330"/>
+              </a:xfrm>
+              <a:prstGeom prst="straightConnector1">
+                <a:avLst/>
+              </a:prstGeom>
+              <a:ln>
+                <a:solidFill>
+                  <a:schemeClr val="tx1"/>
+                </a:solidFill>
+                <a:tailEnd type="triangle"/>
+              </a:ln>
+            </p:spPr>
+            <p:style>
+              <a:lnRef idx="1">
+                <a:schemeClr val="accent1"/>
+              </a:lnRef>
+              <a:fillRef idx="0">
+                <a:schemeClr val="accent1"/>
+              </a:fillRef>
+              <a:effectRef idx="0">
+                <a:schemeClr val="accent1"/>
+              </a:effectRef>
+              <a:fontRef idx="minor">
+                <a:schemeClr val="tx1"/>
+              </a:fontRef>
+            </p:style>
+          </p:cxnSp>
+          <p:cxnSp>
+            <p:nvCxnSpPr>
+              <p:cNvPr id="11" name="직선 화살표 연결선 10">
+                <a:extLst>
+                  <a:ext uri="{FF2B5EF4-FFF2-40B4-BE49-F238E27FC236}">
+                    <a16:creationId xmlns:a16="http://schemas.microsoft.com/office/drawing/2014/main" id="{67EF3150-1CF8-80A2-AADE-8D1A4B4414A1}"/>
+                  </a:ext>
+                </a:extLst>
+              </p:cNvPr>
+              <p:cNvCxnSpPr>
+                <a:cxnSpLocks/>
+              </p:cNvCxnSpPr>
+              <p:nvPr/>
+            </p:nvCxnSpPr>
+            <p:spPr>
+              <a:xfrm flipV="1">
+                <a:off x="6096000" y="3123880"/>
+                <a:ext cx="6604932" cy="5214"/>
+              </a:xfrm>
+              <a:prstGeom prst="straightConnector1">
+                <a:avLst/>
+              </a:prstGeom>
+              <a:ln>
+                <a:solidFill>
+                  <a:schemeClr val="tx1"/>
+                </a:solidFill>
+                <a:tailEnd type="triangle"/>
+              </a:ln>
+            </p:spPr>
+            <p:style>
+              <a:lnRef idx="1">
+                <a:schemeClr val="accent1"/>
+              </a:lnRef>
+              <a:fillRef idx="0">
+                <a:schemeClr val="accent1"/>
+              </a:fillRef>
+              <a:effectRef idx="0">
+                <a:schemeClr val="accent1"/>
+              </a:effectRef>
+              <a:fontRef idx="minor">
+                <a:schemeClr val="tx1"/>
+              </a:fontRef>
+            </p:style>
+          </p:cxnSp>
+          <p:cxnSp>
+            <p:nvCxnSpPr>
+              <p:cNvPr id="14" name="직선 연결선 13">
+                <a:extLst>
+                  <a:ext uri="{FF2B5EF4-FFF2-40B4-BE49-F238E27FC236}">
+                    <a16:creationId xmlns:a16="http://schemas.microsoft.com/office/drawing/2014/main" id="{AC02FB49-D2FF-1FAE-AC90-6E59B2F569E2}"/>
+                  </a:ext>
+                </a:extLst>
+              </p:cNvPr>
+              <p:cNvCxnSpPr/>
+              <p:nvPr/>
+            </p:nvCxnSpPr>
+            <p:spPr>
+              <a:xfrm flipV="1">
+                <a:off x="6096000" y="1937857"/>
+                <a:ext cx="3182224" cy="1191237"/>
+              </a:xfrm>
+              <a:prstGeom prst="line">
+                <a:avLst/>
+              </a:prstGeom>
+            </p:spPr>
+            <p:style>
+              <a:lnRef idx="1">
+                <a:schemeClr val="accent1"/>
+              </a:lnRef>
+              <a:fillRef idx="0">
+                <a:schemeClr val="accent1"/>
+              </a:fillRef>
+              <a:effectRef idx="0">
+                <a:schemeClr val="accent1"/>
+              </a:effectRef>
+              <a:fontRef idx="minor">
+                <a:schemeClr val="tx1"/>
+              </a:fontRef>
+            </p:style>
+          </p:cxnSp>
+          <p:cxnSp>
+            <p:nvCxnSpPr>
+              <p:cNvPr id="15" name="직선 연결선 14">
+                <a:extLst>
+                  <a:ext uri="{FF2B5EF4-FFF2-40B4-BE49-F238E27FC236}">
+                    <a16:creationId xmlns:a16="http://schemas.microsoft.com/office/drawing/2014/main" id="{10A33537-7CB0-8F44-0A5E-3B4D1582E77F}"/>
+                  </a:ext>
+                </a:extLst>
+              </p:cNvPr>
+              <p:cNvCxnSpPr>
+                <a:cxnSpLocks/>
+              </p:cNvCxnSpPr>
+              <p:nvPr/>
+            </p:nvCxnSpPr>
+            <p:spPr>
+              <a:xfrm flipV="1">
+                <a:off x="9278224" y="1943070"/>
+                <a:ext cx="0" cy="1186024"/>
+              </a:xfrm>
+              <a:prstGeom prst="line">
+                <a:avLst/>
+              </a:prstGeom>
+            </p:spPr>
+            <p:style>
+              <a:lnRef idx="1">
+                <a:schemeClr val="accent1"/>
+              </a:lnRef>
+              <a:fillRef idx="0">
+                <a:schemeClr val="accent1"/>
+              </a:fillRef>
+              <a:effectRef idx="0">
+                <a:schemeClr val="accent1"/>
+              </a:effectRef>
+              <a:fontRef idx="minor">
+                <a:schemeClr val="tx1"/>
+              </a:fontRef>
+            </p:style>
+          </p:cxnSp>
+          <p:cxnSp>
+            <p:nvCxnSpPr>
+              <p:cNvPr id="18" name="직선 연결선 17">
+                <a:extLst>
+                  <a:ext uri="{FF2B5EF4-FFF2-40B4-BE49-F238E27FC236}">
+                    <a16:creationId xmlns:a16="http://schemas.microsoft.com/office/drawing/2014/main" id="{006215B8-5BAC-FE37-BEC2-073FBA4B4F84}"/>
+                  </a:ext>
+                </a:extLst>
+              </p:cNvPr>
+              <p:cNvCxnSpPr/>
+              <p:nvPr/>
+            </p:nvCxnSpPr>
+            <p:spPr>
+              <a:xfrm flipV="1">
+                <a:off x="9278223" y="1932643"/>
+                <a:ext cx="3182224" cy="1191237"/>
+              </a:xfrm>
+              <a:prstGeom prst="line">
+                <a:avLst/>
+              </a:prstGeom>
+            </p:spPr>
+            <p:style>
+              <a:lnRef idx="1">
+                <a:schemeClr val="accent1"/>
+              </a:lnRef>
+              <a:fillRef idx="0">
+                <a:schemeClr val="accent1"/>
+              </a:fillRef>
+              <a:effectRef idx="0">
+                <a:schemeClr val="accent1"/>
+              </a:effectRef>
+              <a:fontRef idx="minor">
+                <a:schemeClr val="tx1"/>
+              </a:fontRef>
+            </p:style>
+          </p:cxnSp>
+          <p:cxnSp>
+            <p:nvCxnSpPr>
+              <p:cNvPr id="19" name="직선 연결선 18">
+                <a:extLst>
+                  <a:ext uri="{FF2B5EF4-FFF2-40B4-BE49-F238E27FC236}">
+                    <a16:creationId xmlns:a16="http://schemas.microsoft.com/office/drawing/2014/main" id="{E7532DE1-12E4-0C60-D401-4656566F435C}"/>
+                  </a:ext>
+                </a:extLst>
+              </p:cNvPr>
+              <p:cNvCxnSpPr>
+                <a:cxnSpLocks/>
+              </p:cNvCxnSpPr>
+              <p:nvPr/>
+            </p:nvCxnSpPr>
+            <p:spPr>
+              <a:xfrm flipV="1">
+                <a:off x="12460447" y="1937856"/>
+                <a:ext cx="0" cy="1186024"/>
+              </a:xfrm>
+              <a:prstGeom prst="line">
+                <a:avLst/>
+              </a:prstGeom>
+            </p:spPr>
+            <p:style>
+              <a:lnRef idx="1">
+                <a:schemeClr val="accent1"/>
+              </a:lnRef>
+              <a:fillRef idx="0">
+                <a:schemeClr val="accent1"/>
+              </a:fillRef>
+              <a:effectRef idx="0">
+                <a:schemeClr val="accent1"/>
+              </a:effectRef>
+              <a:fontRef idx="minor">
+                <a:schemeClr val="tx1"/>
+              </a:fontRef>
+            </p:style>
+          </p:cxnSp>
+        </p:grpSp>
+        <p:sp>
+          <p:nvSpPr>
+            <p:cNvPr id="30" name="TextBox 29">
+              <a:extLst>
+                <a:ext uri="{FF2B5EF4-FFF2-40B4-BE49-F238E27FC236}">
+                  <a16:creationId xmlns:a16="http://schemas.microsoft.com/office/drawing/2014/main" id="{860E0A4E-6D90-CCB9-7343-45A5FE9EB8E2}"/>
+                </a:ext>
+              </a:extLst>
+            </p:cNvPr>
+            <p:cNvSpPr txBox="1"/>
+            <p:nvPr/>
+          </p:nvSpPr>
+          <p:spPr>
+            <a:xfrm>
+              <a:off x="9336617" y="1742603"/>
+              <a:ext cx="476412" cy="369332"/>
+            </a:xfrm>
+            <a:prstGeom prst="rect">
+              <a:avLst/>
+            </a:prstGeom>
+            <a:noFill/>
+          </p:spPr>
+          <p:txBody>
+            <a:bodyPr wrap="none" rtlCol="0">
+              <a:spAutoFit/>
+            </a:bodyPr>
+            <a:lstStyle/>
+            <a:p>
+              <a:r>
+                <a:rPr lang="en-US" altLang="ko-KR" dirty="0"/>
+                <a:t>HS</a:t>
+              </a:r>
+              <a:endParaRPr lang="ko-KR" altLang="en-US" dirty="0"/>
+            </a:p>
+          </p:txBody>
+        </p:sp>
+        <p:sp>
+          <p:nvSpPr>
+            <p:cNvPr id="31" name="TextBox 30">
+              <a:extLst>
+                <a:ext uri="{FF2B5EF4-FFF2-40B4-BE49-F238E27FC236}">
+                  <a16:creationId xmlns:a16="http://schemas.microsoft.com/office/drawing/2014/main" id="{320C469A-D0B0-7F29-B17C-FFDEF4D5C8E0}"/>
+                </a:ext>
+              </a:extLst>
+            </p:cNvPr>
+            <p:cNvSpPr txBox="1"/>
+            <p:nvPr/>
+          </p:nvSpPr>
+          <p:spPr>
+            <a:xfrm>
+              <a:off x="7044929" y="1742603"/>
+              <a:ext cx="476412" cy="369332"/>
+            </a:xfrm>
+            <a:prstGeom prst="rect">
+              <a:avLst/>
+            </a:prstGeom>
+            <a:noFill/>
+          </p:spPr>
+          <p:txBody>
+            <a:bodyPr wrap="none" rtlCol="0">
+              <a:spAutoFit/>
+            </a:bodyPr>
+            <a:lstStyle/>
+            <a:p>
+              <a:r>
+                <a:rPr lang="en-US" altLang="ko-KR" dirty="0"/>
+                <a:t>HS</a:t>
+              </a:r>
+              <a:endParaRPr lang="ko-KR" altLang="en-US" dirty="0"/>
+            </a:p>
+          </p:txBody>
+        </p:sp>
+      </p:grpSp>
     </p:spTree>
     <p:extLst>
       <p:ext uri="{BB962C8B-B14F-4D97-AF65-F5344CB8AC3E}">
@@ -7240,60 +7817,10 @@
       </p:grpSpPr>
       <p:sp>
         <p:nvSpPr>
-          <p:cNvPr id="7" name="내용 개체 틀 6">
+          <p:cNvPr id="3" name="슬라이드 번호 개체 틀 2">
             <a:extLst>
               <a:ext uri="{FF2B5EF4-FFF2-40B4-BE49-F238E27FC236}">
-                <a16:creationId xmlns:a16="http://schemas.microsoft.com/office/drawing/2014/main" id="{4F0BDF9F-183C-48B0-95C3-14BEDA7E494B}"/>
-              </a:ext>
-            </a:extLst>
-          </p:cNvPr>
-          <p:cNvSpPr>
-            <a:spLocks noGrp="1"/>
-          </p:cNvSpPr>
-          <p:nvPr>
-            <p:ph sz="half" idx="1"/>
-          </p:nvPr>
-        </p:nvSpPr>
-        <p:spPr/>
-        <p:txBody>
-          <a:bodyPr/>
-          <a:lstStyle/>
-          <a:p>
-            <a:endParaRPr lang="ko-KR" altLang="en-US"/>
-          </a:p>
-        </p:txBody>
-      </p:sp>
-      <p:sp>
-        <p:nvSpPr>
-          <p:cNvPr id="8" name="내용 개체 틀 7">
-            <a:extLst>
-              <a:ext uri="{FF2B5EF4-FFF2-40B4-BE49-F238E27FC236}">
-                <a16:creationId xmlns:a16="http://schemas.microsoft.com/office/drawing/2014/main" id="{6C1BA14A-1B4C-4EF1-A45A-930BA2559FEB}"/>
-              </a:ext>
-            </a:extLst>
-          </p:cNvPr>
-          <p:cNvSpPr>
-            <a:spLocks noGrp="1"/>
-          </p:cNvSpPr>
-          <p:nvPr>
-            <p:ph sz="half" idx="2"/>
-          </p:nvPr>
-        </p:nvSpPr>
-        <p:spPr/>
-        <p:txBody>
-          <a:bodyPr/>
-          <a:lstStyle/>
-          <a:p>
-            <a:endParaRPr lang="ko-KR" altLang="en-US"/>
-          </a:p>
-        </p:txBody>
-      </p:sp>
-      <p:sp>
-        <p:nvSpPr>
-          <p:cNvPr id="2" name="슬라이드 번호 개체 틀 1">
-            <a:extLst>
-              <a:ext uri="{FF2B5EF4-FFF2-40B4-BE49-F238E27FC236}">
-                <a16:creationId xmlns:a16="http://schemas.microsoft.com/office/drawing/2014/main" id="{E8A3B413-87E8-4D8E-BD2E-3625530C605C}"/>
+                <a16:creationId xmlns:a16="http://schemas.microsoft.com/office/drawing/2014/main" id="{C19E5CCB-0BA8-4575-A19B-400619DB10A6}"/>
               </a:ext>
             </a:extLst>
           </p:cNvPr>
@@ -7320,10 +7847,58 @@
       </p:sp>
       <p:sp>
         <p:nvSpPr>
-          <p:cNvPr id="6" name="제목 5">
+          <p:cNvPr id="2" name="TextBox 1">
             <a:extLst>
               <a:ext uri="{FF2B5EF4-FFF2-40B4-BE49-F238E27FC236}">
-                <a16:creationId xmlns:a16="http://schemas.microsoft.com/office/drawing/2014/main" id="{111D41A4-BB6A-4587-AECB-63C55DA45BE8}"/>
+                <a16:creationId xmlns:a16="http://schemas.microsoft.com/office/drawing/2014/main" id="{C552E9AC-A471-488E-E7DE-5A464A21E4B8}"/>
+              </a:ext>
+            </a:extLst>
+          </p:cNvPr>
+          <p:cNvSpPr txBox="1"/>
+          <p:nvPr/>
+        </p:nvSpPr>
+        <p:spPr>
+          <a:xfrm>
+            <a:off x="259903" y="1090654"/>
+            <a:ext cx="9150514" cy="400110"/>
+          </a:xfrm>
+          <a:prstGeom prst="rect">
+            <a:avLst/>
+          </a:prstGeom>
+          <a:noFill/>
+        </p:spPr>
+        <p:txBody>
+          <a:bodyPr wrap="square" rtlCol="0">
+            <a:spAutoFit/>
+          </a:bodyPr>
+          <a:lstStyle/>
+          <a:p>
+            <a:r>
+              <a:rPr lang="en-US" altLang="ko-KR" sz="2000" b="1" dirty="0"/>
+              <a:t>1.  Angle Data</a:t>
+            </a:r>
+            <a:r>
+              <a:rPr lang="ko-KR" altLang="en-US" sz="2000" b="1" dirty="0"/>
+              <a:t>를 이용한 </a:t>
+            </a:r>
+            <a:r>
+              <a:rPr lang="en-US" altLang="ko-KR" sz="2000" b="1" dirty="0"/>
+              <a:t>Gate phase </a:t>
+            </a:r>
+            <a:r>
+              <a:rPr lang="ko-KR" altLang="en-US" sz="2000" b="1" dirty="0"/>
+              <a:t>구분</a:t>
+            </a:r>
+            <a:endParaRPr lang="en-US" altLang="ko-KR" sz="2000" b="1" dirty="0"/>
+          </a:p>
+        </p:txBody>
+      </p:sp>
+      <p:sp>
+        <p:nvSpPr>
+          <p:cNvPr id="10" name="제목 3">
+            <a:extLst>
+              <a:ext uri="{FF2B5EF4-FFF2-40B4-BE49-F238E27FC236}">
+                <a16:creationId xmlns:a16="http://schemas.microsoft.com/office/drawing/2014/main" id="{041C6B78-C31E-60DB-1132-68B664AFE640}"/>
               </a:ext>
             </a:extLst>
           </p:cNvPr>
@@ -7334,19 +7909,89 @@
             <p:ph type="title"/>
           </p:nvPr>
         </p:nvSpPr>
-        <p:spPr/>
+        <p:spPr>
+          <a:xfrm>
+            <a:off x="0" y="259719"/>
+            <a:ext cx="12192000" cy="720000"/>
+          </a:xfrm>
+        </p:spPr>
         <p:txBody>
           <a:bodyPr/>
           <a:lstStyle/>
           <a:p>
-            <a:endParaRPr lang="ko-KR" altLang="en-US"/>
+            <a:r>
+              <a:rPr lang="en-US" altLang="ko-KR" dirty="0"/>
+              <a:t>2</a:t>
+            </a:r>
+            <a:r>
+              <a:rPr lang="ko-KR" altLang="en-US" dirty="0"/>
+              <a:t>학기 진행내용</a:t>
+            </a:r>
           </a:p>
         </p:txBody>
       </p:sp>
+      <p:pic>
+        <p:nvPicPr>
+          <p:cNvPr id="6" name="그림 5">
+            <a:extLst>
+              <a:ext uri="{FF2B5EF4-FFF2-40B4-BE49-F238E27FC236}">
+                <a16:creationId xmlns:a16="http://schemas.microsoft.com/office/drawing/2014/main" id="{870ADCDF-A752-5FDC-4BEB-BDE9761F36E5}"/>
+              </a:ext>
+            </a:extLst>
+          </p:cNvPr>
+          <p:cNvPicPr>
+            <a:picLocks noChangeAspect="1"/>
+          </p:cNvPicPr>
+          <p:nvPr/>
+        </p:nvPicPr>
+        <p:blipFill rotWithShape="1">
+          <a:blip r:embed="rId2"/>
+          <a:srcRect t="26177"/>
+          <a:stretch/>
+        </p:blipFill>
+        <p:spPr>
+          <a:xfrm>
+            <a:off x="646674" y="1954635"/>
+            <a:ext cx="4428561" cy="3716323"/>
+          </a:xfrm>
+          <a:prstGeom prst="rect">
+            <a:avLst/>
+          </a:prstGeom>
+        </p:spPr>
+      </p:pic>
+      <p:pic>
+        <p:nvPicPr>
+          <p:cNvPr id="8" name="그림 7">
+            <a:extLst>
+              <a:ext uri="{FF2B5EF4-FFF2-40B4-BE49-F238E27FC236}">
+                <a16:creationId xmlns:a16="http://schemas.microsoft.com/office/drawing/2014/main" id="{A7DAB564-BB1F-2892-6FEC-28DF5EAB3080}"/>
+              </a:ext>
+            </a:extLst>
+          </p:cNvPr>
+          <p:cNvPicPr>
+            <a:picLocks noChangeAspect="1"/>
+          </p:cNvPicPr>
+          <p:nvPr/>
+        </p:nvPicPr>
+        <p:blipFill rotWithShape="1">
+          <a:blip r:embed="rId2"/>
+          <a:srcRect b="72844"/>
+          <a:stretch/>
+        </p:blipFill>
+        <p:spPr>
+          <a:xfrm>
+            <a:off x="5310953" y="2881618"/>
+            <a:ext cx="6033040" cy="1862356"/>
+          </a:xfrm>
+          <a:prstGeom prst="rect">
+            <a:avLst/>
+          </a:prstGeom>
+        </p:spPr>
+      </p:pic>
     </p:spTree>
     <p:extLst>
       <p:ext uri="{BB962C8B-B14F-4D97-AF65-F5344CB8AC3E}">
-        <p14:creationId xmlns:p14="http://schemas.microsoft.com/office/powerpoint/2010/main" val="632172312"/>
+        <p14:creationId xmlns:p14="http://schemas.microsoft.com/office/powerpoint/2010/main" val="1940382604"/>
       </p:ext>
     </p:extLst>
   </p:cSld>
@@ -7375,35 +8020,10 @@
       </p:grpSpPr>
       <p:sp>
         <p:nvSpPr>
-          <p:cNvPr id="6" name="제목 5">
+          <p:cNvPr id="3" name="슬라이드 번호 개체 틀 2">
             <a:extLst>
               <a:ext uri="{FF2B5EF4-FFF2-40B4-BE49-F238E27FC236}">
-                <a16:creationId xmlns:a16="http://schemas.microsoft.com/office/drawing/2014/main" id="{FB255BE5-F299-4AEA-9A7D-C48BACD1AF06}"/>
-              </a:ext>
-            </a:extLst>
-          </p:cNvPr>
-          <p:cNvSpPr>
-            <a:spLocks noGrp="1"/>
-          </p:cNvSpPr>
-          <p:nvPr>
-            <p:ph type="title"/>
-          </p:nvPr>
-        </p:nvSpPr>
-        <p:spPr/>
-        <p:txBody>
-          <a:bodyPr/>
-          <a:lstStyle/>
-          <a:p>
-            <a:endParaRPr lang="ko-KR" altLang="en-US"/>
-          </a:p>
-        </p:txBody>
-      </p:sp>
-      <p:sp>
-        <p:nvSpPr>
-          <p:cNvPr id="4" name="슬라이드 번호 개체 틀 3">
-            <a:extLst>
-              <a:ext uri="{FF2B5EF4-FFF2-40B4-BE49-F238E27FC236}">
-                <a16:creationId xmlns:a16="http://schemas.microsoft.com/office/drawing/2014/main" id="{8CF8B3E3-92AA-43D8-9C0D-2770CF286CB7}"/>
+                <a16:creationId xmlns:a16="http://schemas.microsoft.com/office/drawing/2014/main" id="{C19E5CCB-0BA8-4575-A19B-400619DB10A6}"/>
               </a:ext>
             </a:extLst>
           </p:cNvPr>
@@ -7430,10 +8050,58 @@
       </p:sp>
       <p:sp>
         <p:nvSpPr>
-          <p:cNvPr id="7" name="내용 개체 틀 6">
+          <p:cNvPr id="2" name="TextBox 1">
             <a:extLst>
               <a:ext uri="{FF2B5EF4-FFF2-40B4-BE49-F238E27FC236}">
-                <a16:creationId xmlns:a16="http://schemas.microsoft.com/office/drawing/2014/main" id="{ABA4D013-C731-4679-A77F-26FFA408FCD2}"/>
+                <a16:creationId xmlns:a16="http://schemas.microsoft.com/office/drawing/2014/main" id="{C552E9AC-A471-488E-E7DE-5A464A21E4B8}"/>
+              </a:ext>
+            </a:extLst>
+          </p:cNvPr>
+          <p:cNvSpPr txBox="1"/>
+          <p:nvPr/>
+        </p:nvSpPr>
+        <p:spPr>
+          <a:xfrm>
+            <a:off x="259903" y="1090654"/>
+            <a:ext cx="9150514" cy="400110"/>
+          </a:xfrm>
+          <a:prstGeom prst="rect">
+            <a:avLst/>
+          </a:prstGeom>
+          <a:noFill/>
+        </p:spPr>
+        <p:txBody>
+          <a:bodyPr wrap="square" rtlCol="0">
+            <a:spAutoFit/>
+          </a:bodyPr>
+          <a:lstStyle/>
+          <a:p>
+            <a:r>
+              <a:rPr lang="en-US" altLang="ko-KR" sz="2000" b="1" dirty="0"/>
+              <a:t>1.  Angle Data</a:t>
+            </a:r>
+            <a:r>
+              <a:rPr lang="ko-KR" altLang="en-US" sz="2000" b="1" dirty="0"/>
+              <a:t>를 이용한 </a:t>
+            </a:r>
+            <a:r>
+              <a:rPr lang="en-US" altLang="ko-KR" sz="2000" b="1" dirty="0"/>
+              <a:t>Gate phase </a:t>
+            </a:r>
+            <a:r>
+              <a:rPr lang="ko-KR" altLang="en-US" sz="2000" b="1" dirty="0"/>
+              <a:t>구분</a:t>
+            </a:r>
+            <a:endParaRPr lang="en-US" altLang="ko-KR" sz="2000" b="1" dirty="0"/>
+          </a:p>
+        </p:txBody>
+      </p:sp>
+      <p:sp>
+        <p:nvSpPr>
+          <p:cNvPr id="10" name="제목 3">
+            <a:extLst>
+              <a:ext uri="{FF2B5EF4-FFF2-40B4-BE49-F238E27FC236}">
+                <a16:creationId xmlns:a16="http://schemas.microsoft.com/office/drawing/2014/main" id="{041C6B78-C31E-60DB-1132-68B664AFE640}"/>
               </a:ext>
             </a:extLst>
           </p:cNvPr>
@@ -7441,74 +8109,64 @@
             <a:spLocks noGrp="1"/>
           </p:cNvSpPr>
           <p:nvPr>
-            <p:ph idx="1"/>
+            <p:ph type="title"/>
           </p:nvPr>
         </p:nvSpPr>
-        <p:spPr/>
+        <p:spPr>
+          <a:xfrm>
+            <a:off x="0" y="259719"/>
+            <a:ext cx="12192000" cy="720000"/>
+          </a:xfrm>
+        </p:spPr>
         <p:txBody>
-          <a:bodyPr>
-            <a:normAutofit lnSpcReduction="10000"/>
-          </a:bodyPr>
+          <a:bodyPr/>
           <a:lstStyle/>
           <a:p>
-            <a:endParaRPr lang="ko-KR" altLang="en-US"/>
+            <a:r>
+              <a:rPr lang="en-US" altLang="ko-KR" dirty="0"/>
+              <a:t>2</a:t>
+            </a:r>
+            <a:r>
+              <a:rPr lang="ko-KR" altLang="en-US" dirty="0"/>
+              <a:t>학기 진행내용</a:t>
+            </a:r>
           </a:p>
         </p:txBody>
       </p:sp>
-      <p:sp>
-        <p:nvSpPr>
-          <p:cNvPr id="9" name="내용 개체 틀 8">
+      <p:pic>
+        <p:nvPicPr>
+          <p:cNvPr id="5" name="그림 4">
             <a:extLst>
               <a:ext uri="{FF2B5EF4-FFF2-40B4-BE49-F238E27FC236}">
-                <a16:creationId xmlns:a16="http://schemas.microsoft.com/office/drawing/2014/main" id="{CB76EBF5-651C-42B6-A322-52AF32A82E04}"/>
+                <a16:creationId xmlns:a16="http://schemas.microsoft.com/office/drawing/2014/main" id="{5A0F1B9D-D4B9-8CCB-5615-CA38351BD6A2}"/>
               </a:ext>
             </a:extLst>
           </p:cNvPr>
-          <p:cNvSpPr>
-            <a:spLocks noGrp="1"/>
-          </p:cNvSpPr>
-          <p:nvPr>
-            <p:ph sz="half" idx="13"/>
-          </p:nvPr>
-        </p:nvSpPr>
-        <p:spPr/>
-        <p:txBody>
-          <a:bodyPr/>
-          <a:lstStyle/>
-          <a:p>
-            <a:endParaRPr lang="ko-KR" altLang="en-US"/>
-          </a:p>
-        </p:txBody>
-      </p:sp>
-      <p:sp>
-        <p:nvSpPr>
-          <p:cNvPr id="8" name="내용 개체 틀 7">
-            <a:extLst>
-              <a:ext uri="{FF2B5EF4-FFF2-40B4-BE49-F238E27FC236}">
-                <a16:creationId xmlns:a16="http://schemas.microsoft.com/office/drawing/2014/main" id="{5B19661E-D6F3-43FA-83D3-455644F82F7E}"/>
-              </a:ext>
-            </a:extLst>
-          </p:cNvPr>
-          <p:cNvSpPr>
-            <a:spLocks noGrp="1"/>
-          </p:cNvSpPr>
-          <p:nvPr>
-            <p:ph sz="half" idx="2"/>
-          </p:nvPr>
-        </p:nvSpPr>
-        <p:spPr/>
-        <p:txBody>
-          <a:bodyPr/>
-          <a:lstStyle/>
-          <a:p>
-            <a:endParaRPr lang="ko-KR" altLang="en-US"/>
-          </a:p>
-        </p:txBody>
-      </p:sp>
+          <p:cNvPicPr>
+            <a:picLocks noChangeAspect="1"/>
+          </p:cNvPicPr>
+          <p:nvPr/>
+        </p:nvPicPr>
+        <p:blipFill>
+          <a:blip r:embed="rId2"/>
+          <a:stretch>
+            <a:fillRect/>
+          </a:stretch>
+        </p:blipFill>
+        <p:spPr>
+          <a:xfrm>
+            <a:off x="3576517" y="2726050"/>
+            <a:ext cx="5038965" cy="1405899"/>
+          </a:xfrm>
+          <a:prstGeom prst="rect">
+            <a:avLst/>
+          </a:prstGeom>
+        </p:spPr>
+      </p:pic>
     </p:spTree>
     <p:extLst>
       <p:ext uri="{BB962C8B-B14F-4D97-AF65-F5344CB8AC3E}">
-        <p14:creationId xmlns:p14="http://schemas.microsoft.com/office/powerpoint/2010/main" val="658635182"/>
+        <p14:creationId xmlns:p14="http://schemas.microsoft.com/office/powerpoint/2010/main" val="3141343401"/>
       </p:ext>
     </p:extLst>
   </p:cSld>
@@ -7537,110 +8195,10 @@
       </p:grpSpPr>
       <p:sp>
         <p:nvSpPr>
-          <p:cNvPr id="8" name="텍스트 개체 틀 7">
-            <a:extLst>
-              <a:ext uri="{FF2B5EF4-FFF2-40B4-BE49-F238E27FC236}">
-                <a16:creationId xmlns:a16="http://schemas.microsoft.com/office/drawing/2014/main" id="{5479BCF5-4E2B-498C-983A-761CDB623195}"/>
-              </a:ext>
-            </a:extLst>
-          </p:cNvPr>
-          <p:cNvSpPr>
-            <a:spLocks noGrp="1"/>
-          </p:cNvSpPr>
-          <p:nvPr>
-            <p:ph type="body" idx="1"/>
-          </p:nvPr>
-        </p:nvSpPr>
-        <p:spPr/>
-        <p:txBody>
-          <a:bodyPr/>
-          <a:lstStyle/>
-          <a:p>
-            <a:endParaRPr lang="ko-KR" altLang="en-US"/>
-          </a:p>
-        </p:txBody>
-      </p:sp>
-      <p:sp>
-        <p:nvSpPr>
-          <p:cNvPr id="9" name="내용 개체 틀 8">
-            <a:extLst>
-              <a:ext uri="{FF2B5EF4-FFF2-40B4-BE49-F238E27FC236}">
-                <a16:creationId xmlns:a16="http://schemas.microsoft.com/office/drawing/2014/main" id="{FD0FF023-C180-4931-85DB-FFE8CE125135}"/>
-              </a:ext>
-            </a:extLst>
-          </p:cNvPr>
-          <p:cNvSpPr>
-            <a:spLocks noGrp="1"/>
-          </p:cNvSpPr>
-          <p:nvPr>
-            <p:ph sz="half" idx="2"/>
-          </p:nvPr>
-        </p:nvSpPr>
-        <p:spPr/>
-        <p:txBody>
-          <a:bodyPr/>
-          <a:lstStyle/>
-          <a:p>
-            <a:endParaRPr lang="ko-KR" altLang="en-US"/>
-          </a:p>
-        </p:txBody>
-      </p:sp>
-      <p:sp>
-        <p:nvSpPr>
-          <p:cNvPr id="10" name="텍스트 개체 틀 9">
-            <a:extLst>
-              <a:ext uri="{FF2B5EF4-FFF2-40B4-BE49-F238E27FC236}">
-                <a16:creationId xmlns:a16="http://schemas.microsoft.com/office/drawing/2014/main" id="{75134B26-831A-44FB-85FA-2CE23149DB81}"/>
-              </a:ext>
-            </a:extLst>
-          </p:cNvPr>
-          <p:cNvSpPr>
-            <a:spLocks noGrp="1"/>
-          </p:cNvSpPr>
-          <p:nvPr>
-            <p:ph type="body" sz="quarter" idx="3"/>
-          </p:nvPr>
-        </p:nvSpPr>
-        <p:spPr/>
-        <p:txBody>
-          <a:bodyPr/>
-          <a:lstStyle/>
-          <a:p>
-            <a:endParaRPr lang="ko-KR" altLang="en-US"/>
-          </a:p>
-        </p:txBody>
-      </p:sp>
-      <p:sp>
-        <p:nvSpPr>
-          <p:cNvPr id="11" name="내용 개체 틀 10">
-            <a:extLst>
-              <a:ext uri="{FF2B5EF4-FFF2-40B4-BE49-F238E27FC236}">
-                <a16:creationId xmlns:a16="http://schemas.microsoft.com/office/drawing/2014/main" id="{19248145-5B11-421E-9773-FCE1F06B003A}"/>
-              </a:ext>
-            </a:extLst>
-          </p:cNvPr>
-          <p:cNvSpPr>
-            <a:spLocks noGrp="1"/>
-          </p:cNvSpPr>
-          <p:nvPr>
-            <p:ph sz="quarter" idx="4"/>
-          </p:nvPr>
-        </p:nvSpPr>
-        <p:spPr/>
-        <p:txBody>
-          <a:bodyPr/>
-          <a:lstStyle/>
-          <a:p>
-            <a:endParaRPr lang="ko-KR" altLang="en-US"/>
-          </a:p>
-        </p:txBody>
-      </p:sp>
-      <p:sp>
-        <p:nvSpPr>
           <p:cNvPr id="3" name="슬라이드 번호 개체 틀 2">
             <a:extLst>
               <a:ext uri="{FF2B5EF4-FFF2-40B4-BE49-F238E27FC236}">
-                <a16:creationId xmlns:a16="http://schemas.microsoft.com/office/drawing/2014/main" id="{6AB0278E-CBEB-44C1-B2B9-BFEEDA742680}"/>
+                <a16:creationId xmlns:a16="http://schemas.microsoft.com/office/drawing/2014/main" id="{C19E5CCB-0BA8-4575-A19B-400619DB10A6}"/>
               </a:ext>
             </a:extLst>
           </p:cNvPr>
@@ -7667,10 +8225,56 @@
       </p:sp>
       <p:sp>
         <p:nvSpPr>
-          <p:cNvPr id="7" name="제목 6">
+          <p:cNvPr id="2" name="TextBox 1">
             <a:extLst>
               <a:ext uri="{FF2B5EF4-FFF2-40B4-BE49-F238E27FC236}">
-                <a16:creationId xmlns:a16="http://schemas.microsoft.com/office/drawing/2014/main" id="{58DBE1B2-30DE-4C25-829A-4BA8B757AC74}"/>
+                <a16:creationId xmlns:a16="http://schemas.microsoft.com/office/drawing/2014/main" id="{C552E9AC-A471-488E-E7DE-5A464A21E4B8}"/>
+              </a:ext>
+            </a:extLst>
+          </p:cNvPr>
+          <p:cNvSpPr txBox="1"/>
+          <p:nvPr/>
+        </p:nvSpPr>
+        <p:spPr>
+          <a:xfrm>
+            <a:off x="259903" y="1090654"/>
+            <a:ext cx="9150514" cy="707886"/>
+          </a:xfrm>
+          <a:prstGeom prst="rect">
+            <a:avLst/>
+          </a:prstGeom>
+          <a:noFill/>
+        </p:spPr>
+        <p:txBody>
+          <a:bodyPr wrap="square" rtlCol="0">
+            <a:spAutoFit/>
+          </a:bodyPr>
+          <a:lstStyle/>
+          <a:p>
+            <a:pPr marL="457200" indent="-457200">
+              <a:buAutoNum type="arabicPeriod" startAt="2"/>
+            </a:pPr>
+            <a:r>
+              <a:rPr lang="en-US" altLang="ko-KR" sz="2000" b="1" dirty="0"/>
+              <a:t>Slalom </a:t>
+            </a:r>
+            <a:r>
+              <a:rPr lang="ko-KR" altLang="en-US" sz="2000" b="1" dirty="0"/>
+              <a:t>인수인계</a:t>
+            </a:r>
+            <a:endParaRPr lang="en-US" altLang="ko-KR" sz="2000" b="1" dirty="0"/>
+          </a:p>
+          <a:p>
+            <a:endParaRPr lang="en-US" altLang="ko-KR" sz="2000" b="1" dirty="0"/>
+          </a:p>
+        </p:txBody>
+      </p:sp>
+      <p:sp>
+        <p:nvSpPr>
+          <p:cNvPr id="10" name="제목 3">
+            <a:extLst>
+              <a:ext uri="{FF2B5EF4-FFF2-40B4-BE49-F238E27FC236}">
+                <a16:creationId xmlns:a16="http://schemas.microsoft.com/office/drawing/2014/main" id="{041C6B78-C31E-60DB-1132-68B664AFE640}"/>
               </a:ext>
             </a:extLst>
           </p:cNvPr>
@@ -7681,19 +8285,1385 @@
             <p:ph type="title"/>
           </p:nvPr>
         </p:nvSpPr>
-        <p:spPr/>
+        <p:spPr>
+          <a:xfrm>
+            <a:off x="0" y="259719"/>
+            <a:ext cx="12192000" cy="720000"/>
+          </a:xfrm>
+        </p:spPr>
         <p:txBody>
           <a:bodyPr/>
           <a:lstStyle/>
           <a:p>
-            <a:endParaRPr lang="ko-KR" altLang="en-US"/>
+            <a:r>
+              <a:rPr lang="en-US" altLang="ko-KR" dirty="0"/>
+              <a:t>2</a:t>
+            </a:r>
+            <a:r>
+              <a:rPr lang="ko-KR" altLang="en-US" dirty="0"/>
+              <a:t>학기 진행내용</a:t>
+            </a:r>
+          </a:p>
+        </p:txBody>
+      </p:sp>
+      <p:graphicFrame>
+        <p:nvGraphicFramePr>
+          <p:cNvPr id="4" name="표 4">
+            <a:extLst>
+              <a:ext uri="{FF2B5EF4-FFF2-40B4-BE49-F238E27FC236}">
+                <a16:creationId xmlns:a16="http://schemas.microsoft.com/office/drawing/2014/main" id="{06D02214-8655-155B-E1B8-D6AF4674052A}"/>
+              </a:ext>
+            </a:extLst>
+          </p:cNvPr>
+          <p:cNvGraphicFramePr>
+            <a:graphicFrameLocks noGrp="1"/>
+          </p:cNvGraphicFramePr>
+          <p:nvPr/>
+        </p:nvGraphicFramePr>
+        <p:xfrm>
+          <a:off x="1668080" y="2185213"/>
+          <a:ext cx="5799520" cy="2874248"/>
+        </p:xfrm>
+        <a:graphic>
+          <a:graphicData uri="http://schemas.openxmlformats.org/drawingml/2006/table">
+            <a:tbl>
+              <a:tblPr firstRow="1" bandRow="1">
+                <a:tableStyleId>{5C22544A-7EE6-4342-B048-85BDC9FD1C3A}</a:tableStyleId>
+              </a:tblPr>
+              <a:tblGrid>
+                <a:gridCol w="1449880">
+                  <a:extLst>
+                    <a:ext uri="{9D8B030D-6E8A-4147-A177-3AD203B41FA5}">
+                      <a16:colId xmlns:a16="http://schemas.microsoft.com/office/drawing/2014/main" val="3331895167"/>
+                    </a:ext>
+                  </a:extLst>
+                </a:gridCol>
+                <a:gridCol w="1449880">
+                  <a:extLst>
+                    <a:ext uri="{9D8B030D-6E8A-4147-A177-3AD203B41FA5}">
+                      <a16:colId xmlns:a16="http://schemas.microsoft.com/office/drawing/2014/main" val="2869969013"/>
+                    </a:ext>
+                  </a:extLst>
+                </a:gridCol>
+                <a:gridCol w="1449880">
+                  <a:extLst>
+                    <a:ext uri="{9D8B030D-6E8A-4147-A177-3AD203B41FA5}">
+                      <a16:colId xmlns:a16="http://schemas.microsoft.com/office/drawing/2014/main" val="2767457526"/>
+                    </a:ext>
+                  </a:extLst>
+                </a:gridCol>
+                <a:gridCol w="1449880">
+                  <a:extLst>
+                    <a:ext uri="{9D8B030D-6E8A-4147-A177-3AD203B41FA5}">
+                      <a16:colId xmlns:a16="http://schemas.microsoft.com/office/drawing/2014/main" val="946196151"/>
+                    </a:ext>
+                  </a:extLst>
+                </a:gridCol>
+              </a:tblGrid>
+              <a:tr h="718562">
+                <a:tc>
+                  <a:txBody>
+                    <a:bodyPr/>
+                    <a:lstStyle/>
+                    <a:p>
+                      <a:pPr algn="ctr" latinLnBrk="1"/>
+                      <a:endParaRPr lang="ko-KR" altLang="en-US" dirty="0">
+                        <a:solidFill>
+                          <a:sysClr val="windowText" lastClr="000000"/>
+                        </a:solidFill>
+                      </a:endParaRPr>
+                    </a:p>
+                  </a:txBody>
+                  <a:tcPr anchor="ctr">
+                    <a:lnL w="12700" cap="flat" cmpd="sng" algn="ctr">
+                      <a:solidFill>
+                        <a:schemeClr val="tx1"/>
+                      </a:solidFill>
+                      <a:prstDash val="solid"/>
+                      <a:round/>
+                      <a:headEnd type="none" w="med" len="med"/>
+                      <a:tailEnd type="none" w="med" len="med"/>
+                    </a:lnL>
+                    <a:lnR w="12700" cap="flat" cmpd="sng" algn="ctr">
+                      <a:solidFill>
+                        <a:schemeClr val="tx1"/>
+                      </a:solidFill>
+                      <a:prstDash val="solid"/>
+                      <a:round/>
+                      <a:headEnd type="none" w="med" len="med"/>
+                      <a:tailEnd type="none" w="med" len="med"/>
+                    </a:lnR>
+                    <a:lnT w="12700" cap="flat" cmpd="sng" algn="ctr">
+                      <a:solidFill>
+                        <a:schemeClr val="tx1"/>
+                      </a:solidFill>
+                      <a:prstDash val="solid"/>
+                      <a:round/>
+                      <a:headEnd type="none" w="med" len="med"/>
+                      <a:tailEnd type="none" w="med" len="med"/>
+                    </a:lnT>
+                    <a:lnB w="12700" cap="flat" cmpd="sng" algn="ctr">
+                      <a:solidFill>
+                        <a:schemeClr val="tx1"/>
+                      </a:solidFill>
+                      <a:prstDash val="solid"/>
+                      <a:round/>
+                      <a:headEnd type="none" w="med" len="med"/>
+                      <a:tailEnd type="none" w="med" len="med"/>
+                    </a:lnB>
+                    <a:lnTlToBr w="12700" cap="flat" cmpd="sng" algn="ctr">
+                      <a:solidFill>
+                        <a:schemeClr val="tx1"/>
+                      </a:solidFill>
+                      <a:prstDash val="solid"/>
+                      <a:round/>
+                      <a:headEnd type="none" w="med" len="med"/>
+                      <a:tailEnd type="none" w="med" len="med"/>
+                    </a:lnTlToBr>
+                    <a:solidFill>
+                      <a:schemeClr val="bg1">
+                        <a:lumMod val="85000"/>
+                      </a:schemeClr>
+                    </a:solidFill>
+                  </a:tcPr>
+                </a:tc>
+                <a:tc>
+                  <a:txBody>
+                    <a:bodyPr/>
+                    <a:lstStyle/>
+                    <a:p>
+                      <a:pPr algn="ctr" latinLnBrk="1"/>
+                      <a:r>
+                        <a:rPr lang="en-US" altLang="ko-KR" b="0" dirty="0">
+                          <a:solidFill>
+                            <a:sysClr val="windowText" lastClr="000000"/>
+                          </a:solidFill>
+                        </a:rPr>
+                        <a:t>Constraint</a:t>
+                      </a:r>
+                    </a:p>
+                    <a:p>
+                      <a:pPr algn="ctr" latinLnBrk="1"/>
+                      <a:r>
+                        <a:rPr lang="en-US" altLang="ko-KR" b="0" dirty="0">
+                          <a:solidFill>
+                            <a:sysClr val="windowText" lastClr="000000"/>
+                          </a:solidFill>
+                        </a:rPr>
+                        <a:t>1m</a:t>
+                      </a:r>
+                      <a:endParaRPr lang="ko-KR" altLang="en-US" b="0" dirty="0">
+                        <a:solidFill>
+                          <a:sysClr val="windowText" lastClr="000000"/>
+                        </a:solidFill>
+                      </a:endParaRPr>
+                    </a:p>
+                  </a:txBody>
+                  <a:tcPr anchor="ctr">
+                    <a:lnL w="12700" cap="flat" cmpd="sng" algn="ctr">
+                      <a:solidFill>
+                        <a:schemeClr val="tx1"/>
+                      </a:solidFill>
+                      <a:prstDash val="solid"/>
+                      <a:round/>
+                      <a:headEnd type="none" w="med" len="med"/>
+                      <a:tailEnd type="none" w="med" len="med"/>
+                    </a:lnL>
+                    <a:lnR w="12700" cap="flat" cmpd="sng" algn="ctr">
+                      <a:solidFill>
+                        <a:schemeClr val="tx1"/>
+                      </a:solidFill>
+                      <a:prstDash val="solid"/>
+                      <a:round/>
+                      <a:headEnd type="none" w="med" len="med"/>
+                      <a:tailEnd type="none" w="med" len="med"/>
+                    </a:lnR>
+                    <a:lnT w="12700" cap="flat" cmpd="sng" algn="ctr">
+                      <a:solidFill>
+                        <a:schemeClr val="tx1"/>
+                      </a:solidFill>
+                      <a:prstDash val="solid"/>
+                      <a:round/>
+                      <a:headEnd type="none" w="med" len="med"/>
+                      <a:tailEnd type="none" w="med" len="med"/>
+                    </a:lnT>
+                    <a:lnB w="12700" cap="flat" cmpd="sng" algn="ctr">
+                      <a:solidFill>
+                        <a:schemeClr val="tx1"/>
+                      </a:solidFill>
+                      <a:prstDash val="solid"/>
+                      <a:round/>
+                      <a:headEnd type="none" w="med" len="med"/>
+                      <a:tailEnd type="none" w="med" len="med"/>
+                    </a:lnB>
+                    <a:solidFill>
+                      <a:schemeClr val="bg1">
+                        <a:lumMod val="85000"/>
+                      </a:schemeClr>
+                    </a:solidFill>
+                  </a:tcPr>
+                </a:tc>
+                <a:tc>
+                  <a:txBody>
+                    <a:bodyPr/>
+                    <a:lstStyle/>
+                    <a:p>
+                      <a:pPr algn="ctr" latinLnBrk="1"/>
+                      <a:r>
+                        <a:rPr lang="en-US" altLang="ko-KR" b="0" dirty="0">
+                          <a:solidFill>
+                            <a:sysClr val="windowText" lastClr="000000"/>
+                          </a:solidFill>
+                        </a:rPr>
+                        <a:t>Constraint</a:t>
+                      </a:r>
+                    </a:p>
+                    <a:p>
+                      <a:pPr algn="ctr" latinLnBrk="1"/>
+                      <a:r>
+                        <a:rPr lang="en-US" altLang="ko-KR" b="0" dirty="0">
+                          <a:solidFill>
+                            <a:sysClr val="windowText" lastClr="000000"/>
+                          </a:solidFill>
+                        </a:rPr>
+                        <a:t>1.5m</a:t>
+                      </a:r>
+                      <a:endParaRPr lang="ko-KR" altLang="en-US" b="0" dirty="0">
+                        <a:solidFill>
+                          <a:sysClr val="windowText" lastClr="000000"/>
+                        </a:solidFill>
+                      </a:endParaRPr>
+                    </a:p>
+                  </a:txBody>
+                  <a:tcPr anchor="ctr">
+                    <a:lnL w="12700" cap="flat" cmpd="sng" algn="ctr">
+                      <a:solidFill>
+                        <a:schemeClr val="tx1"/>
+                      </a:solidFill>
+                      <a:prstDash val="solid"/>
+                      <a:round/>
+                      <a:headEnd type="none" w="med" len="med"/>
+                      <a:tailEnd type="none" w="med" len="med"/>
+                    </a:lnL>
+                    <a:lnR w="12700" cap="flat" cmpd="sng" algn="ctr">
+                      <a:solidFill>
+                        <a:schemeClr val="tx1"/>
+                      </a:solidFill>
+                      <a:prstDash val="solid"/>
+                      <a:round/>
+                      <a:headEnd type="none" w="med" len="med"/>
+                      <a:tailEnd type="none" w="med" len="med"/>
+                    </a:lnR>
+                    <a:lnT w="12700" cap="flat" cmpd="sng" algn="ctr">
+                      <a:solidFill>
+                        <a:schemeClr val="tx1"/>
+                      </a:solidFill>
+                      <a:prstDash val="solid"/>
+                      <a:round/>
+                      <a:headEnd type="none" w="med" len="med"/>
+                      <a:tailEnd type="none" w="med" len="med"/>
+                    </a:lnT>
+                    <a:lnB w="12700" cap="flat" cmpd="sng" algn="ctr">
+                      <a:solidFill>
+                        <a:schemeClr val="tx1"/>
+                      </a:solidFill>
+                      <a:prstDash val="solid"/>
+                      <a:round/>
+                      <a:headEnd type="none" w="med" len="med"/>
+                      <a:tailEnd type="none" w="med" len="med"/>
+                    </a:lnB>
+                    <a:solidFill>
+                      <a:schemeClr val="bg1">
+                        <a:lumMod val="85000"/>
+                      </a:schemeClr>
+                    </a:solidFill>
+                  </a:tcPr>
+                </a:tc>
+                <a:tc>
+                  <a:txBody>
+                    <a:bodyPr/>
+                    <a:lstStyle/>
+                    <a:p>
+                      <a:pPr algn="ctr" latinLnBrk="1"/>
+                      <a:r>
+                        <a:rPr lang="en-US" altLang="ko-KR" b="0" dirty="0">
+                          <a:solidFill>
+                            <a:sysClr val="windowText" lastClr="000000"/>
+                          </a:solidFill>
+                        </a:rPr>
+                        <a:t>Constraint</a:t>
+                      </a:r>
+                    </a:p>
+                    <a:p>
+                      <a:pPr algn="ctr" latinLnBrk="1"/>
+                      <a:r>
+                        <a:rPr lang="en-US" altLang="ko-KR" b="0" dirty="0">
+                          <a:solidFill>
+                            <a:sysClr val="windowText" lastClr="000000"/>
+                          </a:solidFill>
+                        </a:rPr>
+                        <a:t>2m</a:t>
+                      </a:r>
+                      <a:endParaRPr lang="ko-KR" altLang="en-US" b="0" dirty="0">
+                        <a:solidFill>
+                          <a:sysClr val="windowText" lastClr="000000"/>
+                        </a:solidFill>
+                      </a:endParaRPr>
+                    </a:p>
+                  </a:txBody>
+                  <a:tcPr anchor="ctr">
+                    <a:lnL w="12700" cap="flat" cmpd="sng" algn="ctr">
+                      <a:solidFill>
+                        <a:schemeClr val="tx1"/>
+                      </a:solidFill>
+                      <a:prstDash val="solid"/>
+                      <a:round/>
+                      <a:headEnd type="none" w="med" len="med"/>
+                      <a:tailEnd type="none" w="med" len="med"/>
+                    </a:lnL>
+                    <a:lnR w="12700" cap="flat" cmpd="sng" algn="ctr">
+                      <a:solidFill>
+                        <a:schemeClr val="tx1"/>
+                      </a:solidFill>
+                      <a:prstDash val="solid"/>
+                      <a:round/>
+                      <a:headEnd type="none" w="med" len="med"/>
+                      <a:tailEnd type="none" w="med" len="med"/>
+                    </a:lnR>
+                    <a:lnT w="12700" cap="flat" cmpd="sng" algn="ctr">
+                      <a:solidFill>
+                        <a:schemeClr val="tx1"/>
+                      </a:solidFill>
+                      <a:prstDash val="solid"/>
+                      <a:round/>
+                      <a:headEnd type="none" w="med" len="med"/>
+                      <a:tailEnd type="none" w="med" len="med"/>
+                    </a:lnT>
+                    <a:lnB w="12700" cap="flat" cmpd="sng" algn="ctr">
+                      <a:solidFill>
+                        <a:schemeClr val="tx1"/>
+                      </a:solidFill>
+                      <a:prstDash val="solid"/>
+                      <a:round/>
+                      <a:headEnd type="none" w="med" len="med"/>
+                      <a:tailEnd type="none" w="med" len="med"/>
+                    </a:lnB>
+                    <a:solidFill>
+                      <a:schemeClr val="bg1">
+                        <a:lumMod val="85000"/>
+                      </a:schemeClr>
+                    </a:solidFill>
+                  </a:tcPr>
+                </a:tc>
+                <a:extLst>
+                  <a:ext uri="{0D108BD9-81ED-4DB2-BD59-A6C34878D82A}">
+                    <a16:rowId xmlns:a16="http://schemas.microsoft.com/office/drawing/2014/main" val="2872098061"/>
+                  </a:ext>
+                </a:extLst>
+              </a:tr>
+              <a:tr h="718562">
+                <a:tc>
+                  <a:txBody>
+                    <a:bodyPr/>
+                    <a:lstStyle/>
+                    <a:p>
+                      <a:pPr algn="ctr" latinLnBrk="1"/>
+                      <a:r>
+                        <a:rPr lang="en-US" altLang="ko-KR" dirty="0">
+                          <a:solidFill>
+                            <a:sysClr val="windowText" lastClr="000000"/>
+                          </a:solidFill>
+                        </a:rPr>
+                        <a:t>Gap 1m</a:t>
+                      </a:r>
+                      <a:endParaRPr lang="ko-KR" altLang="en-US" dirty="0">
+                        <a:solidFill>
+                          <a:sysClr val="windowText" lastClr="000000"/>
+                        </a:solidFill>
+                      </a:endParaRPr>
+                    </a:p>
+                  </a:txBody>
+                  <a:tcPr anchor="ctr">
+                    <a:lnL w="12700" cap="flat" cmpd="sng" algn="ctr">
+                      <a:solidFill>
+                        <a:schemeClr val="tx1"/>
+                      </a:solidFill>
+                      <a:prstDash val="solid"/>
+                      <a:round/>
+                      <a:headEnd type="none" w="med" len="med"/>
+                      <a:tailEnd type="none" w="med" len="med"/>
+                    </a:lnL>
+                    <a:lnR w="12700" cap="flat" cmpd="sng" algn="ctr">
+                      <a:solidFill>
+                        <a:schemeClr val="tx1"/>
+                      </a:solidFill>
+                      <a:prstDash val="solid"/>
+                      <a:round/>
+                      <a:headEnd type="none" w="med" len="med"/>
+                      <a:tailEnd type="none" w="med" len="med"/>
+                    </a:lnR>
+                    <a:lnT w="12700" cap="flat" cmpd="sng" algn="ctr">
+                      <a:solidFill>
+                        <a:schemeClr val="tx1"/>
+                      </a:solidFill>
+                      <a:prstDash val="solid"/>
+                      <a:round/>
+                      <a:headEnd type="none" w="med" len="med"/>
+                      <a:tailEnd type="none" w="med" len="med"/>
+                    </a:lnT>
+                    <a:lnB w="12700" cap="flat" cmpd="sng" algn="ctr">
+                      <a:solidFill>
+                        <a:schemeClr val="tx1"/>
+                      </a:solidFill>
+                      <a:prstDash val="solid"/>
+                      <a:round/>
+                      <a:headEnd type="none" w="med" len="med"/>
+                      <a:tailEnd type="none" w="med" len="med"/>
+                    </a:lnB>
+                    <a:solidFill>
+                      <a:schemeClr val="bg1">
+                        <a:lumMod val="85000"/>
+                      </a:schemeClr>
+                    </a:solidFill>
+                  </a:tcPr>
+                </a:tc>
+                <a:tc>
+                  <a:txBody>
+                    <a:bodyPr/>
+                    <a:lstStyle/>
+                    <a:p>
+                      <a:pPr algn="ctr" latinLnBrk="1"/>
+                      <a:r>
+                        <a:rPr lang="en-US" altLang="ko-KR" dirty="0">
+                          <a:solidFill>
+                            <a:sysClr val="windowText" lastClr="000000"/>
+                          </a:solidFill>
+                        </a:rPr>
+                        <a:t>G1C1</a:t>
+                      </a:r>
+                      <a:endParaRPr lang="ko-KR" altLang="en-US" dirty="0">
+                        <a:solidFill>
+                          <a:sysClr val="windowText" lastClr="000000"/>
+                        </a:solidFill>
+                      </a:endParaRPr>
+                    </a:p>
+                  </a:txBody>
+                  <a:tcPr anchor="ctr">
+                    <a:lnL w="12700" cap="flat" cmpd="sng" algn="ctr">
+                      <a:solidFill>
+                        <a:schemeClr val="tx1"/>
+                      </a:solidFill>
+                      <a:prstDash val="solid"/>
+                      <a:round/>
+                      <a:headEnd type="none" w="med" len="med"/>
+                      <a:tailEnd type="none" w="med" len="med"/>
+                    </a:lnL>
+                    <a:lnR w="12700" cap="flat" cmpd="sng" algn="ctr">
+                      <a:solidFill>
+                        <a:schemeClr val="tx1"/>
+                      </a:solidFill>
+                      <a:prstDash val="solid"/>
+                      <a:round/>
+                      <a:headEnd type="none" w="med" len="med"/>
+                      <a:tailEnd type="none" w="med" len="med"/>
+                    </a:lnR>
+                    <a:lnT w="12700" cap="flat" cmpd="sng" algn="ctr">
+                      <a:solidFill>
+                        <a:schemeClr val="tx1"/>
+                      </a:solidFill>
+                      <a:prstDash val="solid"/>
+                      <a:round/>
+                      <a:headEnd type="none" w="med" len="med"/>
+                      <a:tailEnd type="none" w="med" len="med"/>
+                    </a:lnT>
+                    <a:lnB w="12700" cap="flat" cmpd="sng" algn="ctr">
+                      <a:solidFill>
+                        <a:schemeClr val="tx1"/>
+                      </a:solidFill>
+                      <a:prstDash val="solid"/>
+                      <a:round/>
+                      <a:headEnd type="none" w="med" len="med"/>
+                      <a:tailEnd type="none" w="med" len="med"/>
+                    </a:lnB>
+                    <a:noFill/>
+                  </a:tcPr>
+                </a:tc>
+                <a:tc>
+                  <a:txBody>
+                    <a:bodyPr/>
+                    <a:lstStyle/>
+                    <a:p>
+                      <a:pPr marL="0" marR="0" lvl="0" indent="0" algn="ctr" defTabSz="914400" rtl="0" eaLnBrk="1" fontAlgn="auto" latinLnBrk="1" hangingPunct="1">
+                        <a:lnSpc>
+                          <a:spcPct val="100000"/>
+                        </a:lnSpc>
+                        <a:spcBef>
+                          <a:spcPts val="0"/>
+                        </a:spcBef>
+                        <a:spcAft>
+                          <a:spcPts val="0"/>
+                        </a:spcAft>
+                        <a:buClrTx/>
+                        <a:buSzTx/>
+                        <a:buFontTx/>
+                        <a:buNone/>
+                        <a:tabLst/>
+                        <a:defRPr/>
+                      </a:pPr>
+                      <a:r>
+                        <a:rPr lang="en-US" altLang="ko-KR" dirty="0">
+                          <a:solidFill>
+                            <a:sysClr val="windowText" lastClr="000000"/>
+                          </a:solidFill>
+                        </a:rPr>
+                        <a:t>G1C1.5</a:t>
+                      </a:r>
+                      <a:endParaRPr lang="ko-KR" altLang="en-US" dirty="0">
+                        <a:solidFill>
+                          <a:sysClr val="windowText" lastClr="000000"/>
+                        </a:solidFill>
+                      </a:endParaRPr>
+                    </a:p>
+                  </a:txBody>
+                  <a:tcPr anchor="ctr">
+                    <a:lnL w="12700" cap="flat" cmpd="sng" algn="ctr">
+                      <a:solidFill>
+                        <a:schemeClr val="tx1"/>
+                      </a:solidFill>
+                      <a:prstDash val="solid"/>
+                      <a:round/>
+                      <a:headEnd type="none" w="med" len="med"/>
+                      <a:tailEnd type="none" w="med" len="med"/>
+                    </a:lnL>
+                    <a:lnR w="12700" cap="flat" cmpd="sng" algn="ctr">
+                      <a:solidFill>
+                        <a:schemeClr val="tx1"/>
+                      </a:solidFill>
+                      <a:prstDash val="solid"/>
+                      <a:round/>
+                      <a:headEnd type="none" w="med" len="med"/>
+                      <a:tailEnd type="none" w="med" len="med"/>
+                    </a:lnR>
+                    <a:lnT w="12700" cap="flat" cmpd="sng" algn="ctr">
+                      <a:solidFill>
+                        <a:schemeClr val="tx1"/>
+                      </a:solidFill>
+                      <a:prstDash val="solid"/>
+                      <a:round/>
+                      <a:headEnd type="none" w="med" len="med"/>
+                      <a:tailEnd type="none" w="med" len="med"/>
+                    </a:lnT>
+                    <a:lnB w="12700" cap="flat" cmpd="sng" algn="ctr">
+                      <a:solidFill>
+                        <a:schemeClr val="tx1"/>
+                      </a:solidFill>
+                      <a:prstDash val="solid"/>
+                      <a:round/>
+                      <a:headEnd type="none" w="med" len="med"/>
+                      <a:tailEnd type="none" w="med" len="med"/>
+                    </a:lnB>
+                    <a:noFill/>
+                  </a:tcPr>
+                </a:tc>
+                <a:tc>
+                  <a:txBody>
+                    <a:bodyPr/>
+                    <a:lstStyle/>
+                    <a:p>
+                      <a:pPr algn="ctr" latinLnBrk="1"/>
+                      <a:r>
+                        <a:rPr lang="en-US" altLang="ko-KR" dirty="0">
+                          <a:solidFill>
+                            <a:sysClr val="windowText" lastClr="000000"/>
+                          </a:solidFill>
+                        </a:rPr>
+                        <a:t>G1C2</a:t>
+                      </a:r>
+                      <a:endParaRPr lang="ko-KR" altLang="en-US" dirty="0">
+                        <a:solidFill>
+                          <a:sysClr val="windowText" lastClr="000000"/>
+                        </a:solidFill>
+                      </a:endParaRPr>
+                    </a:p>
+                  </a:txBody>
+                  <a:tcPr anchor="ctr">
+                    <a:lnL w="12700" cap="flat" cmpd="sng" algn="ctr">
+                      <a:solidFill>
+                        <a:schemeClr val="tx1"/>
+                      </a:solidFill>
+                      <a:prstDash val="solid"/>
+                      <a:round/>
+                      <a:headEnd type="none" w="med" len="med"/>
+                      <a:tailEnd type="none" w="med" len="med"/>
+                    </a:lnL>
+                    <a:lnR w="12700" cap="flat" cmpd="sng" algn="ctr">
+                      <a:solidFill>
+                        <a:schemeClr val="tx1"/>
+                      </a:solidFill>
+                      <a:prstDash val="solid"/>
+                      <a:round/>
+                      <a:headEnd type="none" w="med" len="med"/>
+                      <a:tailEnd type="none" w="med" len="med"/>
+                    </a:lnR>
+                    <a:lnT w="12700" cap="flat" cmpd="sng" algn="ctr">
+                      <a:solidFill>
+                        <a:schemeClr val="tx1"/>
+                      </a:solidFill>
+                      <a:prstDash val="solid"/>
+                      <a:round/>
+                      <a:headEnd type="none" w="med" len="med"/>
+                      <a:tailEnd type="none" w="med" len="med"/>
+                    </a:lnT>
+                    <a:lnB w="12700" cap="flat" cmpd="sng" algn="ctr">
+                      <a:solidFill>
+                        <a:schemeClr val="tx1"/>
+                      </a:solidFill>
+                      <a:prstDash val="solid"/>
+                      <a:round/>
+                      <a:headEnd type="none" w="med" len="med"/>
+                      <a:tailEnd type="none" w="med" len="med"/>
+                    </a:lnB>
+                    <a:noFill/>
+                  </a:tcPr>
+                </a:tc>
+                <a:extLst>
+                  <a:ext uri="{0D108BD9-81ED-4DB2-BD59-A6C34878D82A}">
+                    <a16:rowId xmlns:a16="http://schemas.microsoft.com/office/drawing/2014/main" val="1719680393"/>
+                  </a:ext>
+                </a:extLst>
+              </a:tr>
+              <a:tr h="718562">
+                <a:tc>
+                  <a:txBody>
+                    <a:bodyPr/>
+                    <a:lstStyle/>
+                    <a:p>
+                      <a:pPr marL="0" marR="0" lvl="0" indent="0" algn="ctr" defTabSz="914400" rtl="0" eaLnBrk="1" fontAlgn="auto" latinLnBrk="1" hangingPunct="1">
+                        <a:lnSpc>
+                          <a:spcPct val="100000"/>
+                        </a:lnSpc>
+                        <a:spcBef>
+                          <a:spcPts val="0"/>
+                        </a:spcBef>
+                        <a:spcAft>
+                          <a:spcPts val="0"/>
+                        </a:spcAft>
+                        <a:buClrTx/>
+                        <a:buSzTx/>
+                        <a:buFontTx/>
+                        <a:buNone/>
+                        <a:tabLst/>
+                        <a:defRPr/>
+                      </a:pPr>
+                      <a:r>
+                        <a:rPr lang="en-US" altLang="ko-KR" dirty="0">
+                          <a:solidFill>
+                            <a:sysClr val="windowText" lastClr="000000"/>
+                          </a:solidFill>
+                        </a:rPr>
+                        <a:t>Gap 1.5m</a:t>
+                      </a:r>
+                      <a:endParaRPr lang="ko-KR" altLang="en-US" dirty="0">
+                        <a:solidFill>
+                          <a:sysClr val="windowText" lastClr="000000"/>
+                        </a:solidFill>
+                      </a:endParaRPr>
+                    </a:p>
+                  </a:txBody>
+                  <a:tcPr anchor="ctr">
+                    <a:lnL w="12700" cap="flat" cmpd="sng" algn="ctr">
+                      <a:solidFill>
+                        <a:schemeClr val="tx1"/>
+                      </a:solidFill>
+                      <a:prstDash val="solid"/>
+                      <a:round/>
+                      <a:headEnd type="none" w="med" len="med"/>
+                      <a:tailEnd type="none" w="med" len="med"/>
+                    </a:lnL>
+                    <a:lnR w="12700" cap="flat" cmpd="sng" algn="ctr">
+                      <a:solidFill>
+                        <a:schemeClr val="tx1"/>
+                      </a:solidFill>
+                      <a:prstDash val="solid"/>
+                      <a:round/>
+                      <a:headEnd type="none" w="med" len="med"/>
+                      <a:tailEnd type="none" w="med" len="med"/>
+                    </a:lnR>
+                    <a:lnT w="12700" cap="flat" cmpd="sng" algn="ctr">
+                      <a:solidFill>
+                        <a:schemeClr val="tx1"/>
+                      </a:solidFill>
+                      <a:prstDash val="solid"/>
+                      <a:round/>
+                      <a:headEnd type="none" w="med" len="med"/>
+                      <a:tailEnd type="none" w="med" len="med"/>
+                    </a:lnT>
+                    <a:lnB w="12700" cap="flat" cmpd="sng" algn="ctr">
+                      <a:solidFill>
+                        <a:schemeClr val="tx1"/>
+                      </a:solidFill>
+                      <a:prstDash val="solid"/>
+                      <a:round/>
+                      <a:headEnd type="none" w="med" len="med"/>
+                      <a:tailEnd type="none" w="med" len="med"/>
+                    </a:lnB>
+                    <a:solidFill>
+                      <a:schemeClr val="bg1">
+                        <a:lumMod val="85000"/>
+                      </a:schemeClr>
+                    </a:solidFill>
+                  </a:tcPr>
+                </a:tc>
+                <a:tc>
+                  <a:txBody>
+                    <a:bodyPr/>
+                    <a:lstStyle/>
+                    <a:p>
+                      <a:pPr marL="0" marR="0" lvl="0" indent="0" algn="ctr" defTabSz="914400" rtl="0" eaLnBrk="1" fontAlgn="auto" latinLnBrk="1" hangingPunct="1">
+                        <a:lnSpc>
+                          <a:spcPct val="100000"/>
+                        </a:lnSpc>
+                        <a:spcBef>
+                          <a:spcPts val="0"/>
+                        </a:spcBef>
+                        <a:spcAft>
+                          <a:spcPts val="0"/>
+                        </a:spcAft>
+                        <a:buClrTx/>
+                        <a:buSzTx/>
+                        <a:buFontTx/>
+                        <a:buNone/>
+                        <a:tabLst/>
+                        <a:defRPr/>
+                      </a:pPr>
+                      <a:r>
+                        <a:rPr lang="en-US" altLang="ko-KR" dirty="0">
+                          <a:solidFill>
+                            <a:sysClr val="windowText" lastClr="000000"/>
+                          </a:solidFill>
+                        </a:rPr>
+                        <a:t>G1.5C1</a:t>
+                      </a:r>
+                      <a:endParaRPr lang="ko-KR" altLang="en-US" dirty="0">
+                        <a:solidFill>
+                          <a:sysClr val="windowText" lastClr="000000"/>
+                        </a:solidFill>
+                      </a:endParaRPr>
+                    </a:p>
+                  </a:txBody>
+                  <a:tcPr anchor="ctr">
+                    <a:lnL w="12700" cap="flat" cmpd="sng" algn="ctr">
+                      <a:solidFill>
+                        <a:schemeClr val="tx1"/>
+                      </a:solidFill>
+                      <a:prstDash val="solid"/>
+                      <a:round/>
+                      <a:headEnd type="none" w="med" len="med"/>
+                      <a:tailEnd type="none" w="med" len="med"/>
+                    </a:lnL>
+                    <a:lnR w="12700" cap="flat" cmpd="sng" algn="ctr">
+                      <a:solidFill>
+                        <a:schemeClr val="tx1"/>
+                      </a:solidFill>
+                      <a:prstDash val="solid"/>
+                      <a:round/>
+                      <a:headEnd type="none" w="med" len="med"/>
+                      <a:tailEnd type="none" w="med" len="med"/>
+                    </a:lnR>
+                    <a:lnT w="12700" cap="flat" cmpd="sng" algn="ctr">
+                      <a:solidFill>
+                        <a:schemeClr val="tx1"/>
+                      </a:solidFill>
+                      <a:prstDash val="solid"/>
+                      <a:round/>
+                      <a:headEnd type="none" w="med" len="med"/>
+                      <a:tailEnd type="none" w="med" len="med"/>
+                    </a:lnT>
+                    <a:lnB w="12700" cap="flat" cmpd="sng" algn="ctr">
+                      <a:solidFill>
+                        <a:schemeClr val="tx1"/>
+                      </a:solidFill>
+                      <a:prstDash val="solid"/>
+                      <a:round/>
+                      <a:headEnd type="none" w="med" len="med"/>
+                      <a:tailEnd type="none" w="med" len="med"/>
+                    </a:lnB>
+                    <a:noFill/>
+                  </a:tcPr>
+                </a:tc>
+                <a:tc>
+                  <a:txBody>
+                    <a:bodyPr/>
+                    <a:lstStyle/>
+                    <a:p>
+                      <a:pPr marL="0" marR="0" lvl="0" indent="0" algn="ctr" defTabSz="914400" rtl="0" eaLnBrk="1" fontAlgn="auto" latinLnBrk="1" hangingPunct="1">
+                        <a:lnSpc>
+                          <a:spcPct val="100000"/>
+                        </a:lnSpc>
+                        <a:spcBef>
+                          <a:spcPts val="0"/>
+                        </a:spcBef>
+                        <a:spcAft>
+                          <a:spcPts val="0"/>
+                        </a:spcAft>
+                        <a:buClrTx/>
+                        <a:buSzTx/>
+                        <a:buFontTx/>
+                        <a:buNone/>
+                        <a:tabLst/>
+                        <a:defRPr/>
+                      </a:pPr>
+                      <a:r>
+                        <a:rPr lang="en-US" altLang="ko-KR" dirty="0">
+                          <a:solidFill>
+                            <a:sysClr val="windowText" lastClr="000000"/>
+                          </a:solidFill>
+                        </a:rPr>
+                        <a:t>G1.5C1.5</a:t>
+                      </a:r>
+                      <a:endParaRPr lang="ko-KR" altLang="en-US" dirty="0">
+                        <a:solidFill>
+                          <a:sysClr val="windowText" lastClr="000000"/>
+                        </a:solidFill>
+                      </a:endParaRPr>
+                    </a:p>
+                  </a:txBody>
+                  <a:tcPr anchor="ctr">
+                    <a:lnL w="12700" cap="flat" cmpd="sng" algn="ctr">
+                      <a:solidFill>
+                        <a:schemeClr val="tx1"/>
+                      </a:solidFill>
+                      <a:prstDash val="solid"/>
+                      <a:round/>
+                      <a:headEnd type="none" w="med" len="med"/>
+                      <a:tailEnd type="none" w="med" len="med"/>
+                    </a:lnL>
+                    <a:lnR w="12700" cap="flat" cmpd="sng" algn="ctr">
+                      <a:solidFill>
+                        <a:schemeClr val="tx1"/>
+                      </a:solidFill>
+                      <a:prstDash val="solid"/>
+                      <a:round/>
+                      <a:headEnd type="none" w="med" len="med"/>
+                      <a:tailEnd type="none" w="med" len="med"/>
+                    </a:lnR>
+                    <a:lnT w="12700" cap="flat" cmpd="sng" algn="ctr">
+                      <a:solidFill>
+                        <a:schemeClr val="tx1"/>
+                      </a:solidFill>
+                      <a:prstDash val="solid"/>
+                      <a:round/>
+                      <a:headEnd type="none" w="med" len="med"/>
+                      <a:tailEnd type="none" w="med" len="med"/>
+                    </a:lnT>
+                    <a:lnB w="12700" cap="flat" cmpd="sng" algn="ctr">
+                      <a:solidFill>
+                        <a:schemeClr val="tx1"/>
+                      </a:solidFill>
+                      <a:prstDash val="solid"/>
+                      <a:round/>
+                      <a:headEnd type="none" w="med" len="med"/>
+                      <a:tailEnd type="none" w="med" len="med"/>
+                    </a:lnB>
+                    <a:noFill/>
+                  </a:tcPr>
+                </a:tc>
+                <a:tc>
+                  <a:txBody>
+                    <a:bodyPr/>
+                    <a:lstStyle/>
+                    <a:p>
+                      <a:pPr algn="ctr" latinLnBrk="1"/>
+                      <a:r>
+                        <a:rPr lang="en-US" altLang="ko-KR" dirty="0">
+                          <a:solidFill>
+                            <a:sysClr val="windowText" lastClr="000000"/>
+                          </a:solidFill>
+                        </a:rPr>
+                        <a:t>G1.5C2</a:t>
+                      </a:r>
+                      <a:endParaRPr lang="ko-KR" altLang="en-US" dirty="0">
+                        <a:solidFill>
+                          <a:sysClr val="windowText" lastClr="000000"/>
+                        </a:solidFill>
+                      </a:endParaRPr>
+                    </a:p>
+                  </a:txBody>
+                  <a:tcPr anchor="ctr">
+                    <a:lnL w="12700" cap="flat" cmpd="sng" algn="ctr">
+                      <a:solidFill>
+                        <a:schemeClr val="tx1"/>
+                      </a:solidFill>
+                      <a:prstDash val="solid"/>
+                      <a:round/>
+                      <a:headEnd type="none" w="med" len="med"/>
+                      <a:tailEnd type="none" w="med" len="med"/>
+                    </a:lnL>
+                    <a:lnR w="12700" cap="flat" cmpd="sng" algn="ctr">
+                      <a:solidFill>
+                        <a:schemeClr val="tx1"/>
+                      </a:solidFill>
+                      <a:prstDash val="solid"/>
+                      <a:round/>
+                      <a:headEnd type="none" w="med" len="med"/>
+                      <a:tailEnd type="none" w="med" len="med"/>
+                    </a:lnR>
+                    <a:lnT w="12700" cap="flat" cmpd="sng" algn="ctr">
+                      <a:solidFill>
+                        <a:schemeClr val="tx1"/>
+                      </a:solidFill>
+                      <a:prstDash val="solid"/>
+                      <a:round/>
+                      <a:headEnd type="none" w="med" len="med"/>
+                      <a:tailEnd type="none" w="med" len="med"/>
+                    </a:lnT>
+                    <a:lnB w="12700" cap="flat" cmpd="sng" algn="ctr">
+                      <a:solidFill>
+                        <a:schemeClr val="tx1"/>
+                      </a:solidFill>
+                      <a:prstDash val="solid"/>
+                      <a:round/>
+                      <a:headEnd type="none" w="med" len="med"/>
+                      <a:tailEnd type="none" w="med" len="med"/>
+                    </a:lnB>
+                    <a:noFill/>
+                  </a:tcPr>
+                </a:tc>
+                <a:extLst>
+                  <a:ext uri="{0D108BD9-81ED-4DB2-BD59-A6C34878D82A}">
+                    <a16:rowId xmlns:a16="http://schemas.microsoft.com/office/drawing/2014/main" val="2763274257"/>
+                  </a:ext>
+                </a:extLst>
+              </a:tr>
+              <a:tr h="718562">
+                <a:tc>
+                  <a:txBody>
+                    <a:bodyPr/>
+                    <a:lstStyle/>
+                    <a:p>
+                      <a:pPr marL="0" marR="0" lvl="0" indent="0" algn="ctr" defTabSz="914400" rtl="0" eaLnBrk="1" fontAlgn="auto" latinLnBrk="1" hangingPunct="1">
+                        <a:lnSpc>
+                          <a:spcPct val="100000"/>
+                        </a:lnSpc>
+                        <a:spcBef>
+                          <a:spcPts val="0"/>
+                        </a:spcBef>
+                        <a:spcAft>
+                          <a:spcPts val="0"/>
+                        </a:spcAft>
+                        <a:buClrTx/>
+                        <a:buSzTx/>
+                        <a:buFontTx/>
+                        <a:buNone/>
+                        <a:tabLst/>
+                        <a:defRPr/>
+                      </a:pPr>
+                      <a:r>
+                        <a:rPr lang="en-US" altLang="ko-KR" dirty="0">
+                          <a:solidFill>
+                            <a:sysClr val="windowText" lastClr="000000"/>
+                          </a:solidFill>
+                        </a:rPr>
+                        <a:t>Gap 2m</a:t>
+                      </a:r>
+                      <a:endParaRPr lang="ko-KR" altLang="en-US" dirty="0">
+                        <a:solidFill>
+                          <a:sysClr val="windowText" lastClr="000000"/>
+                        </a:solidFill>
+                      </a:endParaRPr>
+                    </a:p>
+                  </a:txBody>
+                  <a:tcPr anchor="ctr">
+                    <a:lnL w="12700" cap="flat" cmpd="sng" algn="ctr">
+                      <a:solidFill>
+                        <a:schemeClr val="tx1"/>
+                      </a:solidFill>
+                      <a:prstDash val="solid"/>
+                      <a:round/>
+                      <a:headEnd type="none" w="med" len="med"/>
+                      <a:tailEnd type="none" w="med" len="med"/>
+                    </a:lnL>
+                    <a:lnR w="12700" cap="flat" cmpd="sng" algn="ctr">
+                      <a:solidFill>
+                        <a:schemeClr val="tx1"/>
+                      </a:solidFill>
+                      <a:prstDash val="solid"/>
+                      <a:round/>
+                      <a:headEnd type="none" w="med" len="med"/>
+                      <a:tailEnd type="none" w="med" len="med"/>
+                    </a:lnR>
+                    <a:lnT w="12700" cap="flat" cmpd="sng" algn="ctr">
+                      <a:solidFill>
+                        <a:schemeClr val="tx1"/>
+                      </a:solidFill>
+                      <a:prstDash val="solid"/>
+                      <a:round/>
+                      <a:headEnd type="none" w="med" len="med"/>
+                      <a:tailEnd type="none" w="med" len="med"/>
+                    </a:lnT>
+                    <a:lnB w="12700" cap="flat" cmpd="sng" algn="ctr">
+                      <a:solidFill>
+                        <a:schemeClr val="tx1"/>
+                      </a:solidFill>
+                      <a:prstDash val="solid"/>
+                      <a:round/>
+                      <a:headEnd type="none" w="med" len="med"/>
+                      <a:tailEnd type="none" w="med" len="med"/>
+                    </a:lnB>
+                    <a:solidFill>
+                      <a:schemeClr val="bg1">
+                        <a:lumMod val="85000"/>
+                      </a:schemeClr>
+                    </a:solidFill>
+                  </a:tcPr>
+                </a:tc>
+                <a:tc>
+                  <a:txBody>
+                    <a:bodyPr/>
+                    <a:lstStyle/>
+                    <a:p>
+                      <a:pPr algn="ctr" latinLnBrk="1"/>
+                      <a:r>
+                        <a:rPr lang="en-US" altLang="ko-KR" dirty="0">
+                          <a:solidFill>
+                            <a:sysClr val="windowText" lastClr="000000"/>
+                          </a:solidFill>
+                        </a:rPr>
+                        <a:t>G2C1</a:t>
+                      </a:r>
+                      <a:endParaRPr lang="ko-KR" altLang="en-US" dirty="0">
+                        <a:solidFill>
+                          <a:sysClr val="windowText" lastClr="000000"/>
+                        </a:solidFill>
+                      </a:endParaRPr>
+                    </a:p>
+                  </a:txBody>
+                  <a:tcPr anchor="ctr">
+                    <a:lnL w="12700" cap="flat" cmpd="sng" algn="ctr">
+                      <a:solidFill>
+                        <a:schemeClr val="tx1"/>
+                      </a:solidFill>
+                      <a:prstDash val="solid"/>
+                      <a:round/>
+                      <a:headEnd type="none" w="med" len="med"/>
+                      <a:tailEnd type="none" w="med" len="med"/>
+                    </a:lnL>
+                    <a:lnR w="12700" cap="flat" cmpd="sng" algn="ctr">
+                      <a:solidFill>
+                        <a:schemeClr val="tx1"/>
+                      </a:solidFill>
+                      <a:prstDash val="solid"/>
+                      <a:round/>
+                      <a:headEnd type="none" w="med" len="med"/>
+                      <a:tailEnd type="none" w="med" len="med"/>
+                    </a:lnR>
+                    <a:lnT w="12700" cap="flat" cmpd="sng" algn="ctr">
+                      <a:solidFill>
+                        <a:schemeClr val="tx1"/>
+                      </a:solidFill>
+                      <a:prstDash val="solid"/>
+                      <a:round/>
+                      <a:headEnd type="none" w="med" len="med"/>
+                      <a:tailEnd type="none" w="med" len="med"/>
+                    </a:lnT>
+                    <a:lnB w="12700" cap="flat" cmpd="sng" algn="ctr">
+                      <a:solidFill>
+                        <a:schemeClr val="tx1"/>
+                      </a:solidFill>
+                      <a:prstDash val="solid"/>
+                      <a:round/>
+                      <a:headEnd type="none" w="med" len="med"/>
+                      <a:tailEnd type="none" w="med" len="med"/>
+                    </a:lnB>
+                    <a:noFill/>
+                  </a:tcPr>
+                </a:tc>
+                <a:tc>
+                  <a:txBody>
+                    <a:bodyPr/>
+                    <a:lstStyle/>
+                    <a:p>
+                      <a:pPr algn="ctr" latinLnBrk="1"/>
+                      <a:r>
+                        <a:rPr lang="en-US" altLang="ko-KR" dirty="0">
+                          <a:solidFill>
+                            <a:sysClr val="windowText" lastClr="000000"/>
+                          </a:solidFill>
+                        </a:rPr>
+                        <a:t>G2C1.5</a:t>
+                      </a:r>
+                      <a:endParaRPr lang="ko-KR" altLang="en-US" dirty="0">
+                        <a:solidFill>
+                          <a:sysClr val="windowText" lastClr="000000"/>
+                        </a:solidFill>
+                      </a:endParaRPr>
+                    </a:p>
+                  </a:txBody>
+                  <a:tcPr anchor="ctr">
+                    <a:lnL w="12700" cap="flat" cmpd="sng" algn="ctr">
+                      <a:solidFill>
+                        <a:schemeClr val="tx1"/>
+                      </a:solidFill>
+                      <a:prstDash val="solid"/>
+                      <a:round/>
+                      <a:headEnd type="none" w="med" len="med"/>
+                      <a:tailEnd type="none" w="med" len="med"/>
+                    </a:lnL>
+                    <a:lnR w="12700" cap="flat" cmpd="sng" algn="ctr">
+                      <a:solidFill>
+                        <a:schemeClr val="tx1"/>
+                      </a:solidFill>
+                      <a:prstDash val="solid"/>
+                      <a:round/>
+                      <a:headEnd type="none" w="med" len="med"/>
+                      <a:tailEnd type="none" w="med" len="med"/>
+                    </a:lnR>
+                    <a:lnT w="12700" cap="flat" cmpd="sng" algn="ctr">
+                      <a:solidFill>
+                        <a:schemeClr val="tx1"/>
+                      </a:solidFill>
+                      <a:prstDash val="solid"/>
+                      <a:round/>
+                      <a:headEnd type="none" w="med" len="med"/>
+                      <a:tailEnd type="none" w="med" len="med"/>
+                    </a:lnT>
+                    <a:lnB w="12700" cap="flat" cmpd="sng" algn="ctr">
+                      <a:solidFill>
+                        <a:schemeClr val="tx1"/>
+                      </a:solidFill>
+                      <a:prstDash val="solid"/>
+                      <a:round/>
+                      <a:headEnd type="none" w="med" len="med"/>
+                      <a:tailEnd type="none" w="med" len="med"/>
+                    </a:lnB>
+                    <a:noFill/>
+                  </a:tcPr>
+                </a:tc>
+                <a:tc>
+                  <a:txBody>
+                    <a:bodyPr/>
+                    <a:lstStyle/>
+                    <a:p>
+                      <a:pPr algn="ctr" latinLnBrk="1"/>
+                      <a:r>
+                        <a:rPr lang="en-US" altLang="ko-KR" dirty="0">
+                          <a:solidFill>
+                            <a:sysClr val="windowText" lastClr="000000"/>
+                          </a:solidFill>
+                        </a:rPr>
+                        <a:t>G2C2</a:t>
+                      </a:r>
+                      <a:endParaRPr lang="ko-KR" altLang="en-US" dirty="0">
+                        <a:solidFill>
+                          <a:sysClr val="windowText" lastClr="000000"/>
+                        </a:solidFill>
+                      </a:endParaRPr>
+                    </a:p>
+                  </a:txBody>
+                  <a:tcPr anchor="ctr">
+                    <a:lnL w="12700" cap="flat" cmpd="sng" algn="ctr">
+                      <a:solidFill>
+                        <a:schemeClr val="tx1"/>
+                      </a:solidFill>
+                      <a:prstDash val="solid"/>
+                      <a:round/>
+                      <a:headEnd type="none" w="med" len="med"/>
+                      <a:tailEnd type="none" w="med" len="med"/>
+                    </a:lnL>
+                    <a:lnR w="12700" cap="flat" cmpd="sng" algn="ctr">
+                      <a:solidFill>
+                        <a:schemeClr val="tx1"/>
+                      </a:solidFill>
+                      <a:prstDash val="solid"/>
+                      <a:round/>
+                      <a:headEnd type="none" w="med" len="med"/>
+                      <a:tailEnd type="none" w="med" len="med"/>
+                    </a:lnR>
+                    <a:lnT w="12700" cap="flat" cmpd="sng" algn="ctr">
+                      <a:solidFill>
+                        <a:schemeClr val="tx1"/>
+                      </a:solidFill>
+                      <a:prstDash val="solid"/>
+                      <a:round/>
+                      <a:headEnd type="none" w="med" len="med"/>
+                      <a:tailEnd type="none" w="med" len="med"/>
+                    </a:lnT>
+                    <a:lnB w="12700" cap="flat" cmpd="sng" algn="ctr">
+                      <a:solidFill>
+                        <a:schemeClr val="tx1"/>
+                      </a:solidFill>
+                      <a:prstDash val="solid"/>
+                      <a:round/>
+                      <a:headEnd type="none" w="med" len="med"/>
+                      <a:tailEnd type="none" w="med" len="med"/>
+                    </a:lnB>
+                    <a:noFill/>
+                  </a:tcPr>
+                </a:tc>
+                <a:extLst>
+                  <a:ext uri="{0D108BD9-81ED-4DB2-BD59-A6C34878D82A}">
+                    <a16:rowId xmlns:a16="http://schemas.microsoft.com/office/drawing/2014/main" val="722222116"/>
+                  </a:ext>
+                </a:extLst>
+              </a:tr>
+            </a:tbl>
+          </a:graphicData>
+        </a:graphic>
+      </p:graphicFrame>
+      <p:graphicFrame>
+        <p:nvGraphicFramePr>
+          <p:cNvPr id="6" name="표 6">
+            <a:extLst>
+              <a:ext uri="{FF2B5EF4-FFF2-40B4-BE49-F238E27FC236}">
+                <a16:creationId xmlns:a16="http://schemas.microsoft.com/office/drawing/2014/main" id="{33642B1A-1674-CBDB-EE4A-0A4EA5F38769}"/>
+              </a:ext>
+            </a:extLst>
+          </p:cNvPr>
+          <p:cNvGraphicFramePr>
+            <a:graphicFrameLocks noGrp="1"/>
+          </p:cNvGraphicFramePr>
+          <p:nvPr/>
+        </p:nvGraphicFramePr>
+        <p:xfrm>
+          <a:off x="8699382" y="3139076"/>
+          <a:ext cx="2123347" cy="966521"/>
+        </p:xfrm>
+        <a:graphic>
+          <a:graphicData uri="http://schemas.openxmlformats.org/drawingml/2006/table">
+            <a:tbl>
+              <a:tblPr firstRow="1" bandRow="1">
+                <a:tableStyleId>{5C22544A-7EE6-4342-B048-85BDC9FD1C3A}</a:tableStyleId>
+              </a:tblPr>
+              <a:tblGrid>
+                <a:gridCol w="2123347">
+                  <a:extLst>
+                    <a:ext uri="{9D8B030D-6E8A-4147-A177-3AD203B41FA5}">
+                      <a16:colId xmlns:a16="http://schemas.microsoft.com/office/drawing/2014/main" val="899691438"/>
+                    </a:ext>
+                  </a:extLst>
+                </a:gridCol>
+              </a:tblGrid>
+              <a:tr h="966521">
+                <a:tc>
+                  <a:txBody>
+                    <a:bodyPr/>
+                    <a:lstStyle/>
+                    <a:p>
+                      <a:pPr algn="ctr" latinLnBrk="1"/>
+                      <a:r>
+                        <a:rPr lang="en-US" altLang="ko-KR" dirty="0">
+                          <a:solidFill>
+                            <a:schemeClr val="tx1"/>
+                          </a:solidFill>
+                        </a:rPr>
+                        <a:t>Normal</a:t>
+                      </a:r>
+                      <a:endParaRPr lang="ko-KR" altLang="en-US" dirty="0">
+                        <a:solidFill>
+                          <a:schemeClr val="tx1"/>
+                        </a:solidFill>
+                      </a:endParaRPr>
+                    </a:p>
+                  </a:txBody>
+                  <a:tcPr anchor="ctr">
+                    <a:lnL w="12700" cap="flat" cmpd="sng" algn="ctr">
+                      <a:solidFill>
+                        <a:schemeClr val="tx1"/>
+                      </a:solidFill>
+                      <a:prstDash val="solid"/>
+                      <a:round/>
+                      <a:headEnd type="none" w="med" len="med"/>
+                      <a:tailEnd type="none" w="med" len="med"/>
+                    </a:lnL>
+                    <a:lnR w="12700" cap="flat" cmpd="sng" algn="ctr">
+                      <a:solidFill>
+                        <a:schemeClr val="tx1"/>
+                      </a:solidFill>
+                      <a:prstDash val="solid"/>
+                      <a:round/>
+                      <a:headEnd type="none" w="med" len="med"/>
+                      <a:tailEnd type="none" w="med" len="med"/>
+                    </a:lnR>
+                    <a:lnT w="12700" cap="flat" cmpd="sng" algn="ctr">
+                      <a:solidFill>
+                        <a:schemeClr val="tx1"/>
+                      </a:solidFill>
+                      <a:prstDash val="solid"/>
+                      <a:round/>
+                      <a:headEnd type="none" w="med" len="med"/>
+                      <a:tailEnd type="none" w="med" len="med"/>
+                    </a:lnT>
+                    <a:lnB w="12700" cap="flat" cmpd="sng" algn="ctr">
+                      <a:solidFill>
+                        <a:schemeClr val="tx1"/>
+                      </a:solidFill>
+                      <a:prstDash val="solid"/>
+                      <a:round/>
+                      <a:headEnd type="none" w="med" len="med"/>
+                      <a:tailEnd type="none" w="med" len="med"/>
+                    </a:lnB>
+                    <a:lnTlToBr w="12700" cap="flat" cmpd="sng" algn="ctr">
+                      <a:noFill/>
+                      <a:prstDash val="solid"/>
+                      <a:round/>
+                      <a:headEnd type="none" w="med" len="med"/>
+                      <a:tailEnd type="none" w="med" len="med"/>
+                    </a:lnTlToBr>
+                    <a:solidFill>
+                      <a:schemeClr val="bg1"/>
+                    </a:solidFill>
+                  </a:tcPr>
+                </a:tc>
+                <a:extLst>
+                  <a:ext uri="{0D108BD9-81ED-4DB2-BD59-A6C34878D82A}">
+                    <a16:rowId xmlns:a16="http://schemas.microsoft.com/office/drawing/2014/main" val="574773261"/>
+                  </a:ext>
+                </a:extLst>
+              </a:tr>
+            </a:tbl>
+          </a:graphicData>
+        </a:graphic>
+      </p:graphicFrame>
+      <p:sp>
+        <p:nvSpPr>
+          <p:cNvPr id="7" name="TextBox 6">
+            <a:extLst>
+              <a:ext uri="{FF2B5EF4-FFF2-40B4-BE49-F238E27FC236}">
+                <a16:creationId xmlns:a16="http://schemas.microsoft.com/office/drawing/2014/main" id="{3889DDC5-EC31-278D-1C37-1FE6041AC653}"/>
+              </a:ext>
+            </a:extLst>
+          </p:cNvPr>
+          <p:cNvSpPr txBox="1"/>
+          <p:nvPr/>
+        </p:nvSpPr>
+        <p:spPr>
+          <a:xfrm>
+            <a:off x="7908330" y="3437671"/>
+            <a:ext cx="350322" cy="369332"/>
+          </a:xfrm>
+          <a:prstGeom prst="rect">
+            <a:avLst/>
+          </a:prstGeom>
+          <a:noFill/>
+        </p:spPr>
+        <p:txBody>
+          <a:bodyPr wrap="square" rtlCol="0">
+            <a:spAutoFit/>
+          </a:bodyPr>
+          <a:lstStyle/>
+          <a:p>
+            <a:r>
+              <a:rPr lang="en-US" altLang="ko-KR" dirty="0"/>
+              <a:t>+</a:t>
+            </a:r>
+            <a:endParaRPr lang="ko-KR" altLang="en-US" dirty="0"/>
           </a:p>
         </p:txBody>
       </p:sp>
     </p:spTree>
     <p:extLst>
       <p:ext uri="{BB962C8B-B14F-4D97-AF65-F5344CB8AC3E}">
-        <p14:creationId xmlns:p14="http://schemas.microsoft.com/office/powerpoint/2010/main" val="4038894817"/>
+        <p14:creationId xmlns:p14="http://schemas.microsoft.com/office/powerpoint/2010/main" val="259601205"/>
       </p:ext>
     </p:extLst>
   </p:cSld>
@@ -7722,10 +9692,10 @@
       </p:grpSpPr>
       <p:sp>
         <p:nvSpPr>
-          <p:cNvPr id="6" name="슬라이드 번호 개체 틀 5">
+          <p:cNvPr id="3" name="슬라이드 번호 개체 틀 2">
             <a:extLst>
               <a:ext uri="{FF2B5EF4-FFF2-40B4-BE49-F238E27FC236}">
-                <a16:creationId xmlns:a16="http://schemas.microsoft.com/office/drawing/2014/main" id="{DA983849-187B-4D77-AF3C-AA123A3D0975}"/>
+                <a16:creationId xmlns:a16="http://schemas.microsoft.com/office/drawing/2014/main" id="{C19E5CCB-0BA8-4575-A19B-400619DB10A6}"/>
               </a:ext>
             </a:extLst>
           </p:cNvPr>
@@ -7752,10 +9722,56 @@
       </p:sp>
       <p:sp>
         <p:nvSpPr>
-          <p:cNvPr id="8" name="제목 7">
+          <p:cNvPr id="2" name="TextBox 1">
             <a:extLst>
               <a:ext uri="{FF2B5EF4-FFF2-40B4-BE49-F238E27FC236}">
-                <a16:creationId xmlns:a16="http://schemas.microsoft.com/office/drawing/2014/main" id="{1BB58CCB-49B2-4C7F-8F7D-FC7BAD745766}"/>
+                <a16:creationId xmlns:a16="http://schemas.microsoft.com/office/drawing/2014/main" id="{C552E9AC-A471-488E-E7DE-5A464A21E4B8}"/>
+              </a:ext>
+            </a:extLst>
+          </p:cNvPr>
+          <p:cNvSpPr txBox="1"/>
+          <p:nvPr/>
+        </p:nvSpPr>
+        <p:spPr>
+          <a:xfrm>
+            <a:off x="259903" y="1090654"/>
+            <a:ext cx="9150514" cy="707886"/>
+          </a:xfrm>
+          <a:prstGeom prst="rect">
+            <a:avLst/>
+          </a:prstGeom>
+          <a:noFill/>
+        </p:spPr>
+        <p:txBody>
+          <a:bodyPr wrap="square" rtlCol="0">
+            <a:spAutoFit/>
+          </a:bodyPr>
+          <a:lstStyle/>
+          <a:p>
+            <a:pPr marL="457200" indent="-457200">
+              <a:buAutoNum type="arabicPeriod" startAt="2"/>
+            </a:pPr>
+            <a:r>
+              <a:rPr lang="en-US" altLang="ko-KR" sz="2000" b="1" dirty="0"/>
+              <a:t>Slalom </a:t>
+            </a:r>
+            <a:r>
+              <a:rPr lang="ko-KR" altLang="en-US" sz="2000" b="1" dirty="0"/>
+              <a:t>인수인계</a:t>
+            </a:r>
+            <a:endParaRPr lang="en-US" altLang="ko-KR" sz="2000" b="1" dirty="0"/>
+          </a:p>
+          <a:p>
+            <a:endParaRPr lang="en-US" altLang="ko-KR" sz="2000" b="1" dirty="0"/>
+          </a:p>
+        </p:txBody>
+      </p:sp>
+      <p:sp>
+        <p:nvSpPr>
+          <p:cNvPr id="10" name="제목 3">
+            <a:extLst>
+              <a:ext uri="{FF2B5EF4-FFF2-40B4-BE49-F238E27FC236}">
+                <a16:creationId xmlns:a16="http://schemas.microsoft.com/office/drawing/2014/main" id="{041C6B78-C31E-60DB-1132-68B664AFE640}"/>
               </a:ext>
             </a:extLst>
           </p:cNvPr>
@@ -7766,19 +9782,1403 @@
             <p:ph type="title"/>
           </p:nvPr>
         </p:nvSpPr>
-        <p:spPr/>
+        <p:spPr>
+          <a:xfrm>
+            <a:off x="0" y="259719"/>
+            <a:ext cx="12192000" cy="720000"/>
+          </a:xfrm>
+        </p:spPr>
         <p:txBody>
           <a:bodyPr/>
           <a:lstStyle/>
           <a:p>
-            <a:endParaRPr lang="ko-KR" altLang="en-US"/>
+            <a:r>
+              <a:rPr lang="en-US" altLang="ko-KR" dirty="0"/>
+              <a:t>2</a:t>
+            </a:r>
+            <a:r>
+              <a:rPr lang="ko-KR" altLang="en-US" dirty="0"/>
+              <a:t>학기 진행내용</a:t>
+            </a:r>
           </a:p>
         </p:txBody>
       </p:sp>
+      <p:graphicFrame>
+        <p:nvGraphicFramePr>
+          <p:cNvPr id="4" name="표 4">
+            <a:extLst>
+              <a:ext uri="{FF2B5EF4-FFF2-40B4-BE49-F238E27FC236}">
+                <a16:creationId xmlns:a16="http://schemas.microsoft.com/office/drawing/2014/main" id="{06D02214-8655-155B-E1B8-D6AF4674052A}"/>
+              </a:ext>
+            </a:extLst>
+          </p:cNvPr>
+          <p:cNvGraphicFramePr>
+            <a:graphicFrameLocks noGrp="1"/>
+          </p:cNvGraphicFramePr>
+          <p:nvPr>
+            <p:extLst>
+              <p:ext uri="{D42A27DB-BD31-4B8C-83A1-F6EECF244321}">
+                <p14:modId xmlns:p14="http://schemas.microsoft.com/office/powerpoint/2010/main" val="3026365559"/>
+              </p:ext>
+            </p:extLst>
+          </p:nvPr>
+        </p:nvGraphicFramePr>
+        <p:xfrm>
+          <a:off x="1668080" y="2185213"/>
+          <a:ext cx="5799520" cy="2874248"/>
+        </p:xfrm>
+        <a:graphic>
+          <a:graphicData uri="http://schemas.openxmlformats.org/drawingml/2006/table">
+            <a:tbl>
+              <a:tblPr firstRow="1" bandRow="1">
+                <a:tableStyleId>{5C22544A-7EE6-4342-B048-85BDC9FD1C3A}</a:tableStyleId>
+              </a:tblPr>
+              <a:tblGrid>
+                <a:gridCol w="1449880">
+                  <a:extLst>
+                    <a:ext uri="{9D8B030D-6E8A-4147-A177-3AD203B41FA5}">
+                      <a16:colId xmlns:a16="http://schemas.microsoft.com/office/drawing/2014/main" val="3331895167"/>
+                    </a:ext>
+                  </a:extLst>
+                </a:gridCol>
+                <a:gridCol w="1449880">
+                  <a:extLst>
+                    <a:ext uri="{9D8B030D-6E8A-4147-A177-3AD203B41FA5}">
+                      <a16:colId xmlns:a16="http://schemas.microsoft.com/office/drawing/2014/main" val="2869969013"/>
+                    </a:ext>
+                  </a:extLst>
+                </a:gridCol>
+                <a:gridCol w="1449880">
+                  <a:extLst>
+                    <a:ext uri="{9D8B030D-6E8A-4147-A177-3AD203B41FA5}">
+                      <a16:colId xmlns:a16="http://schemas.microsoft.com/office/drawing/2014/main" val="2767457526"/>
+                    </a:ext>
+                  </a:extLst>
+                </a:gridCol>
+                <a:gridCol w="1449880">
+                  <a:extLst>
+                    <a:ext uri="{9D8B030D-6E8A-4147-A177-3AD203B41FA5}">
+                      <a16:colId xmlns:a16="http://schemas.microsoft.com/office/drawing/2014/main" val="946196151"/>
+                    </a:ext>
+                  </a:extLst>
+                </a:gridCol>
+              </a:tblGrid>
+              <a:tr h="718562">
+                <a:tc>
+                  <a:txBody>
+                    <a:bodyPr/>
+                    <a:lstStyle/>
+                    <a:p>
+                      <a:pPr algn="ctr" latinLnBrk="1"/>
+                      <a:endParaRPr lang="ko-KR" altLang="en-US" dirty="0">
+                        <a:solidFill>
+                          <a:sysClr val="windowText" lastClr="000000"/>
+                        </a:solidFill>
+                      </a:endParaRPr>
+                    </a:p>
+                  </a:txBody>
+                  <a:tcPr anchor="ctr">
+                    <a:lnL w="12700" cap="flat" cmpd="sng" algn="ctr">
+                      <a:solidFill>
+                        <a:schemeClr val="tx1"/>
+                      </a:solidFill>
+                      <a:prstDash val="solid"/>
+                      <a:round/>
+                      <a:headEnd type="none" w="med" len="med"/>
+                      <a:tailEnd type="none" w="med" len="med"/>
+                    </a:lnL>
+                    <a:lnR w="12700" cap="flat" cmpd="sng" algn="ctr">
+                      <a:solidFill>
+                        <a:schemeClr val="tx1"/>
+                      </a:solidFill>
+                      <a:prstDash val="solid"/>
+                      <a:round/>
+                      <a:headEnd type="none" w="med" len="med"/>
+                      <a:tailEnd type="none" w="med" len="med"/>
+                    </a:lnR>
+                    <a:lnT w="12700" cap="flat" cmpd="sng" algn="ctr">
+                      <a:solidFill>
+                        <a:schemeClr val="tx1"/>
+                      </a:solidFill>
+                      <a:prstDash val="solid"/>
+                      <a:round/>
+                      <a:headEnd type="none" w="med" len="med"/>
+                      <a:tailEnd type="none" w="med" len="med"/>
+                    </a:lnT>
+                    <a:lnB w="12700" cap="flat" cmpd="sng" algn="ctr">
+                      <a:solidFill>
+                        <a:schemeClr val="tx1"/>
+                      </a:solidFill>
+                      <a:prstDash val="solid"/>
+                      <a:round/>
+                      <a:headEnd type="none" w="med" len="med"/>
+                      <a:tailEnd type="none" w="med" len="med"/>
+                    </a:lnB>
+                    <a:lnTlToBr w="12700" cap="flat" cmpd="sng" algn="ctr">
+                      <a:solidFill>
+                        <a:schemeClr val="tx1"/>
+                      </a:solidFill>
+                      <a:prstDash val="solid"/>
+                      <a:round/>
+                      <a:headEnd type="none" w="med" len="med"/>
+                      <a:tailEnd type="none" w="med" len="med"/>
+                    </a:lnTlToBr>
+                    <a:solidFill>
+                      <a:schemeClr val="bg1">
+                        <a:lumMod val="85000"/>
+                      </a:schemeClr>
+                    </a:solidFill>
+                  </a:tcPr>
+                </a:tc>
+                <a:tc>
+                  <a:txBody>
+                    <a:bodyPr/>
+                    <a:lstStyle/>
+                    <a:p>
+                      <a:pPr algn="ctr" latinLnBrk="1"/>
+                      <a:r>
+                        <a:rPr lang="en-US" altLang="ko-KR" b="0" dirty="0">
+                          <a:solidFill>
+                            <a:sysClr val="windowText" lastClr="000000"/>
+                          </a:solidFill>
+                        </a:rPr>
+                        <a:t>Constraint</a:t>
+                      </a:r>
+                    </a:p>
+                    <a:p>
+                      <a:pPr algn="ctr" latinLnBrk="1"/>
+                      <a:r>
+                        <a:rPr lang="en-US" altLang="ko-KR" b="0" dirty="0">
+                          <a:solidFill>
+                            <a:sysClr val="windowText" lastClr="000000"/>
+                          </a:solidFill>
+                        </a:rPr>
+                        <a:t>1m</a:t>
+                      </a:r>
+                      <a:endParaRPr lang="ko-KR" altLang="en-US" b="0" dirty="0">
+                        <a:solidFill>
+                          <a:sysClr val="windowText" lastClr="000000"/>
+                        </a:solidFill>
+                      </a:endParaRPr>
+                    </a:p>
+                  </a:txBody>
+                  <a:tcPr anchor="ctr">
+                    <a:lnL w="12700" cap="flat" cmpd="sng" algn="ctr">
+                      <a:solidFill>
+                        <a:schemeClr val="tx1"/>
+                      </a:solidFill>
+                      <a:prstDash val="solid"/>
+                      <a:round/>
+                      <a:headEnd type="none" w="med" len="med"/>
+                      <a:tailEnd type="none" w="med" len="med"/>
+                    </a:lnL>
+                    <a:lnR w="12700" cap="flat" cmpd="sng" algn="ctr">
+                      <a:solidFill>
+                        <a:schemeClr val="tx1"/>
+                      </a:solidFill>
+                      <a:prstDash val="solid"/>
+                      <a:round/>
+                      <a:headEnd type="none" w="med" len="med"/>
+                      <a:tailEnd type="none" w="med" len="med"/>
+                    </a:lnR>
+                    <a:lnT w="12700" cap="flat" cmpd="sng" algn="ctr">
+                      <a:solidFill>
+                        <a:schemeClr val="tx1"/>
+                      </a:solidFill>
+                      <a:prstDash val="solid"/>
+                      <a:round/>
+                      <a:headEnd type="none" w="med" len="med"/>
+                      <a:tailEnd type="none" w="med" len="med"/>
+                    </a:lnT>
+                    <a:lnB w="12700" cap="flat" cmpd="sng" algn="ctr">
+                      <a:solidFill>
+                        <a:schemeClr val="tx1"/>
+                      </a:solidFill>
+                      <a:prstDash val="solid"/>
+                      <a:round/>
+                      <a:headEnd type="none" w="med" len="med"/>
+                      <a:tailEnd type="none" w="med" len="med"/>
+                    </a:lnB>
+                    <a:solidFill>
+                      <a:schemeClr val="bg1">
+                        <a:lumMod val="85000"/>
+                      </a:schemeClr>
+                    </a:solidFill>
+                  </a:tcPr>
+                </a:tc>
+                <a:tc>
+                  <a:txBody>
+                    <a:bodyPr/>
+                    <a:lstStyle/>
+                    <a:p>
+                      <a:pPr algn="ctr" latinLnBrk="1"/>
+                      <a:r>
+                        <a:rPr lang="en-US" altLang="ko-KR" b="0" dirty="0">
+                          <a:solidFill>
+                            <a:sysClr val="windowText" lastClr="000000"/>
+                          </a:solidFill>
+                        </a:rPr>
+                        <a:t>Constraint</a:t>
+                      </a:r>
+                    </a:p>
+                    <a:p>
+                      <a:pPr algn="ctr" latinLnBrk="1"/>
+                      <a:r>
+                        <a:rPr lang="en-US" altLang="ko-KR" b="0" dirty="0">
+                          <a:solidFill>
+                            <a:sysClr val="windowText" lastClr="000000"/>
+                          </a:solidFill>
+                        </a:rPr>
+                        <a:t>1.5m</a:t>
+                      </a:r>
+                      <a:endParaRPr lang="ko-KR" altLang="en-US" b="0" dirty="0">
+                        <a:solidFill>
+                          <a:sysClr val="windowText" lastClr="000000"/>
+                        </a:solidFill>
+                      </a:endParaRPr>
+                    </a:p>
+                  </a:txBody>
+                  <a:tcPr anchor="ctr">
+                    <a:lnL w="12700" cap="flat" cmpd="sng" algn="ctr">
+                      <a:solidFill>
+                        <a:schemeClr val="tx1"/>
+                      </a:solidFill>
+                      <a:prstDash val="solid"/>
+                      <a:round/>
+                      <a:headEnd type="none" w="med" len="med"/>
+                      <a:tailEnd type="none" w="med" len="med"/>
+                    </a:lnL>
+                    <a:lnR w="12700" cap="flat" cmpd="sng" algn="ctr">
+                      <a:solidFill>
+                        <a:schemeClr val="tx1"/>
+                      </a:solidFill>
+                      <a:prstDash val="solid"/>
+                      <a:round/>
+                      <a:headEnd type="none" w="med" len="med"/>
+                      <a:tailEnd type="none" w="med" len="med"/>
+                    </a:lnR>
+                    <a:lnT w="12700" cap="flat" cmpd="sng" algn="ctr">
+                      <a:solidFill>
+                        <a:schemeClr val="tx1"/>
+                      </a:solidFill>
+                      <a:prstDash val="solid"/>
+                      <a:round/>
+                      <a:headEnd type="none" w="med" len="med"/>
+                      <a:tailEnd type="none" w="med" len="med"/>
+                    </a:lnT>
+                    <a:lnB w="12700" cap="flat" cmpd="sng" algn="ctr">
+                      <a:solidFill>
+                        <a:schemeClr val="tx1"/>
+                      </a:solidFill>
+                      <a:prstDash val="solid"/>
+                      <a:round/>
+                      <a:headEnd type="none" w="med" len="med"/>
+                      <a:tailEnd type="none" w="med" len="med"/>
+                    </a:lnB>
+                    <a:solidFill>
+                      <a:schemeClr val="bg1">
+                        <a:lumMod val="85000"/>
+                      </a:schemeClr>
+                    </a:solidFill>
+                  </a:tcPr>
+                </a:tc>
+                <a:tc>
+                  <a:txBody>
+                    <a:bodyPr/>
+                    <a:lstStyle/>
+                    <a:p>
+                      <a:pPr algn="ctr" latinLnBrk="1"/>
+                      <a:r>
+                        <a:rPr lang="en-US" altLang="ko-KR" b="0" dirty="0">
+                          <a:solidFill>
+                            <a:sysClr val="windowText" lastClr="000000"/>
+                          </a:solidFill>
+                        </a:rPr>
+                        <a:t>Constraint</a:t>
+                      </a:r>
+                    </a:p>
+                    <a:p>
+                      <a:pPr algn="ctr" latinLnBrk="1"/>
+                      <a:r>
+                        <a:rPr lang="en-US" altLang="ko-KR" b="0" dirty="0">
+                          <a:solidFill>
+                            <a:sysClr val="windowText" lastClr="000000"/>
+                          </a:solidFill>
+                        </a:rPr>
+                        <a:t>2m</a:t>
+                      </a:r>
+                      <a:endParaRPr lang="ko-KR" altLang="en-US" b="0" dirty="0">
+                        <a:solidFill>
+                          <a:sysClr val="windowText" lastClr="000000"/>
+                        </a:solidFill>
+                      </a:endParaRPr>
+                    </a:p>
+                  </a:txBody>
+                  <a:tcPr anchor="ctr">
+                    <a:lnL w="12700" cap="flat" cmpd="sng" algn="ctr">
+                      <a:solidFill>
+                        <a:schemeClr val="tx1"/>
+                      </a:solidFill>
+                      <a:prstDash val="solid"/>
+                      <a:round/>
+                      <a:headEnd type="none" w="med" len="med"/>
+                      <a:tailEnd type="none" w="med" len="med"/>
+                    </a:lnL>
+                    <a:lnR w="12700" cap="flat" cmpd="sng" algn="ctr">
+                      <a:solidFill>
+                        <a:schemeClr val="tx1"/>
+                      </a:solidFill>
+                      <a:prstDash val="solid"/>
+                      <a:round/>
+                      <a:headEnd type="none" w="med" len="med"/>
+                      <a:tailEnd type="none" w="med" len="med"/>
+                    </a:lnR>
+                    <a:lnT w="12700" cap="flat" cmpd="sng" algn="ctr">
+                      <a:solidFill>
+                        <a:schemeClr val="tx1"/>
+                      </a:solidFill>
+                      <a:prstDash val="solid"/>
+                      <a:round/>
+                      <a:headEnd type="none" w="med" len="med"/>
+                      <a:tailEnd type="none" w="med" len="med"/>
+                    </a:lnT>
+                    <a:lnB w="12700" cap="flat" cmpd="sng" algn="ctr">
+                      <a:solidFill>
+                        <a:schemeClr val="tx1"/>
+                      </a:solidFill>
+                      <a:prstDash val="solid"/>
+                      <a:round/>
+                      <a:headEnd type="none" w="med" len="med"/>
+                      <a:tailEnd type="none" w="med" len="med"/>
+                    </a:lnB>
+                    <a:solidFill>
+                      <a:schemeClr val="bg1">
+                        <a:lumMod val="85000"/>
+                      </a:schemeClr>
+                    </a:solidFill>
+                  </a:tcPr>
+                </a:tc>
+                <a:extLst>
+                  <a:ext uri="{0D108BD9-81ED-4DB2-BD59-A6C34878D82A}">
+                    <a16:rowId xmlns:a16="http://schemas.microsoft.com/office/drawing/2014/main" val="2872098061"/>
+                  </a:ext>
+                </a:extLst>
+              </a:tr>
+              <a:tr h="718562">
+                <a:tc>
+                  <a:txBody>
+                    <a:bodyPr/>
+                    <a:lstStyle/>
+                    <a:p>
+                      <a:pPr algn="ctr" latinLnBrk="1"/>
+                      <a:r>
+                        <a:rPr lang="en-US" altLang="ko-KR" dirty="0">
+                          <a:solidFill>
+                            <a:sysClr val="windowText" lastClr="000000"/>
+                          </a:solidFill>
+                        </a:rPr>
+                        <a:t>Gap 1m</a:t>
+                      </a:r>
+                      <a:endParaRPr lang="ko-KR" altLang="en-US" dirty="0">
+                        <a:solidFill>
+                          <a:sysClr val="windowText" lastClr="000000"/>
+                        </a:solidFill>
+                      </a:endParaRPr>
+                    </a:p>
+                  </a:txBody>
+                  <a:tcPr anchor="ctr">
+                    <a:lnL w="12700" cap="flat" cmpd="sng" algn="ctr">
+                      <a:solidFill>
+                        <a:schemeClr val="tx1"/>
+                      </a:solidFill>
+                      <a:prstDash val="solid"/>
+                      <a:round/>
+                      <a:headEnd type="none" w="med" len="med"/>
+                      <a:tailEnd type="none" w="med" len="med"/>
+                    </a:lnL>
+                    <a:lnR w="12700" cap="flat" cmpd="sng" algn="ctr">
+                      <a:solidFill>
+                        <a:schemeClr val="tx1"/>
+                      </a:solidFill>
+                      <a:prstDash val="solid"/>
+                      <a:round/>
+                      <a:headEnd type="none" w="med" len="med"/>
+                      <a:tailEnd type="none" w="med" len="med"/>
+                    </a:lnR>
+                    <a:lnT w="12700" cap="flat" cmpd="sng" algn="ctr">
+                      <a:solidFill>
+                        <a:schemeClr val="tx1"/>
+                      </a:solidFill>
+                      <a:prstDash val="solid"/>
+                      <a:round/>
+                      <a:headEnd type="none" w="med" len="med"/>
+                      <a:tailEnd type="none" w="med" len="med"/>
+                    </a:lnT>
+                    <a:lnB w="12700" cap="flat" cmpd="sng" algn="ctr">
+                      <a:solidFill>
+                        <a:schemeClr val="tx1"/>
+                      </a:solidFill>
+                      <a:prstDash val="solid"/>
+                      <a:round/>
+                      <a:headEnd type="none" w="med" len="med"/>
+                      <a:tailEnd type="none" w="med" len="med"/>
+                    </a:lnB>
+                    <a:solidFill>
+                      <a:schemeClr val="bg1">
+                        <a:lumMod val="85000"/>
+                      </a:schemeClr>
+                    </a:solidFill>
+                  </a:tcPr>
+                </a:tc>
+                <a:tc>
+                  <a:txBody>
+                    <a:bodyPr/>
+                    <a:lstStyle/>
+                    <a:p>
+                      <a:pPr algn="ctr" latinLnBrk="1"/>
+                      <a:r>
+                        <a:rPr lang="en-US" altLang="ko-KR" dirty="0">
+                          <a:solidFill>
+                            <a:sysClr val="windowText" lastClr="000000"/>
+                          </a:solidFill>
+                        </a:rPr>
+                        <a:t>G1C1</a:t>
+                      </a:r>
+                      <a:endParaRPr lang="ko-KR" altLang="en-US" dirty="0">
+                        <a:solidFill>
+                          <a:sysClr val="windowText" lastClr="000000"/>
+                        </a:solidFill>
+                      </a:endParaRPr>
+                    </a:p>
+                  </a:txBody>
+                  <a:tcPr anchor="ctr">
+                    <a:lnL w="12700" cap="flat" cmpd="sng" algn="ctr">
+                      <a:solidFill>
+                        <a:schemeClr val="tx1"/>
+                      </a:solidFill>
+                      <a:prstDash val="solid"/>
+                      <a:round/>
+                      <a:headEnd type="none" w="med" len="med"/>
+                      <a:tailEnd type="none" w="med" len="med"/>
+                    </a:lnL>
+                    <a:lnR w="12700" cap="flat" cmpd="sng" algn="ctr">
+                      <a:solidFill>
+                        <a:schemeClr val="tx1"/>
+                      </a:solidFill>
+                      <a:prstDash val="solid"/>
+                      <a:round/>
+                      <a:headEnd type="none" w="med" len="med"/>
+                      <a:tailEnd type="none" w="med" len="med"/>
+                    </a:lnR>
+                    <a:lnT w="12700" cap="flat" cmpd="sng" algn="ctr">
+                      <a:solidFill>
+                        <a:schemeClr val="tx1"/>
+                      </a:solidFill>
+                      <a:prstDash val="solid"/>
+                      <a:round/>
+                      <a:headEnd type="none" w="med" len="med"/>
+                      <a:tailEnd type="none" w="med" len="med"/>
+                    </a:lnT>
+                    <a:lnB w="12700" cap="flat" cmpd="sng" algn="ctr">
+                      <a:solidFill>
+                        <a:schemeClr val="tx1"/>
+                      </a:solidFill>
+                      <a:prstDash val="solid"/>
+                      <a:round/>
+                      <a:headEnd type="none" w="med" len="med"/>
+                      <a:tailEnd type="none" w="med" len="med"/>
+                    </a:lnB>
+                    <a:solidFill>
+                      <a:srgbClr val="FFFF00"/>
+                    </a:solidFill>
+                  </a:tcPr>
+                </a:tc>
+                <a:tc>
+                  <a:txBody>
+                    <a:bodyPr/>
+                    <a:lstStyle/>
+                    <a:p>
+                      <a:pPr marL="0" marR="0" lvl="0" indent="0" algn="ctr" defTabSz="914400" rtl="0" eaLnBrk="1" fontAlgn="auto" latinLnBrk="1" hangingPunct="1">
+                        <a:lnSpc>
+                          <a:spcPct val="100000"/>
+                        </a:lnSpc>
+                        <a:spcBef>
+                          <a:spcPts val="0"/>
+                        </a:spcBef>
+                        <a:spcAft>
+                          <a:spcPts val="0"/>
+                        </a:spcAft>
+                        <a:buClrTx/>
+                        <a:buSzTx/>
+                        <a:buFontTx/>
+                        <a:buNone/>
+                        <a:tabLst/>
+                        <a:defRPr/>
+                      </a:pPr>
+                      <a:r>
+                        <a:rPr lang="en-US" altLang="ko-KR" dirty="0">
+                          <a:solidFill>
+                            <a:sysClr val="windowText" lastClr="000000"/>
+                          </a:solidFill>
+                        </a:rPr>
+                        <a:t>G1C1.5</a:t>
+                      </a:r>
+                      <a:endParaRPr lang="ko-KR" altLang="en-US" dirty="0">
+                        <a:solidFill>
+                          <a:sysClr val="windowText" lastClr="000000"/>
+                        </a:solidFill>
+                      </a:endParaRPr>
+                    </a:p>
+                  </a:txBody>
+                  <a:tcPr anchor="ctr">
+                    <a:lnL w="12700" cap="flat" cmpd="sng" algn="ctr">
+                      <a:solidFill>
+                        <a:schemeClr val="tx1"/>
+                      </a:solidFill>
+                      <a:prstDash val="solid"/>
+                      <a:round/>
+                      <a:headEnd type="none" w="med" len="med"/>
+                      <a:tailEnd type="none" w="med" len="med"/>
+                    </a:lnL>
+                    <a:lnR w="12700" cap="flat" cmpd="sng" algn="ctr">
+                      <a:solidFill>
+                        <a:schemeClr val="tx1"/>
+                      </a:solidFill>
+                      <a:prstDash val="solid"/>
+                      <a:round/>
+                      <a:headEnd type="none" w="med" len="med"/>
+                      <a:tailEnd type="none" w="med" len="med"/>
+                    </a:lnR>
+                    <a:lnT w="12700" cap="flat" cmpd="sng" algn="ctr">
+                      <a:solidFill>
+                        <a:schemeClr val="tx1"/>
+                      </a:solidFill>
+                      <a:prstDash val="solid"/>
+                      <a:round/>
+                      <a:headEnd type="none" w="med" len="med"/>
+                      <a:tailEnd type="none" w="med" len="med"/>
+                    </a:lnT>
+                    <a:lnB w="12700" cap="flat" cmpd="sng" algn="ctr">
+                      <a:solidFill>
+                        <a:schemeClr val="tx1"/>
+                      </a:solidFill>
+                      <a:prstDash val="solid"/>
+                      <a:round/>
+                      <a:headEnd type="none" w="med" len="med"/>
+                      <a:tailEnd type="none" w="med" len="med"/>
+                    </a:lnB>
+                    <a:solidFill>
+                      <a:srgbClr val="FFFF00"/>
+                    </a:solidFill>
+                  </a:tcPr>
+                </a:tc>
+                <a:tc>
+                  <a:txBody>
+                    <a:bodyPr/>
+                    <a:lstStyle/>
+                    <a:p>
+                      <a:pPr algn="ctr" latinLnBrk="1"/>
+                      <a:r>
+                        <a:rPr lang="en-US" altLang="ko-KR" dirty="0">
+                          <a:solidFill>
+                            <a:sysClr val="windowText" lastClr="000000"/>
+                          </a:solidFill>
+                        </a:rPr>
+                        <a:t>G1C2</a:t>
+                      </a:r>
+                      <a:endParaRPr lang="ko-KR" altLang="en-US" dirty="0">
+                        <a:solidFill>
+                          <a:sysClr val="windowText" lastClr="000000"/>
+                        </a:solidFill>
+                      </a:endParaRPr>
+                    </a:p>
+                  </a:txBody>
+                  <a:tcPr anchor="ctr">
+                    <a:lnL w="12700" cap="flat" cmpd="sng" algn="ctr">
+                      <a:solidFill>
+                        <a:schemeClr val="tx1"/>
+                      </a:solidFill>
+                      <a:prstDash val="solid"/>
+                      <a:round/>
+                      <a:headEnd type="none" w="med" len="med"/>
+                      <a:tailEnd type="none" w="med" len="med"/>
+                    </a:lnL>
+                    <a:lnR w="12700" cap="flat" cmpd="sng" algn="ctr">
+                      <a:solidFill>
+                        <a:schemeClr val="tx1"/>
+                      </a:solidFill>
+                      <a:prstDash val="solid"/>
+                      <a:round/>
+                      <a:headEnd type="none" w="med" len="med"/>
+                      <a:tailEnd type="none" w="med" len="med"/>
+                    </a:lnR>
+                    <a:lnT w="12700" cap="flat" cmpd="sng" algn="ctr">
+                      <a:solidFill>
+                        <a:schemeClr val="tx1"/>
+                      </a:solidFill>
+                      <a:prstDash val="solid"/>
+                      <a:round/>
+                      <a:headEnd type="none" w="med" len="med"/>
+                      <a:tailEnd type="none" w="med" len="med"/>
+                    </a:lnT>
+                    <a:lnB w="12700" cap="flat" cmpd="sng" algn="ctr">
+                      <a:solidFill>
+                        <a:schemeClr val="tx1"/>
+                      </a:solidFill>
+                      <a:prstDash val="solid"/>
+                      <a:round/>
+                      <a:headEnd type="none" w="med" len="med"/>
+                      <a:tailEnd type="none" w="med" len="med"/>
+                    </a:lnB>
+                    <a:solidFill>
+                      <a:srgbClr val="FFFF00"/>
+                    </a:solidFill>
+                  </a:tcPr>
+                </a:tc>
+                <a:extLst>
+                  <a:ext uri="{0D108BD9-81ED-4DB2-BD59-A6C34878D82A}">
+                    <a16:rowId xmlns:a16="http://schemas.microsoft.com/office/drawing/2014/main" val="1719680393"/>
+                  </a:ext>
+                </a:extLst>
+              </a:tr>
+              <a:tr h="718562">
+                <a:tc>
+                  <a:txBody>
+                    <a:bodyPr/>
+                    <a:lstStyle/>
+                    <a:p>
+                      <a:pPr marL="0" marR="0" lvl="0" indent="0" algn="ctr" defTabSz="914400" rtl="0" eaLnBrk="1" fontAlgn="auto" latinLnBrk="1" hangingPunct="1">
+                        <a:lnSpc>
+                          <a:spcPct val="100000"/>
+                        </a:lnSpc>
+                        <a:spcBef>
+                          <a:spcPts val="0"/>
+                        </a:spcBef>
+                        <a:spcAft>
+                          <a:spcPts val="0"/>
+                        </a:spcAft>
+                        <a:buClrTx/>
+                        <a:buSzTx/>
+                        <a:buFontTx/>
+                        <a:buNone/>
+                        <a:tabLst/>
+                        <a:defRPr/>
+                      </a:pPr>
+                      <a:r>
+                        <a:rPr lang="en-US" altLang="ko-KR" dirty="0">
+                          <a:solidFill>
+                            <a:sysClr val="windowText" lastClr="000000"/>
+                          </a:solidFill>
+                        </a:rPr>
+                        <a:t>Gap 1.5m</a:t>
+                      </a:r>
+                      <a:endParaRPr lang="ko-KR" altLang="en-US" dirty="0">
+                        <a:solidFill>
+                          <a:sysClr val="windowText" lastClr="000000"/>
+                        </a:solidFill>
+                      </a:endParaRPr>
+                    </a:p>
+                  </a:txBody>
+                  <a:tcPr anchor="ctr">
+                    <a:lnL w="12700" cap="flat" cmpd="sng" algn="ctr">
+                      <a:solidFill>
+                        <a:schemeClr val="tx1"/>
+                      </a:solidFill>
+                      <a:prstDash val="solid"/>
+                      <a:round/>
+                      <a:headEnd type="none" w="med" len="med"/>
+                      <a:tailEnd type="none" w="med" len="med"/>
+                    </a:lnL>
+                    <a:lnR w="12700" cap="flat" cmpd="sng" algn="ctr">
+                      <a:solidFill>
+                        <a:schemeClr val="tx1"/>
+                      </a:solidFill>
+                      <a:prstDash val="solid"/>
+                      <a:round/>
+                      <a:headEnd type="none" w="med" len="med"/>
+                      <a:tailEnd type="none" w="med" len="med"/>
+                    </a:lnR>
+                    <a:lnT w="12700" cap="flat" cmpd="sng" algn="ctr">
+                      <a:solidFill>
+                        <a:schemeClr val="tx1"/>
+                      </a:solidFill>
+                      <a:prstDash val="solid"/>
+                      <a:round/>
+                      <a:headEnd type="none" w="med" len="med"/>
+                      <a:tailEnd type="none" w="med" len="med"/>
+                    </a:lnT>
+                    <a:lnB w="12700" cap="flat" cmpd="sng" algn="ctr">
+                      <a:solidFill>
+                        <a:schemeClr val="tx1"/>
+                      </a:solidFill>
+                      <a:prstDash val="solid"/>
+                      <a:round/>
+                      <a:headEnd type="none" w="med" len="med"/>
+                      <a:tailEnd type="none" w="med" len="med"/>
+                    </a:lnB>
+                    <a:solidFill>
+                      <a:schemeClr val="bg1">
+                        <a:lumMod val="85000"/>
+                      </a:schemeClr>
+                    </a:solidFill>
+                  </a:tcPr>
+                </a:tc>
+                <a:tc>
+                  <a:txBody>
+                    <a:bodyPr/>
+                    <a:lstStyle/>
+                    <a:p>
+                      <a:pPr marL="0" marR="0" lvl="0" indent="0" algn="ctr" defTabSz="914400" rtl="0" eaLnBrk="1" fontAlgn="auto" latinLnBrk="1" hangingPunct="1">
+                        <a:lnSpc>
+                          <a:spcPct val="100000"/>
+                        </a:lnSpc>
+                        <a:spcBef>
+                          <a:spcPts val="0"/>
+                        </a:spcBef>
+                        <a:spcAft>
+                          <a:spcPts val="0"/>
+                        </a:spcAft>
+                        <a:buClrTx/>
+                        <a:buSzTx/>
+                        <a:buFontTx/>
+                        <a:buNone/>
+                        <a:tabLst/>
+                        <a:defRPr/>
+                      </a:pPr>
+                      <a:r>
+                        <a:rPr lang="en-US" altLang="ko-KR" dirty="0">
+                          <a:solidFill>
+                            <a:sysClr val="windowText" lastClr="000000"/>
+                          </a:solidFill>
+                        </a:rPr>
+                        <a:t>G1.5C1</a:t>
+                      </a:r>
+                      <a:endParaRPr lang="ko-KR" altLang="en-US" dirty="0">
+                        <a:solidFill>
+                          <a:sysClr val="windowText" lastClr="000000"/>
+                        </a:solidFill>
+                      </a:endParaRPr>
+                    </a:p>
+                  </a:txBody>
+                  <a:tcPr anchor="ctr">
+                    <a:lnL w="12700" cap="flat" cmpd="sng" algn="ctr">
+                      <a:solidFill>
+                        <a:schemeClr val="tx1"/>
+                      </a:solidFill>
+                      <a:prstDash val="solid"/>
+                      <a:round/>
+                      <a:headEnd type="none" w="med" len="med"/>
+                      <a:tailEnd type="none" w="med" len="med"/>
+                    </a:lnL>
+                    <a:lnR w="12700" cap="flat" cmpd="sng" algn="ctr">
+                      <a:solidFill>
+                        <a:schemeClr val="tx1"/>
+                      </a:solidFill>
+                      <a:prstDash val="solid"/>
+                      <a:round/>
+                      <a:headEnd type="none" w="med" len="med"/>
+                      <a:tailEnd type="none" w="med" len="med"/>
+                    </a:lnR>
+                    <a:lnT w="12700" cap="flat" cmpd="sng" algn="ctr">
+                      <a:solidFill>
+                        <a:schemeClr val="tx1"/>
+                      </a:solidFill>
+                      <a:prstDash val="solid"/>
+                      <a:round/>
+                      <a:headEnd type="none" w="med" len="med"/>
+                      <a:tailEnd type="none" w="med" len="med"/>
+                    </a:lnT>
+                    <a:lnB w="12700" cap="flat" cmpd="sng" algn="ctr">
+                      <a:solidFill>
+                        <a:schemeClr val="tx1"/>
+                      </a:solidFill>
+                      <a:prstDash val="solid"/>
+                      <a:round/>
+                      <a:headEnd type="none" w="med" len="med"/>
+                      <a:tailEnd type="none" w="med" len="med"/>
+                    </a:lnB>
+                    <a:noFill/>
+                  </a:tcPr>
+                </a:tc>
+                <a:tc>
+                  <a:txBody>
+                    <a:bodyPr/>
+                    <a:lstStyle/>
+                    <a:p>
+                      <a:pPr marL="0" marR="0" lvl="0" indent="0" algn="ctr" defTabSz="914400" rtl="0" eaLnBrk="1" fontAlgn="auto" latinLnBrk="1" hangingPunct="1">
+                        <a:lnSpc>
+                          <a:spcPct val="100000"/>
+                        </a:lnSpc>
+                        <a:spcBef>
+                          <a:spcPts val="0"/>
+                        </a:spcBef>
+                        <a:spcAft>
+                          <a:spcPts val="0"/>
+                        </a:spcAft>
+                        <a:buClrTx/>
+                        <a:buSzTx/>
+                        <a:buFontTx/>
+                        <a:buNone/>
+                        <a:tabLst/>
+                        <a:defRPr/>
+                      </a:pPr>
+                      <a:r>
+                        <a:rPr lang="en-US" altLang="ko-KR" dirty="0">
+                          <a:solidFill>
+                            <a:sysClr val="windowText" lastClr="000000"/>
+                          </a:solidFill>
+                        </a:rPr>
+                        <a:t>G1.5C1.5</a:t>
+                      </a:r>
+                      <a:endParaRPr lang="ko-KR" altLang="en-US" dirty="0">
+                        <a:solidFill>
+                          <a:sysClr val="windowText" lastClr="000000"/>
+                        </a:solidFill>
+                      </a:endParaRPr>
+                    </a:p>
+                  </a:txBody>
+                  <a:tcPr anchor="ctr">
+                    <a:lnL w="12700" cap="flat" cmpd="sng" algn="ctr">
+                      <a:solidFill>
+                        <a:schemeClr val="tx1"/>
+                      </a:solidFill>
+                      <a:prstDash val="solid"/>
+                      <a:round/>
+                      <a:headEnd type="none" w="med" len="med"/>
+                      <a:tailEnd type="none" w="med" len="med"/>
+                    </a:lnL>
+                    <a:lnR w="12700" cap="flat" cmpd="sng" algn="ctr">
+                      <a:solidFill>
+                        <a:schemeClr val="tx1"/>
+                      </a:solidFill>
+                      <a:prstDash val="solid"/>
+                      <a:round/>
+                      <a:headEnd type="none" w="med" len="med"/>
+                      <a:tailEnd type="none" w="med" len="med"/>
+                    </a:lnR>
+                    <a:lnT w="12700" cap="flat" cmpd="sng" algn="ctr">
+                      <a:solidFill>
+                        <a:schemeClr val="tx1"/>
+                      </a:solidFill>
+                      <a:prstDash val="solid"/>
+                      <a:round/>
+                      <a:headEnd type="none" w="med" len="med"/>
+                      <a:tailEnd type="none" w="med" len="med"/>
+                    </a:lnT>
+                    <a:lnB w="12700" cap="flat" cmpd="sng" algn="ctr">
+                      <a:solidFill>
+                        <a:schemeClr val="tx1"/>
+                      </a:solidFill>
+                      <a:prstDash val="solid"/>
+                      <a:round/>
+                      <a:headEnd type="none" w="med" len="med"/>
+                      <a:tailEnd type="none" w="med" len="med"/>
+                    </a:lnB>
+                    <a:noFill/>
+                  </a:tcPr>
+                </a:tc>
+                <a:tc>
+                  <a:txBody>
+                    <a:bodyPr/>
+                    <a:lstStyle/>
+                    <a:p>
+                      <a:pPr algn="ctr" latinLnBrk="1"/>
+                      <a:r>
+                        <a:rPr lang="en-US" altLang="ko-KR" dirty="0">
+                          <a:solidFill>
+                            <a:sysClr val="windowText" lastClr="000000"/>
+                          </a:solidFill>
+                        </a:rPr>
+                        <a:t>G1.5C2</a:t>
+                      </a:r>
+                      <a:endParaRPr lang="ko-KR" altLang="en-US" dirty="0">
+                        <a:solidFill>
+                          <a:sysClr val="windowText" lastClr="000000"/>
+                        </a:solidFill>
+                      </a:endParaRPr>
+                    </a:p>
+                  </a:txBody>
+                  <a:tcPr anchor="ctr">
+                    <a:lnL w="12700" cap="flat" cmpd="sng" algn="ctr">
+                      <a:solidFill>
+                        <a:schemeClr val="tx1"/>
+                      </a:solidFill>
+                      <a:prstDash val="solid"/>
+                      <a:round/>
+                      <a:headEnd type="none" w="med" len="med"/>
+                      <a:tailEnd type="none" w="med" len="med"/>
+                    </a:lnL>
+                    <a:lnR w="12700" cap="flat" cmpd="sng" algn="ctr">
+                      <a:solidFill>
+                        <a:schemeClr val="tx1"/>
+                      </a:solidFill>
+                      <a:prstDash val="solid"/>
+                      <a:round/>
+                      <a:headEnd type="none" w="med" len="med"/>
+                      <a:tailEnd type="none" w="med" len="med"/>
+                    </a:lnR>
+                    <a:lnT w="12700" cap="flat" cmpd="sng" algn="ctr">
+                      <a:solidFill>
+                        <a:schemeClr val="tx1"/>
+                      </a:solidFill>
+                      <a:prstDash val="solid"/>
+                      <a:round/>
+                      <a:headEnd type="none" w="med" len="med"/>
+                      <a:tailEnd type="none" w="med" len="med"/>
+                    </a:lnT>
+                    <a:lnB w="12700" cap="flat" cmpd="sng" algn="ctr">
+                      <a:solidFill>
+                        <a:schemeClr val="tx1"/>
+                      </a:solidFill>
+                      <a:prstDash val="solid"/>
+                      <a:round/>
+                      <a:headEnd type="none" w="med" len="med"/>
+                      <a:tailEnd type="none" w="med" len="med"/>
+                    </a:lnB>
+                    <a:noFill/>
+                  </a:tcPr>
+                </a:tc>
+                <a:extLst>
+                  <a:ext uri="{0D108BD9-81ED-4DB2-BD59-A6C34878D82A}">
+                    <a16:rowId xmlns:a16="http://schemas.microsoft.com/office/drawing/2014/main" val="2763274257"/>
+                  </a:ext>
+                </a:extLst>
+              </a:tr>
+              <a:tr h="718562">
+                <a:tc>
+                  <a:txBody>
+                    <a:bodyPr/>
+                    <a:lstStyle/>
+                    <a:p>
+                      <a:pPr marL="0" marR="0" lvl="0" indent="0" algn="ctr" defTabSz="914400" rtl="0" eaLnBrk="1" fontAlgn="auto" latinLnBrk="1" hangingPunct="1">
+                        <a:lnSpc>
+                          <a:spcPct val="100000"/>
+                        </a:lnSpc>
+                        <a:spcBef>
+                          <a:spcPts val="0"/>
+                        </a:spcBef>
+                        <a:spcAft>
+                          <a:spcPts val="0"/>
+                        </a:spcAft>
+                        <a:buClrTx/>
+                        <a:buSzTx/>
+                        <a:buFontTx/>
+                        <a:buNone/>
+                        <a:tabLst/>
+                        <a:defRPr/>
+                      </a:pPr>
+                      <a:r>
+                        <a:rPr lang="en-US" altLang="ko-KR" dirty="0">
+                          <a:solidFill>
+                            <a:sysClr val="windowText" lastClr="000000"/>
+                          </a:solidFill>
+                        </a:rPr>
+                        <a:t>Gap 2m</a:t>
+                      </a:r>
+                      <a:endParaRPr lang="ko-KR" altLang="en-US" dirty="0">
+                        <a:solidFill>
+                          <a:sysClr val="windowText" lastClr="000000"/>
+                        </a:solidFill>
+                      </a:endParaRPr>
+                    </a:p>
+                  </a:txBody>
+                  <a:tcPr anchor="ctr">
+                    <a:lnL w="12700" cap="flat" cmpd="sng" algn="ctr">
+                      <a:solidFill>
+                        <a:schemeClr val="tx1"/>
+                      </a:solidFill>
+                      <a:prstDash val="solid"/>
+                      <a:round/>
+                      <a:headEnd type="none" w="med" len="med"/>
+                      <a:tailEnd type="none" w="med" len="med"/>
+                    </a:lnL>
+                    <a:lnR w="12700" cap="flat" cmpd="sng" algn="ctr">
+                      <a:solidFill>
+                        <a:schemeClr val="tx1"/>
+                      </a:solidFill>
+                      <a:prstDash val="solid"/>
+                      <a:round/>
+                      <a:headEnd type="none" w="med" len="med"/>
+                      <a:tailEnd type="none" w="med" len="med"/>
+                    </a:lnR>
+                    <a:lnT w="12700" cap="flat" cmpd="sng" algn="ctr">
+                      <a:solidFill>
+                        <a:schemeClr val="tx1"/>
+                      </a:solidFill>
+                      <a:prstDash val="solid"/>
+                      <a:round/>
+                      <a:headEnd type="none" w="med" len="med"/>
+                      <a:tailEnd type="none" w="med" len="med"/>
+                    </a:lnT>
+                    <a:lnB w="12700" cap="flat" cmpd="sng" algn="ctr">
+                      <a:solidFill>
+                        <a:schemeClr val="tx1"/>
+                      </a:solidFill>
+                      <a:prstDash val="solid"/>
+                      <a:round/>
+                      <a:headEnd type="none" w="med" len="med"/>
+                      <a:tailEnd type="none" w="med" len="med"/>
+                    </a:lnB>
+                    <a:solidFill>
+                      <a:schemeClr val="bg1">
+                        <a:lumMod val="85000"/>
+                      </a:schemeClr>
+                    </a:solidFill>
+                  </a:tcPr>
+                </a:tc>
+                <a:tc>
+                  <a:txBody>
+                    <a:bodyPr/>
+                    <a:lstStyle/>
+                    <a:p>
+                      <a:pPr algn="ctr" latinLnBrk="1"/>
+                      <a:r>
+                        <a:rPr lang="en-US" altLang="ko-KR" dirty="0">
+                          <a:solidFill>
+                            <a:sysClr val="windowText" lastClr="000000"/>
+                          </a:solidFill>
+                        </a:rPr>
+                        <a:t>G2C1</a:t>
+                      </a:r>
+                      <a:endParaRPr lang="ko-KR" altLang="en-US" dirty="0">
+                        <a:solidFill>
+                          <a:sysClr val="windowText" lastClr="000000"/>
+                        </a:solidFill>
+                      </a:endParaRPr>
+                    </a:p>
+                  </a:txBody>
+                  <a:tcPr anchor="ctr">
+                    <a:lnL w="12700" cap="flat" cmpd="sng" algn="ctr">
+                      <a:solidFill>
+                        <a:schemeClr val="tx1"/>
+                      </a:solidFill>
+                      <a:prstDash val="solid"/>
+                      <a:round/>
+                      <a:headEnd type="none" w="med" len="med"/>
+                      <a:tailEnd type="none" w="med" len="med"/>
+                    </a:lnL>
+                    <a:lnR w="12700" cap="flat" cmpd="sng" algn="ctr">
+                      <a:solidFill>
+                        <a:schemeClr val="tx1"/>
+                      </a:solidFill>
+                      <a:prstDash val="solid"/>
+                      <a:round/>
+                      <a:headEnd type="none" w="med" len="med"/>
+                      <a:tailEnd type="none" w="med" len="med"/>
+                    </a:lnR>
+                    <a:lnT w="12700" cap="flat" cmpd="sng" algn="ctr">
+                      <a:solidFill>
+                        <a:schemeClr val="tx1"/>
+                      </a:solidFill>
+                      <a:prstDash val="solid"/>
+                      <a:round/>
+                      <a:headEnd type="none" w="med" len="med"/>
+                      <a:tailEnd type="none" w="med" len="med"/>
+                    </a:lnT>
+                    <a:lnB w="12700" cap="flat" cmpd="sng" algn="ctr">
+                      <a:solidFill>
+                        <a:schemeClr val="tx1"/>
+                      </a:solidFill>
+                      <a:prstDash val="solid"/>
+                      <a:round/>
+                      <a:headEnd type="none" w="med" len="med"/>
+                      <a:tailEnd type="none" w="med" len="med"/>
+                    </a:lnB>
+                    <a:noFill/>
+                  </a:tcPr>
+                </a:tc>
+                <a:tc>
+                  <a:txBody>
+                    <a:bodyPr/>
+                    <a:lstStyle/>
+                    <a:p>
+                      <a:pPr algn="ctr" latinLnBrk="1"/>
+                      <a:r>
+                        <a:rPr lang="en-US" altLang="ko-KR" dirty="0">
+                          <a:solidFill>
+                            <a:sysClr val="windowText" lastClr="000000"/>
+                          </a:solidFill>
+                        </a:rPr>
+                        <a:t>G2C1.5</a:t>
+                      </a:r>
+                      <a:endParaRPr lang="ko-KR" altLang="en-US" dirty="0">
+                        <a:solidFill>
+                          <a:sysClr val="windowText" lastClr="000000"/>
+                        </a:solidFill>
+                      </a:endParaRPr>
+                    </a:p>
+                  </a:txBody>
+                  <a:tcPr anchor="ctr">
+                    <a:lnL w="12700" cap="flat" cmpd="sng" algn="ctr">
+                      <a:solidFill>
+                        <a:schemeClr val="tx1"/>
+                      </a:solidFill>
+                      <a:prstDash val="solid"/>
+                      <a:round/>
+                      <a:headEnd type="none" w="med" len="med"/>
+                      <a:tailEnd type="none" w="med" len="med"/>
+                    </a:lnL>
+                    <a:lnR w="12700" cap="flat" cmpd="sng" algn="ctr">
+                      <a:solidFill>
+                        <a:schemeClr val="tx1"/>
+                      </a:solidFill>
+                      <a:prstDash val="solid"/>
+                      <a:round/>
+                      <a:headEnd type="none" w="med" len="med"/>
+                      <a:tailEnd type="none" w="med" len="med"/>
+                    </a:lnR>
+                    <a:lnT w="12700" cap="flat" cmpd="sng" algn="ctr">
+                      <a:solidFill>
+                        <a:schemeClr val="tx1"/>
+                      </a:solidFill>
+                      <a:prstDash val="solid"/>
+                      <a:round/>
+                      <a:headEnd type="none" w="med" len="med"/>
+                      <a:tailEnd type="none" w="med" len="med"/>
+                    </a:lnT>
+                    <a:lnB w="12700" cap="flat" cmpd="sng" algn="ctr">
+                      <a:solidFill>
+                        <a:schemeClr val="tx1"/>
+                      </a:solidFill>
+                      <a:prstDash val="solid"/>
+                      <a:round/>
+                      <a:headEnd type="none" w="med" len="med"/>
+                      <a:tailEnd type="none" w="med" len="med"/>
+                    </a:lnB>
+                    <a:noFill/>
+                  </a:tcPr>
+                </a:tc>
+                <a:tc>
+                  <a:txBody>
+                    <a:bodyPr/>
+                    <a:lstStyle/>
+                    <a:p>
+                      <a:pPr algn="ctr" latinLnBrk="1"/>
+                      <a:r>
+                        <a:rPr lang="en-US" altLang="ko-KR" dirty="0">
+                          <a:solidFill>
+                            <a:sysClr val="windowText" lastClr="000000"/>
+                          </a:solidFill>
+                        </a:rPr>
+                        <a:t>G2C2</a:t>
+                      </a:r>
+                      <a:endParaRPr lang="ko-KR" altLang="en-US" dirty="0">
+                        <a:solidFill>
+                          <a:sysClr val="windowText" lastClr="000000"/>
+                        </a:solidFill>
+                      </a:endParaRPr>
+                    </a:p>
+                  </a:txBody>
+                  <a:tcPr anchor="ctr">
+                    <a:lnL w="12700" cap="flat" cmpd="sng" algn="ctr">
+                      <a:solidFill>
+                        <a:schemeClr val="tx1"/>
+                      </a:solidFill>
+                      <a:prstDash val="solid"/>
+                      <a:round/>
+                      <a:headEnd type="none" w="med" len="med"/>
+                      <a:tailEnd type="none" w="med" len="med"/>
+                    </a:lnL>
+                    <a:lnR w="12700" cap="flat" cmpd="sng" algn="ctr">
+                      <a:solidFill>
+                        <a:schemeClr val="tx1"/>
+                      </a:solidFill>
+                      <a:prstDash val="solid"/>
+                      <a:round/>
+                      <a:headEnd type="none" w="med" len="med"/>
+                      <a:tailEnd type="none" w="med" len="med"/>
+                    </a:lnR>
+                    <a:lnT w="12700" cap="flat" cmpd="sng" algn="ctr">
+                      <a:solidFill>
+                        <a:schemeClr val="tx1"/>
+                      </a:solidFill>
+                      <a:prstDash val="solid"/>
+                      <a:round/>
+                      <a:headEnd type="none" w="med" len="med"/>
+                      <a:tailEnd type="none" w="med" len="med"/>
+                    </a:lnT>
+                    <a:lnB w="12700" cap="flat" cmpd="sng" algn="ctr">
+                      <a:solidFill>
+                        <a:schemeClr val="tx1"/>
+                      </a:solidFill>
+                      <a:prstDash val="solid"/>
+                      <a:round/>
+                      <a:headEnd type="none" w="med" len="med"/>
+                      <a:tailEnd type="none" w="med" len="med"/>
+                    </a:lnB>
+                    <a:noFill/>
+                  </a:tcPr>
+                </a:tc>
+                <a:extLst>
+                  <a:ext uri="{0D108BD9-81ED-4DB2-BD59-A6C34878D82A}">
+                    <a16:rowId xmlns:a16="http://schemas.microsoft.com/office/drawing/2014/main" val="722222116"/>
+                  </a:ext>
+                </a:extLst>
+              </a:tr>
+            </a:tbl>
+          </a:graphicData>
+        </a:graphic>
+      </p:graphicFrame>
+      <p:sp>
+        <p:nvSpPr>
+          <p:cNvPr id="7" name="TextBox 6">
+            <a:extLst>
+              <a:ext uri="{FF2B5EF4-FFF2-40B4-BE49-F238E27FC236}">
+                <a16:creationId xmlns:a16="http://schemas.microsoft.com/office/drawing/2014/main" id="{3889DDC5-EC31-278D-1C37-1FE6041AC653}"/>
+              </a:ext>
+            </a:extLst>
+          </p:cNvPr>
+          <p:cNvSpPr txBox="1"/>
+          <p:nvPr/>
+        </p:nvSpPr>
+        <p:spPr>
+          <a:xfrm>
+            <a:off x="7908330" y="3437671"/>
+            <a:ext cx="350322" cy="369332"/>
+          </a:xfrm>
+          <a:prstGeom prst="rect">
+            <a:avLst/>
+          </a:prstGeom>
+          <a:noFill/>
+        </p:spPr>
+        <p:txBody>
+          <a:bodyPr wrap="square" rtlCol="0">
+            <a:spAutoFit/>
+          </a:bodyPr>
+          <a:lstStyle/>
+          <a:p>
+            <a:r>
+              <a:rPr lang="en-US" altLang="ko-KR" dirty="0"/>
+              <a:t>+</a:t>
+            </a:r>
+            <a:endParaRPr lang="ko-KR" altLang="en-US" dirty="0"/>
+          </a:p>
+        </p:txBody>
+      </p:sp>
+      <p:graphicFrame>
+        <p:nvGraphicFramePr>
+          <p:cNvPr id="9" name="표 6">
+            <a:extLst>
+              <a:ext uri="{FF2B5EF4-FFF2-40B4-BE49-F238E27FC236}">
+                <a16:creationId xmlns:a16="http://schemas.microsoft.com/office/drawing/2014/main" id="{C38A8B7D-B622-70B0-0E34-B6C34CAC7D33}"/>
+              </a:ext>
+            </a:extLst>
+          </p:cNvPr>
+          <p:cNvGraphicFramePr>
+            <a:graphicFrameLocks noGrp="1"/>
+          </p:cNvGraphicFramePr>
+          <p:nvPr>
+            <p:extLst>
+              <p:ext uri="{D42A27DB-BD31-4B8C-83A1-F6EECF244321}">
+                <p14:modId xmlns:p14="http://schemas.microsoft.com/office/powerpoint/2010/main" val="4120719653"/>
+              </p:ext>
+            </p:extLst>
+          </p:nvPr>
+        </p:nvGraphicFramePr>
+        <p:xfrm>
+          <a:off x="8699382" y="3139076"/>
+          <a:ext cx="2123347" cy="966521"/>
+        </p:xfrm>
+        <a:graphic>
+          <a:graphicData uri="http://schemas.openxmlformats.org/drawingml/2006/table">
+            <a:tbl>
+              <a:tblPr firstRow="1" bandRow="1">
+                <a:tableStyleId>{5C22544A-7EE6-4342-B048-85BDC9FD1C3A}</a:tableStyleId>
+              </a:tblPr>
+              <a:tblGrid>
+                <a:gridCol w="2123347">
+                  <a:extLst>
+                    <a:ext uri="{9D8B030D-6E8A-4147-A177-3AD203B41FA5}">
+                      <a16:colId xmlns:a16="http://schemas.microsoft.com/office/drawing/2014/main" val="899691438"/>
+                    </a:ext>
+                  </a:extLst>
+                </a:gridCol>
+              </a:tblGrid>
+              <a:tr h="966521">
+                <a:tc>
+                  <a:txBody>
+                    <a:bodyPr/>
+                    <a:lstStyle/>
+                    <a:p>
+                      <a:pPr algn="ctr" latinLnBrk="1"/>
+                      <a:r>
+                        <a:rPr lang="en-US" altLang="ko-KR" dirty="0">
+                          <a:solidFill>
+                            <a:schemeClr val="tx1"/>
+                          </a:solidFill>
+                        </a:rPr>
+                        <a:t>Normal</a:t>
+                      </a:r>
+                      <a:endParaRPr lang="ko-KR" altLang="en-US" dirty="0">
+                        <a:solidFill>
+                          <a:schemeClr val="tx1"/>
+                        </a:solidFill>
+                      </a:endParaRPr>
+                    </a:p>
+                  </a:txBody>
+                  <a:tcPr anchor="ctr">
+                    <a:lnL w="12700" cap="flat" cmpd="sng" algn="ctr">
+                      <a:solidFill>
+                        <a:schemeClr val="tx1"/>
+                      </a:solidFill>
+                      <a:prstDash val="solid"/>
+                      <a:round/>
+                      <a:headEnd type="none" w="med" len="med"/>
+                      <a:tailEnd type="none" w="med" len="med"/>
+                    </a:lnL>
+                    <a:lnR w="12700" cap="flat" cmpd="sng" algn="ctr">
+                      <a:solidFill>
+                        <a:schemeClr val="tx1"/>
+                      </a:solidFill>
+                      <a:prstDash val="solid"/>
+                      <a:round/>
+                      <a:headEnd type="none" w="med" len="med"/>
+                      <a:tailEnd type="none" w="med" len="med"/>
+                    </a:lnR>
+                    <a:lnT w="12700" cap="flat" cmpd="sng" algn="ctr">
+                      <a:solidFill>
+                        <a:schemeClr val="tx1"/>
+                      </a:solidFill>
+                      <a:prstDash val="solid"/>
+                      <a:round/>
+                      <a:headEnd type="none" w="med" len="med"/>
+                      <a:tailEnd type="none" w="med" len="med"/>
+                    </a:lnT>
+                    <a:lnB w="12700" cap="flat" cmpd="sng" algn="ctr">
+                      <a:solidFill>
+                        <a:schemeClr val="tx1"/>
+                      </a:solidFill>
+                      <a:prstDash val="solid"/>
+                      <a:round/>
+                      <a:headEnd type="none" w="med" len="med"/>
+                      <a:tailEnd type="none" w="med" len="med"/>
+                    </a:lnB>
+                    <a:lnTlToBr w="12700" cap="flat" cmpd="sng" algn="ctr">
+                      <a:noFill/>
+                      <a:prstDash val="solid"/>
+                      <a:round/>
+                      <a:headEnd type="none" w="med" len="med"/>
+                      <a:tailEnd type="none" w="med" len="med"/>
+                    </a:lnTlToBr>
+                    <a:solidFill>
+                      <a:srgbClr val="FFFF00"/>
+                    </a:solidFill>
+                  </a:tcPr>
+                </a:tc>
+                <a:extLst>
+                  <a:ext uri="{0D108BD9-81ED-4DB2-BD59-A6C34878D82A}">
+                    <a16:rowId xmlns:a16="http://schemas.microsoft.com/office/drawing/2014/main" val="574773261"/>
+                  </a:ext>
+                </a:extLst>
+              </a:tr>
+            </a:tbl>
+          </a:graphicData>
+        </a:graphic>
+      </p:graphicFrame>
     </p:spTree>
     <p:extLst>
       <p:ext uri="{BB962C8B-B14F-4D97-AF65-F5344CB8AC3E}">
-        <p14:creationId xmlns:p14="http://schemas.microsoft.com/office/powerpoint/2010/main" val="644695369"/>
+        <p14:creationId xmlns:p14="http://schemas.microsoft.com/office/powerpoint/2010/main" val="109924527"/>
       </p:ext>
     </p:extLst>
   </p:cSld>
@@ -7807,10 +11207,10 @@
       </p:grpSpPr>
       <p:sp>
         <p:nvSpPr>
-          <p:cNvPr id="2" name="슬라이드 번호 개체 틀 1">
+          <p:cNvPr id="3" name="슬라이드 번호 개체 틀 2">
             <a:extLst>
               <a:ext uri="{FF2B5EF4-FFF2-40B4-BE49-F238E27FC236}">
-                <a16:creationId xmlns:a16="http://schemas.microsoft.com/office/drawing/2014/main" id="{1EA4AE2C-B241-466C-8628-4FB1CDC234C1}"/>
+                <a16:creationId xmlns:a16="http://schemas.microsoft.com/office/drawing/2014/main" id="{C19E5CCB-0BA8-4575-A19B-400619DB10A6}"/>
               </a:ext>
             </a:extLst>
           </p:cNvPr>
@@ -7835,10 +11235,1465 @@
           </a:p>
         </p:txBody>
       </p:sp>
+      <p:sp>
+        <p:nvSpPr>
+          <p:cNvPr id="2" name="TextBox 1">
+            <a:extLst>
+              <a:ext uri="{FF2B5EF4-FFF2-40B4-BE49-F238E27FC236}">
+                <a16:creationId xmlns:a16="http://schemas.microsoft.com/office/drawing/2014/main" id="{C552E9AC-A471-488E-E7DE-5A464A21E4B8}"/>
+              </a:ext>
+            </a:extLst>
+          </p:cNvPr>
+          <p:cNvSpPr txBox="1"/>
+          <p:nvPr/>
+        </p:nvSpPr>
+        <p:spPr>
+          <a:xfrm>
+            <a:off x="259903" y="1090654"/>
+            <a:ext cx="9150514" cy="707886"/>
+          </a:xfrm>
+          <a:prstGeom prst="rect">
+            <a:avLst/>
+          </a:prstGeom>
+          <a:noFill/>
+        </p:spPr>
+        <p:txBody>
+          <a:bodyPr wrap="square" rtlCol="0">
+            <a:spAutoFit/>
+          </a:bodyPr>
+          <a:lstStyle/>
+          <a:p>
+            <a:pPr marL="457200" indent="-457200">
+              <a:buAutoNum type="arabicPeriod" startAt="2"/>
+            </a:pPr>
+            <a:r>
+              <a:rPr lang="en-US" altLang="ko-KR" sz="2000" b="1" dirty="0"/>
+              <a:t>Slalom </a:t>
+            </a:r>
+            <a:r>
+              <a:rPr lang="ko-KR" altLang="en-US" sz="2000" b="1" dirty="0"/>
+              <a:t>인수인계</a:t>
+            </a:r>
+            <a:endParaRPr lang="en-US" altLang="ko-KR" sz="2000" b="1" dirty="0"/>
+          </a:p>
+          <a:p>
+            <a:endParaRPr lang="en-US" altLang="ko-KR" sz="2000" b="1" dirty="0"/>
+          </a:p>
+        </p:txBody>
+      </p:sp>
+      <p:sp>
+        <p:nvSpPr>
+          <p:cNvPr id="10" name="제목 3">
+            <a:extLst>
+              <a:ext uri="{FF2B5EF4-FFF2-40B4-BE49-F238E27FC236}">
+                <a16:creationId xmlns:a16="http://schemas.microsoft.com/office/drawing/2014/main" id="{041C6B78-C31E-60DB-1132-68B664AFE640}"/>
+              </a:ext>
+            </a:extLst>
+          </p:cNvPr>
+          <p:cNvSpPr>
+            <a:spLocks noGrp="1"/>
+          </p:cNvSpPr>
+          <p:nvPr>
+            <p:ph type="title"/>
+          </p:nvPr>
+        </p:nvSpPr>
+        <p:spPr>
+          <a:xfrm>
+            <a:off x="0" y="259719"/>
+            <a:ext cx="12192000" cy="720000"/>
+          </a:xfrm>
+        </p:spPr>
+        <p:txBody>
+          <a:bodyPr/>
+          <a:lstStyle/>
+          <a:p>
+            <a:r>
+              <a:rPr lang="en-US" altLang="ko-KR" dirty="0"/>
+              <a:t>2</a:t>
+            </a:r>
+            <a:r>
+              <a:rPr lang="ko-KR" altLang="en-US" dirty="0"/>
+              <a:t>학기 진행내용</a:t>
+            </a:r>
+          </a:p>
+        </p:txBody>
+      </p:sp>
+      <p:graphicFrame>
+        <p:nvGraphicFramePr>
+          <p:cNvPr id="4" name="표 4">
+            <a:extLst>
+              <a:ext uri="{FF2B5EF4-FFF2-40B4-BE49-F238E27FC236}">
+                <a16:creationId xmlns:a16="http://schemas.microsoft.com/office/drawing/2014/main" id="{06D02214-8655-155B-E1B8-D6AF4674052A}"/>
+              </a:ext>
+            </a:extLst>
+          </p:cNvPr>
+          <p:cNvGraphicFramePr>
+            <a:graphicFrameLocks noGrp="1"/>
+          </p:cNvGraphicFramePr>
+          <p:nvPr>
+            <p:extLst>
+              <p:ext uri="{D42A27DB-BD31-4B8C-83A1-F6EECF244321}">
+                <p14:modId xmlns:p14="http://schemas.microsoft.com/office/powerpoint/2010/main" val="3422756962"/>
+              </p:ext>
+            </p:extLst>
+          </p:nvPr>
+        </p:nvGraphicFramePr>
+        <p:xfrm>
+          <a:off x="1668080" y="2185213"/>
+          <a:ext cx="5799520" cy="2874248"/>
+        </p:xfrm>
+        <a:graphic>
+          <a:graphicData uri="http://schemas.openxmlformats.org/drawingml/2006/table">
+            <a:tbl>
+              <a:tblPr firstRow="1" bandRow="1">
+                <a:tableStyleId>{5C22544A-7EE6-4342-B048-85BDC9FD1C3A}</a:tableStyleId>
+              </a:tblPr>
+              <a:tblGrid>
+                <a:gridCol w="1449880">
+                  <a:extLst>
+                    <a:ext uri="{9D8B030D-6E8A-4147-A177-3AD203B41FA5}">
+                      <a16:colId xmlns:a16="http://schemas.microsoft.com/office/drawing/2014/main" val="3331895167"/>
+                    </a:ext>
+                  </a:extLst>
+                </a:gridCol>
+                <a:gridCol w="1449880">
+                  <a:extLst>
+                    <a:ext uri="{9D8B030D-6E8A-4147-A177-3AD203B41FA5}">
+                      <a16:colId xmlns:a16="http://schemas.microsoft.com/office/drawing/2014/main" val="2869969013"/>
+                    </a:ext>
+                  </a:extLst>
+                </a:gridCol>
+                <a:gridCol w="1449880">
+                  <a:extLst>
+                    <a:ext uri="{9D8B030D-6E8A-4147-A177-3AD203B41FA5}">
+                      <a16:colId xmlns:a16="http://schemas.microsoft.com/office/drawing/2014/main" val="2767457526"/>
+                    </a:ext>
+                  </a:extLst>
+                </a:gridCol>
+                <a:gridCol w="1449880">
+                  <a:extLst>
+                    <a:ext uri="{9D8B030D-6E8A-4147-A177-3AD203B41FA5}">
+                      <a16:colId xmlns:a16="http://schemas.microsoft.com/office/drawing/2014/main" val="946196151"/>
+                    </a:ext>
+                  </a:extLst>
+                </a:gridCol>
+              </a:tblGrid>
+              <a:tr h="718562">
+                <a:tc>
+                  <a:txBody>
+                    <a:bodyPr/>
+                    <a:lstStyle/>
+                    <a:p>
+                      <a:pPr algn="ctr" latinLnBrk="1"/>
+                      <a:endParaRPr lang="ko-KR" altLang="en-US" dirty="0">
+                        <a:solidFill>
+                          <a:sysClr val="windowText" lastClr="000000"/>
+                        </a:solidFill>
+                      </a:endParaRPr>
+                    </a:p>
+                  </a:txBody>
+                  <a:tcPr anchor="ctr">
+                    <a:lnL w="12700" cap="flat" cmpd="sng" algn="ctr">
+                      <a:solidFill>
+                        <a:schemeClr val="tx1"/>
+                      </a:solidFill>
+                      <a:prstDash val="solid"/>
+                      <a:round/>
+                      <a:headEnd type="none" w="med" len="med"/>
+                      <a:tailEnd type="none" w="med" len="med"/>
+                    </a:lnL>
+                    <a:lnR w="12700" cap="flat" cmpd="sng" algn="ctr">
+                      <a:solidFill>
+                        <a:schemeClr val="tx1"/>
+                      </a:solidFill>
+                      <a:prstDash val="solid"/>
+                      <a:round/>
+                      <a:headEnd type="none" w="med" len="med"/>
+                      <a:tailEnd type="none" w="med" len="med"/>
+                    </a:lnR>
+                    <a:lnT w="12700" cap="flat" cmpd="sng" algn="ctr">
+                      <a:solidFill>
+                        <a:schemeClr val="tx1"/>
+                      </a:solidFill>
+                      <a:prstDash val="solid"/>
+                      <a:round/>
+                      <a:headEnd type="none" w="med" len="med"/>
+                      <a:tailEnd type="none" w="med" len="med"/>
+                    </a:lnT>
+                    <a:lnB w="12700" cap="flat" cmpd="sng" algn="ctr">
+                      <a:solidFill>
+                        <a:schemeClr val="tx1"/>
+                      </a:solidFill>
+                      <a:prstDash val="solid"/>
+                      <a:round/>
+                      <a:headEnd type="none" w="med" len="med"/>
+                      <a:tailEnd type="none" w="med" len="med"/>
+                    </a:lnB>
+                    <a:lnTlToBr w="12700" cap="flat" cmpd="sng" algn="ctr">
+                      <a:solidFill>
+                        <a:schemeClr val="tx1"/>
+                      </a:solidFill>
+                      <a:prstDash val="solid"/>
+                      <a:round/>
+                      <a:headEnd type="none" w="med" len="med"/>
+                      <a:tailEnd type="none" w="med" len="med"/>
+                    </a:lnTlToBr>
+                    <a:solidFill>
+                      <a:schemeClr val="bg1">
+                        <a:lumMod val="85000"/>
+                      </a:schemeClr>
+                    </a:solidFill>
+                  </a:tcPr>
+                </a:tc>
+                <a:tc>
+                  <a:txBody>
+                    <a:bodyPr/>
+                    <a:lstStyle/>
+                    <a:p>
+                      <a:pPr algn="ctr" latinLnBrk="1"/>
+                      <a:r>
+                        <a:rPr lang="en-US" altLang="ko-KR" b="0" dirty="0">
+                          <a:solidFill>
+                            <a:sysClr val="windowText" lastClr="000000"/>
+                          </a:solidFill>
+                        </a:rPr>
+                        <a:t>Constraint</a:t>
+                      </a:r>
+                    </a:p>
+                    <a:p>
+                      <a:pPr algn="ctr" latinLnBrk="1"/>
+                      <a:r>
+                        <a:rPr lang="en-US" altLang="ko-KR" b="0" dirty="0">
+                          <a:solidFill>
+                            <a:sysClr val="windowText" lastClr="000000"/>
+                          </a:solidFill>
+                        </a:rPr>
+                        <a:t>1m</a:t>
+                      </a:r>
+                      <a:endParaRPr lang="ko-KR" altLang="en-US" b="0" dirty="0">
+                        <a:solidFill>
+                          <a:sysClr val="windowText" lastClr="000000"/>
+                        </a:solidFill>
+                      </a:endParaRPr>
+                    </a:p>
+                  </a:txBody>
+                  <a:tcPr anchor="ctr">
+                    <a:lnL w="12700" cap="flat" cmpd="sng" algn="ctr">
+                      <a:solidFill>
+                        <a:schemeClr val="tx1"/>
+                      </a:solidFill>
+                      <a:prstDash val="solid"/>
+                      <a:round/>
+                      <a:headEnd type="none" w="med" len="med"/>
+                      <a:tailEnd type="none" w="med" len="med"/>
+                    </a:lnL>
+                    <a:lnR w="12700" cap="flat" cmpd="sng" algn="ctr">
+                      <a:solidFill>
+                        <a:schemeClr val="tx1"/>
+                      </a:solidFill>
+                      <a:prstDash val="solid"/>
+                      <a:round/>
+                      <a:headEnd type="none" w="med" len="med"/>
+                      <a:tailEnd type="none" w="med" len="med"/>
+                    </a:lnR>
+                    <a:lnT w="12700" cap="flat" cmpd="sng" algn="ctr">
+                      <a:solidFill>
+                        <a:schemeClr val="tx1"/>
+                      </a:solidFill>
+                      <a:prstDash val="solid"/>
+                      <a:round/>
+                      <a:headEnd type="none" w="med" len="med"/>
+                      <a:tailEnd type="none" w="med" len="med"/>
+                    </a:lnT>
+                    <a:lnB w="12700" cap="flat" cmpd="sng" algn="ctr">
+                      <a:solidFill>
+                        <a:schemeClr val="tx1"/>
+                      </a:solidFill>
+                      <a:prstDash val="solid"/>
+                      <a:round/>
+                      <a:headEnd type="none" w="med" len="med"/>
+                      <a:tailEnd type="none" w="med" len="med"/>
+                    </a:lnB>
+                    <a:solidFill>
+                      <a:schemeClr val="bg1">
+                        <a:lumMod val="85000"/>
+                      </a:schemeClr>
+                    </a:solidFill>
+                  </a:tcPr>
+                </a:tc>
+                <a:tc>
+                  <a:txBody>
+                    <a:bodyPr/>
+                    <a:lstStyle/>
+                    <a:p>
+                      <a:pPr algn="ctr" latinLnBrk="1"/>
+                      <a:r>
+                        <a:rPr lang="en-US" altLang="ko-KR" b="0" dirty="0">
+                          <a:solidFill>
+                            <a:sysClr val="windowText" lastClr="000000"/>
+                          </a:solidFill>
+                        </a:rPr>
+                        <a:t>Constraint</a:t>
+                      </a:r>
+                    </a:p>
+                    <a:p>
+                      <a:pPr algn="ctr" latinLnBrk="1"/>
+                      <a:r>
+                        <a:rPr lang="en-US" altLang="ko-KR" b="0" dirty="0">
+                          <a:solidFill>
+                            <a:sysClr val="windowText" lastClr="000000"/>
+                          </a:solidFill>
+                        </a:rPr>
+                        <a:t>1.5m</a:t>
+                      </a:r>
+                      <a:endParaRPr lang="ko-KR" altLang="en-US" b="0" dirty="0">
+                        <a:solidFill>
+                          <a:sysClr val="windowText" lastClr="000000"/>
+                        </a:solidFill>
+                      </a:endParaRPr>
+                    </a:p>
+                  </a:txBody>
+                  <a:tcPr anchor="ctr">
+                    <a:lnL w="12700" cap="flat" cmpd="sng" algn="ctr">
+                      <a:solidFill>
+                        <a:schemeClr val="tx1"/>
+                      </a:solidFill>
+                      <a:prstDash val="solid"/>
+                      <a:round/>
+                      <a:headEnd type="none" w="med" len="med"/>
+                      <a:tailEnd type="none" w="med" len="med"/>
+                    </a:lnL>
+                    <a:lnR w="12700" cap="flat" cmpd="sng" algn="ctr">
+                      <a:solidFill>
+                        <a:schemeClr val="tx1"/>
+                      </a:solidFill>
+                      <a:prstDash val="solid"/>
+                      <a:round/>
+                      <a:headEnd type="none" w="med" len="med"/>
+                      <a:tailEnd type="none" w="med" len="med"/>
+                    </a:lnR>
+                    <a:lnT w="12700" cap="flat" cmpd="sng" algn="ctr">
+                      <a:solidFill>
+                        <a:schemeClr val="tx1"/>
+                      </a:solidFill>
+                      <a:prstDash val="solid"/>
+                      <a:round/>
+                      <a:headEnd type="none" w="med" len="med"/>
+                      <a:tailEnd type="none" w="med" len="med"/>
+                    </a:lnT>
+                    <a:lnB w="12700" cap="flat" cmpd="sng" algn="ctr">
+                      <a:solidFill>
+                        <a:schemeClr val="tx1"/>
+                      </a:solidFill>
+                      <a:prstDash val="solid"/>
+                      <a:round/>
+                      <a:headEnd type="none" w="med" len="med"/>
+                      <a:tailEnd type="none" w="med" len="med"/>
+                    </a:lnB>
+                    <a:solidFill>
+                      <a:schemeClr val="bg1">
+                        <a:lumMod val="85000"/>
+                      </a:schemeClr>
+                    </a:solidFill>
+                  </a:tcPr>
+                </a:tc>
+                <a:tc>
+                  <a:txBody>
+                    <a:bodyPr/>
+                    <a:lstStyle/>
+                    <a:p>
+                      <a:pPr algn="ctr" latinLnBrk="1"/>
+                      <a:r>
+                        <a:rPr lang="en-US" altLang="ko-KR" b="0" dirty="0">
+                          <a:solidFill>
+                            <a:sysClr val="windowText" lastClr="000000"/>
+                          </a:solidFill>
+                        </a:rPr>
+                        <a:t>Constraint</a:t>
+                      </a:r>
+                    </a:p>
+                    <a:p>
+                      <a:pPr algn="ctr" latinLnBrk="1"/>
+                      <a:r>
+                        <a:rPr lang="en-US" altLang="ko-KR" b="0" dirty="0">
+                          <a:solidFill>
+                            <a:sysClr val="windowText" lastClr="000000"/>
+                          </a:solidFill>
+                        </a:rPr>
+                        <a:t>2m</a:t>
+                      </a:r>
+                      <a:endParaRPr lang="ko-KR" altLang="en-US" b="0" dirty="0">
+                        <a:solidFill>
+                          <a:sysClr val="windowText" lastClr="000000"/>
+                        </a:solidFill>
+                      </a:endParaRPr>
+                    </a:p>
+                  </a:txBody>
+                  <a:tcPr anchor="ctr">
+                    <a:lnL w="12700" cap="flat" cmpd="sng" algn="ctr">
+                      <a:solidFill>
+                        <a:schemeClr val="tx1"/>
+                      </a:solidFill>
+                      <a:prstDash val="solid"/>
+                      <a:round/>
+                      <a:headEnd type="none" w="med" len="med"/>
+                      <a:tailEnd type="none" w="med" len="med"/>
+                    </a:lnL>
+                    <a:lnR w="12700" cap="flat" cmpd="sng" algn="ctr">
+                      <a:solidFill>
+                        <a:schemeClr val="tx1"/>
+                      </a:solidFill>
+                      <a:prstDash val="solid"/>
+                      <a:round/>
+                      <a:headEnd type="none" w="med" len="med"/>
+                      <a:tailEnd type="none" w="med" len="med"/>
+                    </a:lnR>
+                    <a:lnT w="12700" cap="flat" cmpd="sng" algn="ctr">
+                      <a:solidFill>
+                        <a:schemeClr val="tx1"/>
+                      </a:solidFill>
+                      <a:prstDash val="solid"/>
+                      <a:round/>
+                      <a:headEnd type="none" w="med" len="med"/>
+                      <a:tailEnd type="none" w="med" len="med"/>
+                    </a:lnT>
+                    <a:lnB w="12700" cap="flat" cmpd="sng" algn="ctr">
+                      <a:solidFill>
+                        <a:schemeClr val="tx1"/>
+                      </a:solidFill>
+                      <a:prstDash val="solid"/>
+                      <a:round/>
+                      <a:headEnd type="none" w="med" len="med"/>
+                      <a:tailEnd type="none" w="med" len="med"/>
+                    </a:lnB>
+                    <a:solidFill>
+                      <a:schemeClr val="bg1">
+                        <a:lumMod val="85000"/>
+                      </a:schemeClr>
+                    </a:solidFill>
+                  </a:tcPr>
+                </a:tc>
+                <a:extLst>
+                  <a:ext uri="{0D108BD9-81ED-4DB2-BD59-A6C34878D82A}">
+                    <a16:rowId xmlns:a16="http://schemas.microsoft.com/office/drawing/2014/main" val="2872098061"/>
+                  </a:ext>
+                </a:extLst>
+              </a:tr>
+              <a:tr h="718562">
+                <a:tc>
+                  <a:txBody>
+                    <a:bodyPr/>
+                    <a:lstStyle/>
+                    <a:p>
+                      <a:pPr algn="ctr" latinLnBrk="1"/>
+                      <a:r>
+                        <a:rPr lang="en-US" altLang="ko-KR" dirty="0">
+                          <a:solidFill>
+                            <a:sysClr val="windowText" lastClr="000000"/>
+                          </a:solidFill>
+                        </a:rPr>
+                        <a:t>Gap 1m</a:t>
+                      </a:r>
+                      <a:endParaRPr lang="ko-KR" altLang="en-US" dirty="0">
+                        <a:solidFill>
+                          <a:sysClr val="windowText" lastClr="000000"/>
+                        </a:solidFill>
+                      </a:endParaRPr>
+                    </a:p>
+                  </a:txBody>
+                  <a:tcPr anchor="ctr">
+                    <a:lnL w="12700" cap="flat" cmpd="sng" algn="ctr">
+                      <a:solidFill>
+                        <a:schemeClr val="tx1"/>
+                      </a:solidFill>
+                      <a:prstDash val="solid"/>
+                      <a:round/>
+                      <a:headEnd type="none" w="med" len="med"/>
+                      <a:tailEnd type="none" w="med" len="med"/>
+                    </a:lnL>
+                    <a:lnR w="12700" cap="flat" cmpd="sng" algn="ctr">
+                      <a:solidFill>
+                        <a:schemeClr val="tx1"/>
+                      </a:solidFill>
+                      <a:prstDash val="solid"/>
+                      <a:round/>
+                      <a:headEnd type="none" w="med" len="med"/>
+                      <a:tailEnd type="none" w="med" len="med"/>
+                    </a:lnR>
+                    <a:lnT w="12700" cap="flat" cmpd="sng" algn="ctr">
+                      <a:solidFill>
+                        <a:schemeClr val="tx1"/>
+                      </a:solidFill>
+                      <a:prstDash val="solid"/>
+                      <a:round/>
+                      <a:headEnd type="none" w="med" len="med"/>
+                      <a:tailEnd type="none" w="med" len="med"/>
+                    </a:lnT>
+                    <a:lnB w="12700" cap="flat" cmpd="sng" algn="ctr">
+                      <a:solidFill>
+                        <a:schemeClr val="tx1"/>
+                      </a:solidFill>
+                      <a:prstDash val="solid"/>
+                      <a:round/>
+                      <a:headEnd type="none" w="med" len="med"/>
+                      <a:tailEnd type="none" w="med" len="med"/>
+                    </a:lnB>
+                    <a:solidFill>
+                      <a:schemeClr val="bg1">
+                        <a:lumMod val="85000"/>
+                      </a:schemeClr>
+                    </a:solidFill>
+                  </a:tcPr>
+                </a:tc>
+                <a:tc>
+                  <a:txBody>
+                    <a:bodyPr/>
+                    <a:lstStyle/>
+                    <a:p>
+                      <a:pPr algn="ctr" latinLnBrk="1"/>
+                      <a:r>
+                        <a:rPr lang="en-US" altLang="ko-KR" dirty="0">
+                          <a:solidFill>
+                            <a:sysClr val="windowText" lastClr="000000"/>
+                          </a:solidFill>
+                        </a:rPr>
+                        <a:t>G1C1</a:t>
+                      </a:r>
+                      <a:endParaRPr lang="ko-KR" altLang="en-US" dirty="0">
+                        <a:solidFill>
+                          <a:sysClr val="windowText" lastClr="000000"/>
+                        </a:solidFill>
+                      </a:endParaRPr>
+                    </a:p>
+                  </a:txBody>
+                  <a:tcPr anchor="ctr">
+                    <a:lnL w="12700" cap="flat" cmpd="sng" algn="ctr">
+                      <a:solidFill>
+                        <a:schemeClr val="tx1"/>
+                      </a:solidFill>
+                      <a:prstDash val="solid"/>
+                      <a:round/>
+                      <a:headEnd type="none" w="med" len="med"/>
+                      <a:tailEnd type="none" w="med" len="med"/>
+                    </a:lnL>
+                    <a:lnR w="12700" cap="flat" cmpd="sng" algn="ctr">
+                      <a:solidFill>
+                        <a:schemeClr val="tx1"/>
+                      </a:solidFill>
+                      <a:prstDash val="solid"/>
+                      <a:round/>
+                      <a:headEnd type="none" w="med" len="med"/>
+                      <a:tailEnd type="none" w="med" len="med"/>
+                    </a:lnR>
+                    <a:lnT w="12700" cap="flat" cmpd="sng" algn="ctr">
+                      <a:solidFill>
+                        <a:schemeClr val="tx1"/>
+                      </a:solidFill>
+                      <a:prstDash val="solid"/>
+                      <a:round/>
+                      <a:headEnd type="none" w="med" len="med"/>
+                      <a:tailEnd type="none" w="med" len="med"/>
+                    </a:lnT>
+                    <a:lnB w="12700" cap="flat" cmpd="sng" algn="ctr">
+                      <a:solidFill>
+                        <a:schemeClr val="tx1"/>
+                      </a:solidFill>
+                      <a:prstDash val="solid"/>
+                      <a:round/>
+                      <a:headEnd type="none" w="med" len="med"/>
+                      <a:tailEnd type="none" w="med" len="med"/>
+                    </a:lnB>
+                    <a:solidFill>
+                      <a:srgbClr val="FFFF00"/>
+                    </a:solidFill>
+                  </a:tcPr>
+                </a:tc>
+                <a:tc>
+                  <a:txBody>
+                    <a:bodyPr/>
+                    <a:lstStyle/>
+                    <a:p>
+                      <a:pPr marL="0" marR="0" lvl="0" indent="0" algn="ctr" defTabSz="914400" rtl="0" eaLnBrk="1" fontAlgn="auto" latinLnBrk="1" hangingPunct="1">
+                        <a:lnSpc>
+                          <a:spcPct val="100000"/>
+                        </a:lnSpc>
+                        <a:spcBef>
+                          <a:spcPts val="0"/>
+                        </a:spcBef>
+                        <a:spcAft>
+                          <a:spcPts val="0"/>
+                        </a:spcAft>
+                        <a:buClrTx/>
+                        <a:buSzTx/>
+                        <a:buFontTx/>
+                        <a:buNone/>
+                        <a:tabLst/>
+                        <a:defRPr/>
+                      </a:pPr>
+                      <a:r>
+                        <a:rPr lang="en-US" altLang="ko-KR" dirty="0">
+                          <a:solidFill>
+                            <a:sysClr val="windowText" lastClr="000000"/>
+                          </a:solidFill>
+                        </a:rPr>
+                        <a:t>G1C1.5</a:t>
+                      </a:r>
+                      <a:endParaRPr lang="ko-KR" altLang="en-US" dirty="0">
+                        <a:solidFill>
+                          <a:sysClr val="windowText" lastClr="000000"/>
+                        </a:solidFill>
+                      </a:endParaRPr>
+                    </a:p>
+                  </a:txBody>
+                  <a:tcPr anchor="ctr">
+                    <a:lnL w="12700" cap="flat" cmpd="sng" algn="ctr">
+                      <a:solidFill>
+                        <a:schemeClr val="tx1"/>
+                      </a:solidFill>
+                      <a:prstDash val="solid"/>
+                      <a:round/>
+                      <a:headEnd type="none" w="med" len="med"/>
+                      <a:tailEnd type="none" w="med" len="med"/>
+                    </a:lnL>
+                    <a:lnR w="12700" cap="flat" cmpd="sng" algn="ctr">
+                      <a:solidFill>
+                        <a:schemeClr val="tx1"/>
+                      </a:solidFill>
+                      <a:prstDash val="solid"/>
+                      <a:round/>
+                      <a:headEnd type="none" w="med" len="med"/>
+                      <a:tailEnd type="none" w="med" len="med"/>
+                    </a:lnR>
+                    <a:lnT w="12700" cap="flat" cmpd="sng" algn="ctr">
+                      <a:solidFill>
+                        <a:schemeClr val="tx1"/>
+                      </a:solidFill>
+                      <a:prstDash val="solid"/>
+                      <a:round/>
+                      <a:headEnd type="none" w="med" len="med"/>
+                      <a:tailEnd type="none" w="med" len="med"/>
+                    </a:lnT>
+                    <a:lnB w="12700" cap="flat" cmpd="sng" algn="ctr">
+                      <a:solidFill>
+                        <a:schemeClr val="tx1"/>
+                      </a:solidFill>
+                      <a:prstDash val="solid"/>
+                      <a:round/>
+                      <a:headEnd type="none" w="med" len="med"/>
+                      <a:tailEnd type="none" w="med" len="med"/>
+                    </a:lnB>
+                    <a:noFill/>
+                  </a:tcPr>
+                </a:tc>
+                <a:tc>
+                  <a:txBody>
+                    <a:bodyPr/>
+                    <a:lstStyle/>
+                    <a:p>
+                      <a:pPr algn="ctr" latinLnBrk="1"/>
+                      <a:r>
+                        <a:rPr lang="en-US" altLang="ko-KR" dirty="0">
+                          <a:solidFill>
+                            <a:sysClr val="windowText" lastClr="000000"/>
+                          </a:solidFill>
+                        </a:rPr>
+                        <a:t>G1C2</a:t>
+                      </a:r>
+                      <a:endParaRPr lang="ko-KR" altLang="en-US" dirty="0">
+                        <a:solidFill>
+                          <a:sysClr val="windowText" lastClr="000000"/>
+                        </a:solidFill>
+                      </a:endParaRPr>
+                    </a:p>
+                  </a:txBody>
+                  <a:tcPr anchor="ctr">
+                    <a:lnL w="12700" cap="flat" cmpd="sng" algn="ctr">
+                      <a:solidFill>
+                        <a:schemeClr val="tx1"/>
+                      </a:solidFill>
+                      <a:prstDash val="solid"/>
+                      <a:round/>
+                      <a:headEnd type="none" w="med" len="med"/>
+                      <a:tailEnd type="none" w="med" len="med"/>
+                    </a:lnL>
+                    <a:lnR w="12700" cap="flat" cmpd="sng" algn="ctr">
+                      <a:solidFill>
+                        <a:schemeClr val="tx1"/>
+                      </a:solidFill>
+                      <a:prstDash val="solid"/>
+                      <a:round/>
+                      <a:headEnd type="none" w="med" len="med"/>
+                      <a:tailEnd type="none" w="med" len="med"/>
+                    </a:lnR>
+                    <a:lnT w="12700" cap="flat" cmpd="sng" algn="ctr">
+                      <a:solidFill>
+                        <a:schemeClr val="tx1"/>
+                      </a:solidFill>
+                      <a:prstDash val="solid"/>
+                      <a:round/>
+                      <a:headEnd type="none" w="med" len="med"/>
+                      <a:tailEnd type="none" w="med" len="med"/>
+                    </a:lnT>
+                    <a:lnB w="12700" cap="flat" cmpd="sng" algn="ctr">
+                      <a:solidFill>
+                        <a:schemeClr val="tx1"/>
+                      </a:solidFill>
+                      <a:prstDash val="solid"/>
+                      <a:round/>
+                      <a:headEnd type="none" w="med" len="med"/>
+                      <a:tailEnd type="none" w="med" len="med"/>
+                    </a:lnB>
+                    <a:noFill/>
+                  </a:tcPr>
+                </a:tc>
+                <a:extLst>
+                  <a:ext uri="{0D108BD9-81ED-4DB2-BD59-A6C34878D82A}">
+                    <a16:rowId xmlns:a16="http://schemas.microsoft.com/office/drawing/2014/main" val="1719680393"/>
+                  </a:ext>
+                </a:extLst>
+              </a:tr>
+              <a:tr h="718562">
+                <a:tc>
+                  <a:txBody>
+                    <a:bodyPr/>
+                    <a:lstStyle/>
+                    <a:p>
+                      <a:pPr marL="0" marR="0" lvl="0" indent="0" algn="ctr" defTabSz="914400" rtl="0" eaLnBrk="1" fontAlgn="auto" latinLnBrk="1" hangingPunct="1">
+                        <a:lnSpc>
+                          <a:spcPct val="100000"/>
+                        </a:lnSpc>
+                        <a:spcBef>
+                          <a:spcPts val="0"/>
+                        </a:spcBef>
+                        <a:spcAft>
+                          <a:spcPts val="0"/>
+                        </a:spcAft>
+                        <a:buClrTx/>
+                        <a:buSzTx/>
+                        <a:buFontTx/>
+                        <a:buNone/>
+                        <a:tabLst/>
+                        <a:defRPr/>
+                      </a:pPr>
+                      <a:r>
+                        <a:rPr lang="en-US" altLang="ko-KR" dirty="0">
+                          <a:solidFill>
+                            <a:sysClr val="windowText" lastClr="000000"/>
+                          </a:solidFill>
+                        </a:rPr>
+                        <a:t>Gap 1.5m</a:t>
+                      </a:r>
+                      <a:endParaRPr lang="ko-KR" altLang="en-US" dirty="0">
+                        <a:solidFill>
+                          <a:sysClr val="windowText" lastClr="000000"/>
+                        </a:solidFill>
+                      </a:endParaRPr>
+                    </a:p>
+                  </a:txBody>
+                  <a:tcPr anchor="ctr">
+                    <a:lnL w="12700" cap="flat" cmpd="sng" algn="ctr">
+                      <a:solidFill>
+                        <a:schemeClr val="tx1"/>
+                      </a:solidFill>
+                      <a:prstDash val="solid"/>
+                      <a:round/>
+                      <a:headEnd type="none" w="med" len="med"/>
+                      <a:tailEnd type="none" w="med" len="med"/>
+                    </a:lnL>
+                    <a:lnR w="12700" cap="flat" cmpd="sng" algn="ctr">
+                      <a:solidFill>
+                        <a:schemeClr val="tx1"/>
+                      </a:solidFill>
+                      <a:prstDash val="solid"/>
+                      <a:round/>
+                      <a:headEnd type="none" w="med" len="med"/>
+                      <a:tailEnd type="none" w="med" len="med"/>
+                    </a:lnR>
+                    <a:lnT w="12700" cap="flat" cmpd="sng" algn="ctr">
+                      <a:solidFill>
+                        <a:schemeClr val="tx1"/>
+                      </a:solidFill>
+                      <a:prstDash val="solid"/>
+                      <a:round/>
+                      <a:headEnd type="none" w="med" len="med"/>
+                      <a:tailEnd type="none" w="med" len="med"/>
+                    </a:lnT>
+                    <a:lnB w="12700" cap="flat" cmpd="sng" algn="ctr">
+                      <a:solidFill>
+                        <a:schemeClr val="tx1"/>
+                      </a:solidFill>
+                      <a:prstDash val="solid"/>
+                      <a:round/>
+                      <a:headEnd type="none" w="med" len="med"/>
+                      <a:tailEnd type="none" w="med" len="med"/>
+                    </a:lnB>
+                    <a:solidFill>
+                      <a:schemeClr val="bg1">
+                        <a:lumMod val="85000"/>
+                      </a:schemeClr>
+                    </a:solidFill>
+                  </a:tcPr>
+                </a:tc>
+                <a:tc>
+                  <a:txBody>
+                    <a:bodyPr/>
+                    <a:lstStyle/>
+                    <a:p>
+                      <a:pPr marL="0" marR="0" lvl="0" indent="0" algn="ctr" defTabSz="914400" rtl="0" eaLnBrk="1" fontAlgn="auto" latinLnBrk="1" hangingPunct="1">
+                        <a:lnSpc>
+                          <a:spcPct val="100000"/>
+                        </a:lnSpc>
+                        <a:spcBef>
+                          <a:spcPts val="0"/>
+                        </a:spcBef>
+                        <a:spcAft>
+                          <a:spcPts val="0"/>
+                        </a:spcAft>
+                        <a:buClrTx/>
+                        <a:buSzTx/>
+                        <a:buFontTx/>
+                        <a:buNone/>
+                        <a:tabLst/>
+                        <a:defRPr/>
+                      </a:pPr>
+                      <a:r>
+                        <a:rPr lang="en-US" altLang="ko-KR" dirty="0">
+                          <a:solidFill>
+                            <a:sysClr val="windowText" lastClr="000000"/>
+                          </a:solidFill>
+                        </a:rPr>
+                        <a:t>G1.5C1</a:t>
+                      </a:r>
+                      <a:endParaRPr lang="ko-KR" altLang="en-US" dirty="0">
+                        <a:solidFill>
+                          <a:sysClr val="windowText" lastClr="000000"/>
+                        </a:solidFill>
+                      </a:endParaRPr>
+                    </a:p>
+                  </a:txBody>
+                  <a:tcPr anchor="ctr">
+                    <a:lnL w="12700" cap="flat" cmpd="sng" algn="ctr">
+                      <a:solidFill>
+                        <a:schemeClr val="tx1"/>
+                      </a:solidFill>
+                      <a:prstDash val="solid"/>
+                      <a:round/>
+                      <a:headEnd type="none" w="med" len="med"/>
+                      <a:tailEnd type="none" w="med" len="med"/>
+                    </a:lnL>
+                    <a:lnR w="12700" cap="flat" cmpd="sng" algn="ctr">
+                      <a:solidFill>
+                        <a:schemeClr val="tx1"/>
+                      </a:solidFill>
+                      <a:prstDash val="solid"/>
+                      <a:round/>
+                      <a:headEnd type="none" w="med" len="med"/>
+                      <a:tailEnd type="none" w="med" len="med"/>
+                    </a:lnR>
+                    <a:lnT w="12700" cap="flat" cmpd="sng" algn="ctr">
+                      <a:solidFill>
+                        <a:schemeClr val="tx1"/>
+                      </a:solidFill>
+                      <a:prstDash val="solid"/>
+                      <a:round/>
+                      <a:headEnd type="none" w="med" len="med"/>
+                      <a:tailEnd type="none" w="med" len="med"/>
+                    </a:lnT>
+                    <a:lnB w="12700" cap="flat" cmpd="sng" algn="ctr">
+                      <a:solidFill>
+                        <a:schemeClr val="tx1"/>
+                      </a:solidFill>
+                      <a:prstDash val="solid"/>
+                      <a:round/>
+                      <a:headEnd type="none" w="med" len="med"/>
+                      <a:tailEnd type="none" w="med" len="med"/>
+                    </a:lnB>
+                    <a:solidFill>
+                      <a:srgbClr val="FFFF00"/>
+                    </a:solidFill>
+                  </a:tcPr>
+                </a:tc>
+                <a:tc>
+                  <a:txBody>
+                    <a:bodyPr/>
+                    <a:lstStyle/>
+                    <a:p>
+                      <a:pPr marL="0" marR="0" lvl="0" indent="0" algn="ctr" defTabSz="914400" rtl="0" eaLnBrk="1" fontAlgn="auto" latinLnBrk="1" hangingPunct="1">
+                        <a:lnSpc>
+                          <a:spcPct val="100000"/>
+                        </a:lnSpc>
+                        <a:spcBef>
+                          <a:spcPts val="0"/>
+                        </a:spcBef>
+                        <a:spcAft>
+                          <a:spcPts val="0"/>
+                        </a:spcAft>
+                        <a:buClrTx/>
+                        <a:buSzTx/>
+                        <a:buFontTx/>
+                        <a:buNone/>
+                        <a:tabLst/>
+                        <a:defRPr/>
+                      </a:pPr>
+                      <a:r>
+                        <a:rPr lang="en-US" altLang="ko-KR" dirty="0">
+                          <a:solidFill>
+                            <a:sysClr val="windowText" lastClr="000000"/>
+                          </a:solidFill>
+                        </a:rPr>
+                        <a:t>G1.5C1.5</a:t>
+                      </a:r>
+                      <a:endParaRPr lang="ko-KR" altLang="en-US" dirty="0">
+                        <a:solidFill>
+                          <a:sysClr val="windowText" lastClr="000000"/>
+                        </a:solidFill>
+                      </a:endParaRPr>
+                    </a:p>
+                  </a:txBody>
+                  <a:tcPr anchor="ctr">
+                    <a:lnL w="12700" cap="flat" cmpd="sng" algn="ctr">
+                      <a:solidFill>
+                        <a:schemeClr val="tx1"/>
+                      </a:solidFill>
+                      <a:prstDash val="solid"/>
+                      <a:round/>
+                      <a:headEnd type="none" w="med" len="med"/>
+                      <a:tailEnd type="none" w="med" len="med"/>
+                    </a:lnL>
+                    <a:lnR w="12700" cap="flat" cmpd="sng" algn="ctr">
+                      <a:solidFill>
+                        <a:schemeClr val="tx1"/>
+                      </a:solidFill>
+                      <a:prstDash val="solid"/>
+                      <a:round/>
+                      <a:headEnd type="none" w="med" len="med"/>
+                      <a:tailEnd type="none" w="med" len="med"/>
+                    </a:lnR>
+                    <a:lnT w="12700" cap="flat" cmpd="sng" algn="ctr">
+                      <a:solidFill>
+                        <a:schemeClr val="tx1"/>
+                      </a:solidFill>
+                      <a:prstDash val="solid"/>
+                      <a:round/>
+                      <a:headEnd type="none" w="med" len="med"/>
+                      <a:tailEnd type="none" w="med" len="med"/>
+                    </a:lnT>
+                    <a:lnB w="12700" cap="flat" cmpd="sng" algn="ctr">
+                      <a:solidFill>
+                        <a:schemeClr val="tx1"/>
+                      </a:solidFill>
+                      <a:prstDash val="solid"/>
+                      <a:round/>
+                      <a:headEnd type="none" w="med" len="med"/>
+                      <a:tailEnd type="none" w="med" len="med"/>
+                    </a:lnB>
+                    <a:noFill/>
+                  </a:tcPr>
+                </a:tc>
+                <a:tc>
+                  <a:txBody>
+                    <a:bodyPr/>
+                    <a:lstStyle/>
+                    <a:p>
+                      <a:pPr algn="ctr" latinLnBrk="1"/>
+                      <a:r>
+                        <a:rPr lang="en-US" altLang="ko-KR" dirty="0">
+                          <a:solidFill>
+                            <a:sysClr val="windowText" lastClr="000000"/>
+                          </a:solidFill>
+                        </a:rPr>
+                        <a:t>G1.5C2</a:t>
+                      </a:r>
+                      <a:endParaRPr lang="ko-KR" altLang="en-US" dirty="0">
+                        <a:solidFill>
+                          <a:sysClr val="windowText" lastClr="000000"/>
+                        </a:solidFill>
+                      </a:endParaRPr>
+                    </a:p>
+                  </a:txBody>
+                  <a:tcPr anchor="ctr">
+                    <a:lnL w="12700" cap="flat" cmpd="sng" algn="ctr">
+                      <a:solidFill>
+                        <a:schemeClr val="tx1"/>
+                      </a:solidFill>
+                      <a:prstDash val="solid"/>
+                      <a:round/>
+                      <a:headEnd type="none" w="med" len="med"/>
+                      <a:tailEnd type="none" w="med" len="med"/>
+                    </a:lnL>
+                    <a:lnR w="12700" cap="flat" cmpd="sng" algn="ctr">
+                      <a:solidFill>
+                        <a:schemeClr val="tx1"/>
+                      </a:solidFill>
+                      <a:prstDash val="solid"/>
+                      <a:round/>
+                      <a:headEnd type="none" w="med" len="med"/>
+                      <a:tailEnd type="none" w="med" len="med"/>
+                    </a:lnR>
+                    <a:lnT w="12700" cap="flat" cmpd="sng" algn="ctr">
+                      <a:solidFill>
+                        <a:schemeClr val="tx1"/>
+                      </a:solidFill>
+                      <a:prstDash val="solid"/>
+                      <a:round/>
+                      <a:headEnd type="none" w="med" len="med"/>
+                      <a:tailEnd type="none" w="med" len="med"/>
+                    </a:lnT>
+                    <a:lnB w="12700" cap="flat" cmpd="sng" algn="ctr">
+                      <a:solidFill>
+                        <a:schemeClr val="tx1"/>
+                      </a:solidFill>
+                      <a:prstDash val="solid"/>
+                      <a:round/>
+                      <a:headEnd type="none" w="med" len="med"/>
+                      <a:tailEnd type="none" w="med" len="med"/>
+                    </a:lnB>
+                    <a:noFill/>
+                  </a:tcPr>
+                </a:tc>
+                <a:extLst>
+                  <a:ext uri="{0D108BD9-81ED-4DB2-BD59-A6C34878D82A}">
+                    <a16:rowId xmlns:a16="http://schemas.microsoft.com/office/drawing/2014/main" val="2763274257"/>
+                  </a:ext>
+                </a:extLst>
+              </a:tr>
+              <a:tr h="718562">
+                <a:tc>
+                  <a:txBody>
+                    <a:bodyPr/>
+                    <a:lstStyle/>
+                    <a:p>
+                      <a:pPr marL="0" marR="0" lvl="0" indent="0" algn="ctr" defTabSz="914400" rtl="0" eaLnBrk="1" fontAlgn="auto" latinLnBrk="1" hangingPunct="1">
+                        <a:lnSpc>
+                          <a:spcPct val="100000"/>
+                        </a:lnSpc>
+                        <a:spcBef>
+                          <a:spcPts val="0"/>
+                        </a:spcBef>
+                        <a:spcAft>
+                          <a:spcPts val="0"/>
+                        </a:spcAft>
+                        <a:buClrTx/>
+                        <a:buSzTx/>
+                        <a:buFontTx/>
+                        <a:buNone/>
+                        <a:tabLst/>
+                        <a:defRPr/>
+                      </a:pPr>
+                      <a:r>
+                        <a:rPr lang="en-US" altLang="ko-KR" dirty="0">
+                          <a:solidFill>
+                            <a:sysClr val="windowText" lastClr="000000"/>
+                          </a:solidFill>
+                        </a:rPr>
+                        <a:t>Gap 2m</a:t>
+                      </a:r>
+                      <a:endParaRPr lang="ko-KR" altLang="en-US" dirty="0">
+                        <a:solidFill>
+                          <a:sysClr val="windowText" lastClr="000000"/>
+                        </a:solidFill>
+                      </a:endParaRPr>
+                    </a:p>
+                  </a:txBody>
+                  <a:tcPr anchor="ctr">
+                    <a:lnL w="12700" cap="flat" cmpd="sng" algn="ctr">
+                      <a:solidFill>
+                        <a:schemeClr val="tx1"/>
+                      </a:solidFill>
+                      <a:prstDash val="solid"/>
+                      <a:round/>
+                      <a:headEnd type="none" w="med" len="med"/>
+                      <a:tailEnd type="none" w="med" len="med"/>
+                    </a:lnL>
+                    <a:lnR w="12700" cap="flat" cmpd="sng" algn="ctr">
+                      <a:solidFill>
+                        <a:schemeClr val="tx1"/>
+                      </a:solidFill>
+                      <a:prstDash val="solid"/>
+                      <a:round/>
+                      <a:headEnd type="none" w="med" len="med"/>
+                      <a:tailEnd type="none" w="med" len="med"/>
+                    </a:lnR>
+                    <a:lnT w="12700" cap="flat" cmpd="sng" algn="ctr">
+                      <a:solidFill>
+                        <a:schemeClr val="tx1"/>
+                      </a:solidFill>
+                      <a:prstDash val="solid"/>
+                      <a:round/>
+                      <a:headEnd type="none" w="med" len="med"/>
+                      <a:tailEnd type="none" w="med" len="med"/>
+                    </a:lnT>
+                    <a:lnB w="12700" cap="flat" cmpd="sng" algn="ctr">
+                      <a:solidFill>
+                        <a:schemeClr val="tx1"/>
+                      </a:solidFill>
+                      <a:prstDash val="solid"/>
+                      <a:round/>
+                      <a:headEnd type="none" w="med" len="med"/>
+                      <a:tailEnd type="none" w="med" len="med"/>
+                    </a:lnB>
+                    <a:solidFill>
+                      <a:schemeClr val="bg1">
+                        <a:lumMod val="85000"/>
+                      </a:schemeClr>
+                    </a:solidFill>
+                  </a:tcPr>
+                </a:tc>
+                <a:tc>
+                  <a:txBody>
+                    <a:bodyPr/>
+                    <a:lstStyle/>
+                    <a:p>
+                      <a:pPr algn="ctr" latinLnBrk="1"/>
+                      <a:r>
+                        <a:rPr lang="en-US" altLang="ko-KR" dirty="0">
+                          <a:solidFill>
+                            <a:sysClr val="windowText" lastClr="000000"/>
+                          </a:solidFill>
+                        </a:rPr>
+                        <a:t>G2C1</a:t>
+                      </a:r>
+                      <a:endParaRPr lang="ko-KR" altLang="en-US" dirty="0">
+                        <a:solidFill>
+                          <a:sysClr val="windowText" lastClr="000000"/>
+                        </a:solidFill>
+                      </a:endParaRPr>
+                    </a:p>
+                  </a:txBody>
+                  <a:tcPr anchor="ctr">
+                    <a:lnL w="12700" cap="flat" cmpd="sng" algn="ctr">
+                      <a:solidFill>
+                        <a:schemeClr val="tx1"/>
+                      </a:solidFill>
+                      <a:prstDash val="solid"/>
+                      <a:round/>
+                      <a:headEnd type="none" w="med" len="med"/>
+                      <a:tailEnd type="none" w="med" len="med"/>
+                    </a:lnL>
+                    <a:lnR w="12700" cap="flat" cmpd="sng" algn="ctr">
+                      <a:solidFill>
+                        <a:schemeClr val="tx1"/>
+                      </a:solidFill>
+                      <a:prstDash val="solid"/>
+                      <a:round/>
+                      <a:headEnd type="none" w="med" len="med"/>
+                      <a:tailEnd type="none" w="med" len="med"/>
+                    </a:lnR>
+                    <a:lnT w="12700" cap="flat" cmpd="sng" algn="ctr">
+                      <a:solidFill>
+                        <a:schemeClr val="tx1"/>
+                      </a:solidFill>
+                      <a:prstDash val="solid"/>
+                      <a:round/>
+                      <a:headEnd type="none" w="med" len="med"/>
+                      <a:tailEnd type="none" w="med" len="med"/>
+                    </a:lnT>
+                    <a:lnB w="12700" cap="flat" cmpd="sng" algn="ctr">
+                      <a:solidFill>
+                        <a:schemeClr val="tx1"/>
+                      </a:solidFill>
+                      <a:prstDash val="solid"/>
+                      <a:round/>
+                      <a:headEnd type="none" w="med" len="med"/>
+                      <a:tailEnd type="none" w="med" len="med"/>
+                    </a:lnB>
+                    <a:solidFill>
+                      <a:srgbClr val="FFFF00"/>
+                    </a:solidFill>
+                  </a:tcPr>
+                </a:tc>
+                <a:tc>
+                  <a:txBody>
+                    <a:bodyPr/>
+                    <a:lstStyle/>
+                    <a:p>
+                      <a:pPr algn="ctr" latinLnBrk="1"/>
+                      <a:r>
+                        <a:rPr lang="en-US" altLang="ko-KR" dirty="0">
+                          <a:solidFill>
+                            <a:sysClr val="windowText" lastClr="000000"/>
+                          </a:solidFill>
+                        </a:rPr>
+                        <a:t>G2C1.5</a:t>
+                      </a:r>
+                      <a:endParaRPr lang="ko-KR" altLang="en-US" dirty="0">
+                        <a:solidFill>
+                          <a:sysClr val="windowText" lastClr="000000"/>
+                        </a:solidFill>
+                      </a:endParaRPr>
+                    </a:p>
+                  </a:txBody>
+                  <a:tcPr anchor="ctr">
+                    <a:lnL w="12700" cap="flat" cmpd="sng" algn="ctr">
+                      <a:solidFill>
+                        <a:schemeClr val="tx1"/>
+                      </a:solidFill>
+                      <a:prstDash val="solid"/>
+                      <a:round/>
+                      <a:headEnd type="none" w="med" len="med"/>
+                      <a:tailEnd type="none" w="med" len="med"/>
+                    </a:lnL>
+                    <a:lnR w="12700" cap="flat" cmpd="sng" algn="ctr">
+                      <a:solidFill>
+                        <a:schemeClr val="tx1"/>
+                      </a:solidFill>
+                      <a:prstDash val="solid"/>
+                      <a:round/>
+                      <a:headEnd type="none" w="med" len="med"/>
+                      <a:tailEnd type="none" w="med" len="med"/>
+                    </a:lnR>
+                    <a:lnT w="12700" cap="flat" cmpd="sng" algn="ctr">
+                      <a:solidFill>
+                        <a:schemeClr val="tx1"/>
+                      </a:solidFill>
+                      <a:prstDash val="solid"/>
+                      <a:round/>
+                      <a:headEnd type="none" w="med" len="med"/>
+                      <a:tailEnd type="none" w="med" len="med"/>
+                    </a:lnT>
+                    <a:lnB w="12700" cap="flat" cmpd="sng" algn="ctr">
+                      <a:solidFill>
+                        <a:schemeClr val="tx1"/>
+                      </a:solidFill>
+                      <a:prstDash val="solid"/>
+                      <a:round/>
+                      <a:headEnd type="none" w="med" len="med"/>
+                      <a:tailEnd type="none" w="med" len="med"/>
+                    </a:lnB>
+                    <a:noFill/>
+                  </a:tcPr>
+                </a:tc>
+                <a:tc>
+                  <a:txBody>
+                    <a:bodyPr/>
+                    <a:lstStyle/>
+                    <a:p>
+                      <a:pPr algn="ctr" latinLnBrk="1"/>
+                      <a:r>
+                        <a:rPr lang="en-US" altLang="ko-KR" dirty="0">
+                          <a:solidFill>
+                            <a:sysClr val="windowText" lastClr="000000"/>
+                          </a:solidFill>
+                        </a:rPr>
+                        <a:t>G2C2</a:t>
+                      </a:r>
+                      <a:endParaRPr lang="ko-KR" altLang="en-US" dirty="0">
+                        <a:solidFill>
+                          <a:sysClr val="windowText" lastClr="000000"/>
+                        </a:solidFill>
+                      </a:endParaRPr>
+                    </a:p>
+                  </a:txBody>
+                  <a:tcPr anchor="ctr">
+                    <a:lnL w="12700" cap="flat" cmpd="sng" algn="ctr">
+                      <a:solidFill>
+                        <a:schemeClr val="tx1"/>
+                      </a:solidFill>
+                      <a:prstDash val="solid"/>
+                      <a:round/>
+                      <a:headEnd type="none" w="med" len="med"/>
+                      <a:tailEnd type="none" w="med" len="med"/>
+                    </a:lnL>
+                    <a:lnR w="12700" cap="flat" cmpd="sng" algn="ctr">
+                      <a:solidFill>
+                        <a:schemeClr val="tx1"/>
+                      </a:solidFill>
+                      <a:prstDash val="solid"/>
+                      <a:round/>
+                      <a:headEnd type="none" w="med" len="med"/>
+                      <a:tailEnd type="none" w="med" len="med"/>
+                    </a:lnR>
+                    <a:lnT w="12700" cap="flat" cmpd="sng" algn="ctr">
+                      <a:solidFill>
+                        <a:schemeClr val="tx1"/>
+                      </a:solidFill>
+                      <a:prstDash val="solid"/>
+                      <a:round/>
+                      <a:headEnd type="none" w="med" len="med"/>
+                      <a:tailEnd type="none" w="med" len="med"/>
+                    </a:lnT>
+                    <a:lnB w="12700" cap="flat" cmpd="sng" algn="ctr">
+                      <a:solidFill>
+                        <a:schemeClr val="tx1"/>
+                      </a:solidFill>
+                      <a:prstDash val="solid"/>
+                      <a:round/>
+                      <a:headEnd type="none" w="med" len="med"/>
+                      <a:tailEnd type="none" w="med" len="med"/>
+                    </a:lnB>
+                    <a:noFill/>
+                  </a:tcPr>
+                </a:tc>
+                <a:extLst>
+                  <a:ext uri="{0D108BD9-81ED-4DB2-BD59-A6C34878D82A}">
+                    <a16:rowId xmlns:a16="http://schemas.microsoft.com/office/drawing/2014/main" val="722222116"/>
+                  </a:ext>
+                </a:extLst>
+              </a:tr>
+            </a:tbl>
+          </a:graphicData>
+        </a:graphic>
+      </p:graphicFrame>
+      <p:graphicFrame>
+        <p:nvGraphicFramePr>
+          <p:cNvPr id="6" name="표 6">
+            <a:extLst>
+              <a:ext uri="{FF2B5EF4-FFF2-40B4-BE49-F238E27FC236}">
+                <a16:creationId xmlns:a16="http://schemas.microsoft.com/office/drawing/2014/main" id="{33642B1A-1674-CBDB-EE4A-0A4EA5F38769}"/>
+              </a:ext>
+            </a:extLst>
+          </p:cNvPr>
+          <p:cNvGraphicFramePr>
+            <a:graphicFrameLocks noGrp="1"/>
+          </p:cNvGraphicFramePr>
+          <p:nvPr>
+            <p:extLst>
+              <p:ext uri="{D42A27DB-BD31-4B8C-83A1-F6EECF244321}">
+                <p14:modId xmlns:p14="http://schemas.microsoft.com/office/powerpoint/2010/main" val="1772909496"/>
+              </p:ext>
+            </p:extLst>
+          </p:nvPr>
+        </p:nvGraphicFramePr>
+        <p:xfrm>
+          <a:off x="8699382" y="3139076"/>
+          <a:ext cx="2123347" cy="966521"/>
+        </p:xfrm>
+        <a:graphic>
+          <a:graphicData uri="http://schemas.openxmlformats.org/drawingml/2006/table">
+            <a:tbl>
+              <a:tblPr firstRow="1" bandRow="1">
+                <a:tableStyleId>{5C22544A-7EE6-4342-B048-85BDC9FD1C3A}</a:tableStyleId>
+              </a:tblPr>
+              <a:tblGrid>
+                <a:gridCol w="2123347">
+                  <a:extLst>
+                    <a:ext uri="{9D8B030D-6E8A-4147-A177-3AD203B41FA5}">
+                      <a16:colId xmlns:a16="http://schemas.microsoft.com/office/drawing/2014/main" val="899691438"/>
+                    </a:ext>
+                  </a:extLst>
+                </a:gridCol>
+              </a:tblGrid>
+              <a:tr h="966521">
+                <a:tc>
+                  <a:txBody>
+                    <a:bodyPr/>
+                    <a:lstStyle/>
+                    <a:p>
+                      <a:pPr algn="ctr" latinLnBrk="1"/>
+                      <a:r>
+                        <a:rPr lang="en-US" altLang="ko-KR" dirty="0">
+                          <a:solidFill>
+                            <a:schemeClr val="tx1"/>
+                          </a:solidFill>
+                        </a:rPr>
+                        <a:t>Normal</a:t>
+                      </a:r>
+                      <a:endParaRPr lang="ko-KR" altLang="en-US" dirty="0">
+                        <a:solidFill>
+                          <a:schemeClr val="tx1"/>
+                        </a:solidFill>
+                      </a:endParaRPr>
+                    </a:p>
+                  </a:txBody>
+                  <a:tcPr anchor="ctr">
+                    <a:lnL w="12700" cap="flat" cmpd="sng" algn="ctr">
+                      <a:solidFill>
+                        <a:schemeClr val="tx1"/>
+                      </a:solidFill>
+                      <a:prstDash val="solid"/>
+                      <a:round/>
+                      <a:headEnd type="none" w="med" len="med"/>
+                      <a:tailEnd type="none" w="med" len="med"/>
+                    </a:lnL>
+                    <a:lnR w="12700" cap="flat" cmpd="sng" algn="ctr">
+                      <a:solidFill>
+                        <a:schemeClr val="tx1"/>
+                      </a:solidFill>
+                      <a:prstDash val="solid"/>
+                      <a:round/>
+                      <a:headEnd type="none" w="med" len="med"/>
+                      <a:tailEnd type="none" w="med" len="med"/>
+                    </a:lnR>
+                    <a:lnT w="12700" cap="flat" cmpd="sng" algn="ctr">
+                      <a:solidFill>
+                        <a:schemeClr val="tx1"/>
+                      </a:solidFill>
+                      <a:prstDash val="solid"/>
+                      <a:round/>
+                      <a:headEnd type="none" w="med" len="med"/>
+                      <a:tailEnd type="none" w="med" len="med"/>
+                    </a:lnT>
+                    <a:lnB w="12700" cap="flat" cmpd="sng" algn="ctr">
+                      <a:solidFill>
+                        <a:schemeClr val="tx1"/>
+                      </a:solidFill>
+                      <a:prstDash val="solid"/>
+                      <a:round/>
+                      <a:headEnd type="none" w="med" len="med"/>
+                      <a:tailEnd type="none" w="med" len="med"/>
+                    </a:lnB>
+                    <a:lnTlToBr w="12700" cap="flat" cmpd="sng" algn="ctr">
+                      <a:noFill/>
+                      <a:prstDash val="solid"/>
+                      <a:round/>
+                      <a:headEnd type="none" w="med" len="med"/>
+                      <a:tailEnd type="none" w="med" len="med"/>
+                    </a:lnTlToBr>
+                    <a:solidFill>
+                      <a:srgbClr val="FFFF00"/>
+                    </a:solidFill>
+                  </a:tcPr>
+                </a:tc>
+                <a:extLst>
+                  <a:ext uri="{0D108BD9-81ED-4DB2-BD59-A6C34878D82A}">
+                    <a16:rowId xmlns:a16="http://schemas.microsoft.com/office/drawing/2014/main" val="574773261"/>
+                  </a:ext>
+                </a:extLst>
+              </a:tr>
+            </a:tbl>
+          </a:graphicData>
+        </a:graphic>
+      </p:graphicFrame>
+      <p:sp>
+        <p:nvSpPr>
+          <p:cNvPr id="7" name="TextBox 6">
+            <a:extLst>
+              <a:ext uri="{FF2B5EF4-FFF2-40B4-BE49-F238E27FC236}">
+                <a16:creationId xmlns:a16="http://schemas.microsoft.com/office/drawing/2014/main" id="{3889DDC5-EC31-278D-1C37-1FE6041AC653}"/>
+              </a:ext>
+            </a:extLst>
+          </p:cNvPr>
+          <p:cNvSpPr txBox="1"/>
+          <p:nvPr/>
+        </p:nvSpPr>
+        <p:spPr>
+          <a:xfrm>
+            <a:off x="7908330" y="3437671"/>
+            <a:ext cx="350322" cy="369332"/>
+          </a:xfrm>
+          <a:prstGeom prst="rect">
+            <a:avLst/>
+          </a:prstGeom>
+          <a:noFill/>
+        </p:spPr>
+        <p:txBody>
+          <a:bodyPr wrap="square" rtlCol="0">
+            <a:spAutoFit/>
+          </a:bodyPr>
+          <a:lstStyle/>
+          <a:p>
+            <a:r>
+              <a:rPr lang="en-US" altLang="ko-KR" dirty="0"/>
+              <a:t>+</a:t>
+            </a:r>
+            <a:endParaRPr lang="ko-KR" altLang="en-US" dirty="0"/>
+          </a:p>
+        </p:txBody>
+      </p:sp>
     </p:spTree>
     <p:extLst>
       <p:ext uri="{BB962C8B-B14F-4D97-AF65-F5344CB8AC3E}">
-        <p14:creationId xmlns:p14="http://schemas.microsoft.com/office/powerpoint/2010/main" val="702774374"/>
+        <p14:creationId xmlns:p14="http://schemas.microsoft.com/office/powerpoint/2010/main" val="1517982911"/>
       </p:ext>
     </p:extLst>
   </p:cSld>
